--- a/images/programming/Kubernetes_Kubebuilder/Kubernetes_Kubebuilder.pptx
+++ b/images/programming/Kubernetes_Kubebuilder/Kubernetes_Kubebuilder.pptx
@@ -5,13 +5,14 @@
     <p:sldMasterId id="2147483648" r:id="rId1"/>
   </p:sldMasterIdLst>
   <p:notesMasterIdLst>
-    <p:notesMasterId r:id="rId6"/>
+    <p:notesMasterId r:id="rId7"/>
   </p:notesMasterIdLst>
   <p:sldIdLst>
-    <p:sldId id="421" r:id="rId2"/>
+    <p:sldId id="422" r:id="rId2"/>
     <p:sldId id="420" r:id="rId3"/>
-    <p:sldId id="419" r:id="rId4"/>
-    <p:sldId id="418" r:id="rId5"/>
+    <p:sldId id="421" r:id="rId4"/>
+    <p:sldId id="419" r:id="rId5"/>
+    <p:sldId id="418" r:id="rId6"/>
   </p:sldIdLst>
   <p:sldSz cx="9144000" cy="5143500" type="screen16x9"/>
   <p:notesSz cx="6858000" cy="9144000"/>
@@ -216,7 +217,7 @@
           <a:p>
             <a:fld id="{6CD5550B-26C4-49A9-A5BA-636EF7BE6CE9}" type="datetimeFigureOut">
               <a:rPr lang="ko-KR" altLang="en-US" smtClean="0"/>
-              <a:t>2019-06-08</a:t>
+              <a:t>2019-11-28</a:t>
             </a:fld>
             <a:endParaRPr lang="ko-KR" altLang="en-US"/>
           </a:p>
@@ -662,7 +663,7 @@
           <a:p>
             <a:fld id="{FB30EDBD-1C2D-4C1E-B459-B60219FAB484}" type="datetimeFigureOut">
               <a:rPr lang="ko-KR" altLang="en-US" smtClean="0"/>
-              <a:t>2019-06-08</a:t>
+              <a:t>2019-11-28</a:t>
             </a:fld>
             <a:endParaRPr lang="ko-KR" altLang="en-US"/>
           </a:p>
@@ -825,7 +826,7 @@
           <a:p>
             <a:fld id="{FB30EDBD-1C2D-4C1E-B459-B60219FAB484}" type="datetimeFigureOut">
               <a:rPr lang="ko-KR" altLang="en-US" smtClean="0"/>
-              <a:t>2019-06-08</a:t>
+              <a:t>2019-11-28</a:t>
             </a:fld>
             <a:endParaRPr lang="ko-KR" altLang="en-US"/>
           </a:p>
@@ -998,7 +999,7 @@
           <a:p>
             <a:fld id="{FB30EDBD-1C2D-4C1E-B459-B60219FAB484}" type="datetimeFigureOut">
               <a:rPr lang="ko-KR" altLang="en-US" smtClean="0"/>
-              <a:t>2019-06-08</a:t>
+              <a:t>2019-11-28</a:t>
             </a:fld>
             <a:endParaRPr lang="ko-KR" altLang="en-US"/>
           </a:p>
@@ -1161,7 +1162,7 @@
           <a:p>
             <a:fld id="{FB30EDBD-1C2D-4C1E-B459-B60219FAB484}" type="datetimeFigureOut">
               <a:rPr lang="ko-KR" altLang="en-US" smtClean="0"/>
-              <a:t>2019-06-08</a:t>
+              <a:t>2019-11-28</a:t>
             </a:fld>
             <a:endParaRPr lang="ko-KR" altLang="en-US"/>
           </a:p>
@@ -1401,7 +1402,7 @@
           <a:p>
             <a:fld id="{FB30EDBD-1C2D-4C1E-B459-B60219FAB484}" type="datetimeFigureOut">
               <a:rPr lang="ko-KR" altLang="en-US" smtClean="0"/>
-              <a:t>2019-06-08</a:t>
+              <a:t>2019-11-28</a:t>
             </a:fld>
             <a:endParaRPr lang="ko-KR" altLang="en-US"/>
           </a:p>
@@ -1681,7 +1682,7 @@
           <a:p>
             <a:fld id="{FB30EDBD-1C2D-4C1E-B459-B60219FAB484}" type="datetimeFigureOut">
               <a:rPr lang="ko-KR" altLang="en-US" smtClean="0"/>
-              <a:t>2019-06-08</a:t>
+              <a:t>2019-11-28</a:t>
             </a:fld>
             <a:endParaRPr lang="ko-KR" altLang="en-US"/>
           </a:p>
@@ -2095,7 +2096,7 @@
           <a:p>
             <a:fld id="{FB30EDBD-1C2D-4C1E-B459-B60219FAB484}" type="datetimeFigureOut">
               <a:rPr lang="ko-KR" altLang="en-US" smtClean="0"/>
-              <a:t>2019-06-08</a:t>
+              <a:t>2019-11-28</a:t>
             </a:fld>
             <a:endParaRPr lang="ko-KR" altLang="en-US"/>
           </a:p>
@@ -2207,7 +2208,7 @@
           <a:p>
             <a:fld id="{FB30EDBD-1C2D-4C1E-B459-B60219FAB484}" type="datetimeFigureOut">
               <a:rPr lang="ko-KR" altLang="en-US" smtClean="0"/>
-              <a:t>2019-06-08</a:t>
+              <a:t>2019-11-28</a:t>
             </a:fld>
             <a:endParaRPr lang="ko-KR" altLang="en-US"/>
           </a:p>
@@ -2297,7 +2298,7 @@
           <a:p>
             <a:fld id="{FB30EDBD-1C2D-4C1E-B459-B60219FAB484}" type="datetimeFigureOut">
               <a:rPr lang="ko-KR" altLang="en-US" smtClean="0"/>
-              <a:t>2019-06-08</a:t>
+              <a:t>2019-11-28</a:t>
             </a:fld>
             <a:endParaRPr lang="ko-KR" altLang="en-US"/>
           </a:p>
@@ -2567,7 +2568,7 @@
           <a:p>
             <a:fld id="{FB30EDBD-1C2D-4C1E-B459-B60219FAB484}" type="datetimeFigureOut">
               <a:rPr lang="ko-KR" altLang="en-US" smtClean="0"/>
-              <a:t>2019-06-08</a:t>
+              <a:t>2019-11-28</a:t>
             </a:fld>
             <a:endParaRPr lang="ko-KR" altLang="en-US"/>
           </a:p>
@@ -2814,7 +2815,7 @@
           <a:p>
             <a:fld id="{FB30EDBD-1C2D-4C1E-B459-B60219FAB484}" type="datetimeFigureOut">
               <a:rPr lang="ko-KR" altLang="en-US" smtClean="0"/>
-              <a:t>2019-06-08</a:t>
+              <a:t>2019-11-28</a:t>
             </a:fld>
             <a:endParaRPr lang="ko-KR" altLang="en-US"/>
           </a:p>
@@ -3020,7 +3021,7 @@
           <a:p>
             <a:fld id="{FB30EDBD-1C2D-4C1E-B459-B60219FAB484}" type="datetimeFigureOut">
               <a:rPr lang="ko-KR" altLang="en-US" smtClean="0"/>
-              <a:t>2019-06-08</a:t>
+              <a:t>2019-11-28</a:t>
             </a:fld>
             <a:endParaRPr lang="ko-KR" altLang="en-US"/>
           </a:p>
@@ -3404,8 +3405,8 @@
         </p:nvSpPr>
         <p:spPr>
           <a:xfrm>
-            <a:off x="2411760" y="1062270"/>
-            <a:ext cx="1569958" cy="1077432"/>
+            <a:off x="2937416" y="2649486"/>
+            <a:ext cx="1569958" cy="1239047"/>
           </a:xfrm>
           <a:prstGeom prst="roundRect">
             <a:avLst>
@@ -3432,9 +3433,24 @@
           <a:lstStyle/>
           <a:p>
             <a:pPr algn="ctr"/>
+            <a:endParaRPr lang="en-US" altLang="ko-KR" sz="1400" b="1"/>
+          </a:p>
+          <a:p>
+            <a:pPr algn="ctr"/>
+            <a:endParaRPr lang="en-US" altLang="ko-KR" sz="1400" b="1"/>
+          </a:p>
+          <a:p>
+            <a:pPr algn="ctr"/>
             <a:r>
               <a:rPr lang="en-US" altLang="ko-KR" sz="1400" b="1"/>
-              <a:t>Manager</a:t>
+              <a:t>Runtime</a:t>
+            </a:r>
+          </a:p>
+          <a:p>
+            <a:pPr algn="ctr"/>
+            <a:r>
+              <a:rPr lang="en-US" altLang="ko-KR" sz="1400" b="1"/>
+              <a:t>Manager Pkg</a:t>
             </a:r>
             <a:endParaRPr lang="ko-KR" altLang="en-US" sz="1400" b="1"/>
           </a:p>
@@ -3468,7 +3484,7 @@
           <a:p>
             <a:r>
               <a:rPr lang="en-US" altLang="ko-KR"/>
-              <a:t>Controller, Reconciler</a:t>
+              <a:t>K8s Controller Component</a:t>
             </a:r>
             <a:endParaRPr lang="ko-KR" altLang="en-US"/>
           </a:p>
@@ -3488,7 +3504,7 @@
         </p:nvSpPr>
         <p:spPr>
           <a:xfrm>
-            <a:off x="5364088" y="1289828"/>
+            <a:off x="2195736" y="771550"/>
             <a:ext cx="1368152" cy="622315"/>
           </a:xfrm>
           <a:prstGeom prst="roundRect">
@@ -3516,7 +3532,7 @@
             <a:pPr algn="ctr"/>
             <a:r>
               <a:rPr lang="en-US" altLang="ko-KR" sz="1400"/>
-              <a:t>Kubernetes</a:t>
+              <a:t>K8s</a:t>
             </a:r>
           </a:p>
           <a:p>
@@ -3543,8 +3559,8 @@
         </p:nvSpPr>
         <p:spPr>
           <a:xfrm>
-            <a:off x="4628758" y="2862470"/>
-            <a:ext cx="3039586" cy="1077432"/>
+            <a:off x="5163314" y="2649486"/>
+            <a:ext cx="3039586" cy="1239047"/>
           </a:xfrm>
           <a:prstGeom prst="roundRect">
             <a:avLst>
@@ -3573,9 +3589,15 @@
             <a:pPr algn="ctr"/>
             <a:r>
               <a:rPr lang="en-US" altLang="ko-KR" sz="1400" b="1"/>
-              <a:t>Reconciler</a:t>
-            </a:r>
-            <a:endParaRPr lang="ko-KR" altLang="en-US" sz="1400" b="1"/>
+              <a:t>Kubebuilder </a:t>
+            </a:r>
+          </a:p>
+          <a:p>
+            <a:pPr algn="ctr"/>
+            <a:r>
+              <a:rPr lang="en-US" altLang="ko-KR" sz="1400" b="1"/>
+              <a:t>Controller Pkg</a:t>
+            </a:r>
           </a:p>
         </p:txBody>
       </p:sp>
@@ -3593,7 +3615,7 @@
         </p:nvSpPr>
         <p:spPr>
           <a:xfrm>
-            <a:off x="6204637" y="2950321"/>
+            <a:off x="5263644" y="2737338"/>
             <a:ext cx="1368152" cy="622316"/>
           </a:xfrm>
           <a:prstGeom prst="roundRect">
@@ -3623,14 +3645,14 @@
             <a:pPr algn="ctr"/>
             <a:r>
               <a:rPr lang="en-US" altLang="ko-KR" sz="1400"/>
-              <a:t>Manager</a:t>
+              <a:t>Manager’s</a:t>
             </a:r>
           </a:p>
           <a:p>
             <a:pPr algn="ctr"/>
             <a:r>
               <a:rPr lang="en-US" altLang="ko-KR" sz="1400"/>
-              <a:t>Client</a:t>
+              <a:t>K8s Client</a:t>
             </a:r>
             <a:endParaRPr lang="ko-KR" altLang="en-US" sz="1400"/>
           </a:p>
@@ -3650,7 +3672,7 @@
         </p:nvSpPr>
         <p:spPr>
           <a:xfrm>
-            <a:off x="4725836" y="2950321"/>
+            <a:off x="6739622" y="2737338"/>
             <a:ext cx="1368152" cy="622316"/>
           </a:xfrm>
           <a:prstGeom prst="roundRect">
@@ -3700,8 +3722,8 @@
         </p:nvSpPr>
         <p:spPr>
           <a:xfrm>
-            <a:off x="1619672" y="2862470"/>
-            <a:ext cx="1569958" cy="1077432"/>
+            <a:off x="1259632" y="2649486"/>
+            <a:ext cx="1569958" cy="1239047"/>
           </a:xfrm>
           <a:prstGeom prst="roundRect">
             <a:avLst>
@@ -3730,7 +3752,14 @@
             <a:pPr algn="ctr"/>
             <a:r>
               <a:rPr lang="en-US" altLang="ko-KR" sz="1400" b="1"/>
-              <a:t>Controller</a:t>
+              <a:t>Runtime</a:t>
+            </a:r>
+          </a:p>
+          <a:p>
+            <a:pPr algn="ctr"/>
+            <a:r>
+              <a:rPr lang="en-US" altLang="ko-KR" sz="1400" b="1"/>
+              <a:t>Controller Pkg</a:t>
             </a:r>
             <a:endParaRPr lang="ko-KR" altLang="en-US" sz="1400" b="1"/>
           </a:p>
@@ -3750,7 +3779,7 @@
         </p:nvSpPr>
         <p:spPr>
           <a:xfrm>
-            <a:off x="1713652" y="2950321"/>
+            <a:off x="1353612" y="2737338"/>
             <a:ext cx="1368152" cy="622316"/>
           </a:xfrm>
           <a:prstGeom prst="roundRect">
@@ -3800,7 +3829,7 @@
         </p:nvSpPr>
         <p:spPr>
           <a:xfrm>
-            <a:off x="2513422" y="1150121"/>
+            <a:off x="3039078" y="2737338"/>
             <a:ext cx="1368152" cy="622316"/>
           </a:xfrm>
           <a:prstGeom prst="roundRect">
@@ -3846,6 +3875,7 @@
             </a:extLst>
           </p:cNvPr>
           <p:cNvCxnSpPr>
+            <a:cxnSpLocks/>
             <a:stCxn id="4" idx="2"/>
             <a:endCxn id="27" idx="0"/>
           </p:cNvCxnSpPr>
@@ -3853,8 +3883,8 @@
         </p:nvCxnSpPr>
         <p:spPr>
           <a:xfrm flipH="1">
-            <a:off x="2397728" y="1912143"/>
-            <a:ext cx="3650436" cy="1038178"/>
+            <a:off x="2037688" y="1393865"/>
+            <a:ext cx="842124" cy="1343473"/>
           </a:xfrm>
           <a:prstGeom prst="straightConnector1">
             <a:avLst/>
@@ -3893,15 +3923,15 @@
           </p:cNvPr>
           <p:cNvCxnSpPr>
             <a:cxnSpLocks/>
-            <a:stCxn id="4" idx="1"/>
-            <a:endCxn id="28" idx="3"/>
+            <a:stCxn id="4" idx="2"/>
+            <a:endCxn id="28" idx="0"/>
           </p:cNvCxnSpPr>
           <p:nvPr/>
         </p:nvCxnSpPr>
         <p:spPr>
-          <a:xfrm flipH="1" flipV="1">
-            <a:off x="3881574" y="1461279"/>
-            <a:ext cx="1482514" cy="139707"/>
+          <a:xfrm>
+            <a:off x="2879812" y="1393865"/>
+            <a:ext cx="843342" cy="1343473"/>
           </a:xfrm>
           <a:prstGeom prst="straightConnector1">
             <a:avLst/>
@@ -3940,15 +3970,15 @@
           </p:cNvPr>
           <p:cNvCxnSpPr>
             <a:cxnSpLocks/>
-            <a:stCxn id="28" idx="2"/>
-            <a:endCxn id="21" idx="0"/>
+            <a:stCxn id="28" idx="3"/>
+            <a:endCxn id="21" idx="1"/>
           </p:cNvCxnSpPr>
           <p:nvPr/>
         </p:nvCxnSpPr>
         <p:spPr>
           <a:xfrm>
-            <a:off x="3197498" y="1772437"/>
-            <a:ext cx="3691215" cy="1177884"/>
+            <a:off x="4407230" y="3048496"/>
+            <a:ext cx="856414" cy="0"/>
           </a:xfrm>
           <a:prstGeom prst="straightConnector1">
             <a:avLst/>
@@ -3994,8 +4024,8 @@
         </p:nvCxnSpPr>
         <p:spPr>
           <a:xfrm flipH="1" flipV="1">
-            <a:off x="6048164" y="1912143"/>
-            <a:ext cx="840549" cy="1038178"/>
+            <a:off x="2879812" y="1393865"/>
+            <a:ext cx="3067908" cy="1343473"/>
           </a:xfrm>
           <a:prstGeom prst="straightConnector1">
             <a:avLst/>
@@ -4025,200 +4055,26 @@
       </p:cxnSp>
       <p:sp>
         <p:nvSpPr>
-          <p:cNvPr id="54" name="TextBox 53">
-            <a:extLst>
-              <a:ext uri="{FF2B5EF4-FFF2-40B4-BE49-F238E27FC236}">
-                <a16:creationId xmlns:a16="http://schemas.microsoft.com/office/drawing/2014/main" id="{B83FB188-BED9-4F86-8DB3-C1A258FD1710}"/>
-              </a:ext>
-            </a:extLst>
-          </p:cNvPr>
-          <p:cNvSpPr txBox="1"/>
-          <p:nvPr/>
-        </p:nvSpPr>
-        <p:spPr>
-          <a:xfrm>
-            <a:off x="3185232" y="2631058"/>
-            <a:ext cx="1464888" cy="461665"/>
-          </a:xfrm>
-          <a:prstGeom prst="rect">
-            <a:avLst/>
-          </a:prstGeom>
-          <a:noFill/>
-        </p:spPr>
-        <p:txBody>
-          <a:bodyPr wrap="none" rtlCol="0">
-            <a:spAutoFit/>
-          </a:bodyPr>
-          <a:lstStyle/>
-          <a:p>
-            <a:pPr algn="ctr"/>
-            <a:r>
-              <a:rPr lang="en-US" altLang="ko-KR" sz="1200"/>
-              <a:t>Send CR </a:t>
-            </a:r>
-          </a:p>
-          <a:p>
-            <a:pPr algn="ctr"/>
-            <a:r>
-              <a:rPr lang="en-US" altLang="ko-KR" sz="1200"/>
-              <a:t>Name/Namespace</a:t>
-            </a:r>
-            <a:endParaRPr lang="ko-KR" altLang="en-US" sz="1200"/>
-          </a:p>
-        </p:txBody>
-      </p:sp>
-      <p:sp>
-        <p:nvSpPr>
-          <p:cNvPr id="57" name="TextBox 56">
-            <a:extLst>
-              <a:ext uri="{FF2B5EF4-FFF2-40B4-BE49-F238E27FC236}">
-                <a16:creationId xmlns:a16="http://schemas.microsoft.com/office/drawing/2014/main" id="{2087AD6B-8771-41A9-9952-B3AA7628C1EC}"/>
-              </a:ext>
-            </a:extLst>
-          </p:cNvPr>
-          <p:cNvSpPr txBox="1"/>
-          <p:nvPr/>
-        </p:nvSpPr>
-        <p:spPr>
-          <a:xfrm>
-            <a:off x="3170580" y="3416796"/>
-            <a:ext cx="1464888" cy="461665"/>
-          </a:xfrm>
-          <a:prstGeom prst="rect">
-            <a:avLst/>
-          </a:prstGeom>
-          <a:noFill/>
-        </p:spPr>
-        <p:txBody>
-          <a:bodyPr wrap="none" rtlCol="0">
-            <a:spAutoFit/>
-          </a:bodyPr>
-          <a:lstStyle/>
-          <a:p>
-            <a:pPr algn="ctr"/>
-            <a:r>
-              <a:rPr lang="en-US" altLang="ko-KR" sz="1200"/>
-              <a:t>Requeue CR </a:t>
-            </a:r>
-          </a:p>
-          <a:p>
-            <a:pPr algn="ctr"/>
-            <a:r>
-              <a:rPr lang="en-US" altLang="ko-KR" sz="1200"/>
-              <a:t>Name/Namespace</a:t>
-            </a:r>
-            <a:endParaRPr lang="ko-KR" altLang="en-US" sz="1200"/>
-          </a:p>
-        </p:txBody>
-      </p:sp>
-      <p:cxnSp>
-        <p:nvCxnSpPr>
-          <p:cNvPr id="5" name="직선 연결선 4">
-            <a:extLst>
-              <a:ext uri="{FF2B5EF4-FFF2-40B4-BE49-F238E27FC236}">
-                <a16:creationId xmlns:a16="http://schemas.microsoft.com/office/drawing/2014/main" id="{79057BA3-7878-4874-9872-862604216170}"/>
-              </a:ext>
-            </a:extLst>
-          </p:cNvPr>
-          <p:cNvCxnSpPr>
-            <a:cxnSpLocks/>
-          </p:cNvCxnSpPr>
-          <p:nvPr/>
-        </p:nvCxnSpPr>
-        <p:spPr>
-          <a:xfrm>
-            <a:off x="327835" y="2571750"/>
-            <a:ext cx="8132597" cy="0"/>
-          </a:xfrm>
-          <a:prstGeom prst="line">
-            <a:avLst/>
-          </a:prstGeom>
-          <a:ln w="28575">
-            <a:solidFill>
-              <a:schemeClr val="tx1"/>
-            </a:solidFill>
-            <a:prstDash val="dash"/>
-          </a:ln>
-        </p:spPr>
-        <p:style>
-          <a:lnRef idx="1">
-            <a:schemeClr val="accent1"/>
-          </a:lnRef>
-          <a:fillRef idx="0">
-            <a:schemeClr val="accent1"/>
-          </a:fillRef>
-          <a:effectRef idx="0">
-            <a:schemeClr val="accent1"/>
-          </a:effectRef>
-          <a:fontRef idx="minor">
-            <a:schemeClr val="tx1"/>
-          </a:fontRef>
-        </p:style>
-      </p:cxnSp>
-      <p:sp>
-        <p:nvSpPr>
-          <p:cNvPr id="25" name="TextBox 24">
-            <a:extLst>
-              <a:ext uri="{FF2B5EF4-FFF2-40B4-BE49-F238E27FC236}">
-                <a16:creationId xmlns:a16="http://schemas.microsoft.com/office/drawing/2014/main" id="{86EBF743-A613-40CD-A4ED-EFBBDAE527CA}"/>
-              </a:ext>
-            </a:extLst>
-          </p:cNvPr>
-          <p:cNvSpPr txBox="1"/>
-          <p:nvPr/>
-        </p:nvSpPr>
-        <p:spPr>
-          <a:xfrm>
-            <a:off x="702305" y="2643758"/>
-            <a:ext cx="917367" cy="523220"/>
-          </a:xfrm>
-          <a:prstGeom prst="rect">
-            <a:avLst/>
-          </a:prstGeom>
-          <a:noFill/>
-        </p:spPr>
-        <p:txBody>
-          <a:bodyPr wrap="none" rtlCol="0" anchor="ctr">
-            <a:spAutoFit/>
-          </a:bodyPr>
-          <a:lstStyle/>
-          <a:p>
-            <a:pPr algn="ctr"/>
-            <a:r>
-              <a:rPr lang="en-US" altLang="ko-KR" sz="1400"/>
-              <a:t>Golang</a:t>
-            </a:r>
-          </a:p>
-          <a:p>
-            <a:pPr algn="ctr"/>
-            <a:r>
-              <a:rPr lang="en-US" altLang="ko-KR" sz="1400"/>
-              <a:t>Operator</a:t>
-            </a:r>
-          </a:p>
-        </p:txBody>
-      </p:sp>
-      <p:cxnSp>
-        <p:nvCxnSpPr>
-          <p:cNvPr id="43" name="직선 화살표 연결선 42">
-            <a:extLst>
-              <a:ext uri="{FF2B5EF4-FFF2-40B4-BE49-F238E27FC236}">
-                <a16:creationId xmlns:a16="http://schemas.microsoft.com/office/drawing/2014/main" id="{C91A1A8C-888B-4048-AD8F-18B731C301A1}"/>
-              </a:ext>
-            </a:extLst>
-          </p:cNvPr>
-          <p:cNvCxnSpPr>
-            <a:cxnSpLocks/>
-          </p:cNvCxnSpPr>
-          <p:nvPr/>
-        </p:nvCxnSpPr>
-        <p:spPr>
-          <a:xfrm flipH="1">
-            <a:off x="3081804" y="3101563"/>
-            <a:ext cx="1644032" cy="0"/>
-          </a:xfrm>
-          <a:prstGeom prst="straightConnector1">
-            <a:avLst/>
+          <p:cNvPr id="47" name="원호 46">
+            <a:extLst>
+              <a:ext uri="{FF2B5EF4-FFF2-40B4-BE49-F238E27FC236}">
+                <a16:creationId xmlns:a16="http://schemas.microsoft.com/office/drawing/2014/main" id="{0034C7D1-EF2C-4CBD-A08C-E36A1D8C808C}"/>
+              </a:ext>
+            </a:extLst>
+          </p:cNvPr>
+          <p:cNvSpPr/>
+          <p:nvPr/>
+        </p:nvSpPr>
+        <p:spPr>
+          <a:xfrm flipV="1">
+            <a:off x="2586276" y="2748696"/>
+            <a:ext cx="4289980" cy="1239054"/>
+          </a:xfrm>
+          <a:prstGeom prst="arc">
+            <a:avLst>
+              <a:gd name="adj1" fmla="val 10787348"/>
+              <a:gd name="adj2" fmla="val 27559"/>
+            </a:avLst>
           </a:prstGeom>
           <a:ln w="28575">
             <a:solidFill>
@@ -4242,28 +4098,37 @@
             <a:schemeClr val="tx1"/>
           </a:fontRef>
         </p:style>
-      </p:cxnSp>
-      <p:cxnSp>
-        <p:nvCxnSpPr>
-          <p:cNvPr id="45" name="직선 화살표 연결선 44">
-            <a:extLst>
-              <a:ext uri="{FF2B5EF4-FFF2-40B4-BE49-F238E27FC236}">
-                <a16:creationId xmlns:a16="http://schemas.microsoft.com/office/drawing/2014/main" id="{81ECE741-BEE6-4049-BF20-41207C1D4BAB}"/>
-              </a:ext>
-            </a:extLst>
-          </p:cNvPr>
-          <p:cNvCxnSpPr>
-            <a:cxnSpLocks/>
-          </p:cNvCxnSpPr>
-          <p:nvPr/>
-        </p:nvCxnSpPr>
-        <p:spPr>
-          <a:xfrm flipH="1">
-            <a:off x="3081804" y="3401186"/>
-            <a:ext cx="1644032" cy="0"/>
-          </a:xfrm>
-          <a:prstGeom prst="straightConnector1">
-            <a:avLst/>
+        <p:txBody>
+          <a:bodyPr rtlCol="0" anchor="ctr"/>
+          <a:lstStyle/>
+          <a:p>
+            <a:pPr algn="ctr"/>
+            <a:endParaRPr lang="ko-KR" altLang="en-US"/>
+          </a:p>
+        </p:txBody>
+      </p:sp>
+      <p:sp>
+        <p:nvSpPr>
+          <p:cNvPr id="48" name="원호 47">
+            <a:extLst>
+              <a:ext uri="{FF2B5EF4-FFF2-40B4-BE49-F238E27FC236}">
+                <a16:creationId xmlns:a16="http://schemas.microsoft.com/office/drawing/2014/main" id="{F159D891-E03C-4A4E-A5FD-628D136561B6}"/>
+              </a:ext>
+            </a:extLst>
+          </p:cNvPr>
+          <p:cNvSpPr/>
+          <p:nvPr/>
+        </p:nvSpPr>
+        <p:spPr>
+          <a:xfrm flipV="1">
+            <a:off x="1475656" y="2341201"/>
+            <a:ext cx="6480720" cy="1987527"/>
+          </a:xfrm>
+          <a:prstGeom prst="arc">
+            <a:avLst>
+              <a:gd name="adj1" fmla="val 10797061"/>
+              <a:gd name="adj2" fmla="val 6830"/>
+            </a:avLst>
           </a:prstGeom>
           <a:ln w="28575">
             <a:solidFill>
@@ -4287,27 +4152,373 @@
             <a:schemeClr val="tx1"/>
           </a:fontRef>
         </p:style>
-      </p:cxnSp>
+        <p:txBody>
+          <a:bodyPr rtlCol="0" anchor="ctr"/>
+          <a:lstStyle/>
+          <a:p>
+            <a:pPr algn="ctr"/>
+            <a:endParaRPr lang="ko-KR" altLang="en-US"/>
+          </a:p>
+        </p:txBody>
+      </p:sp>
+      <p:sp>
+        <p:nvSpPr>
+          <p:cNvPr id="51" name="TextBox 50">
+            <a:extLst>
+              <a:ext uri="{FF2B5EF4-FFF2-40B4-BE49-F238E27FC236}">
+                <a16:creationId xmlns:a16="http://schemas.microsoft.com/office/drawing/2014/main" id="{3DB123B9-D0C8-4BE2-98C1-96E2D53E63B7}"/>
+              </a:ext>
+            </a:extLst>
+          </p:cNvPr>
+          <p:cNvSpPr txBox="1"/>
+          <p:nvPr/>
+        </p:nvSpPr>
+        <p:spPr>
+          <a:xfrm>
+            <a:off x="2771800" y="1923678"/>
+            <a:ext cx="555280" cy="307777"/>
+          </a:xfrm>
+          <a:prstGeom prst="rect">
+            <a:avLst/>
+          </a:prstGeom>
+          <a:noFill/>
+        </p:spPr>
+        <p:txBody>
+          <a:bodyPr wrap="none" rtlCol="0">
+            <a:spAutoFit/>
+          </a:bodyPr>
+          <a:lstStyle/>
+          <a:p>
+            <a:r>
+              <a:rPr lang="en-US" altLang="ko-KR" sz="1400"/>
+              <a:t>Sync</a:t>
+            </a:r>
+            <a:endParaRPr lang="ko-KR" altLang="en-US" sz="1400"/>
+          </a:p>
+        </p:txBody>
+      </p:sp>
+      <p:sp>
+        <p:nvSpPr>
+          <p:cNvPr id="52" name="TextBox 51">
+            <a:extLst>
+              <a:ext uri="{FF2B5EF4-FFF2-40B4-BE49-F238E27FC236}">
+                <a16:creationId xmlns:a16="http://schemas.microsoft.com/office/drawing/2014/main" id="{E4C2FABD-15BD-44C1-8FA1-6D70BE8D1034}"/>
+              </a:ext>
+            </a:extLst>
+          </p:cNvPr>
+          <p:cNvSpPr txBox="1"/>
+          <p:nvPr/>
+        </p:nvSpPr>
+        <p:spPr>
+          <a:xfrm>
+            <a:off x="4555091" y="2753343"/>
+            <a:ext cx="584775" cy="307777"/>
+          </a:xfrm>
+          <a:prstGeom prst="rect">
+            <a:avLst/>
+          </a:prstGeom>
+          <a:noFill/>
+        </p:spPr>
+        <p:txBody>
+          <a:bodyPr wrap="none" rtlCol="0">
+            <a:spAutoFit/>
+          </a:bodyPr>
+          <a:lstStyle/>
+          <a:p>
+            <a:r>
+              <a:rPr lang="en-US" altLang="ko-KR" sz="1400"/>
+              <a:t>Read</a:t>
+            </a:r>
+            <a:endParaRPr lang="ko-KR" altLang="en-US" sz="1400"/>
+          </a:p>
+        </p:txBody>
+      </p:sp>
+      <p:sp>
+        <p:nvSpPr>
+          <p:cNvPr id="53" name="TextBox 52">
+            <a:extLst>
+              <a:ext uri="{FF2B5EF4-FFF2-40B4-BE49-F238E27FC236}">
+                <a16:creationId xmlns:a16="http://schemas.microsoft.com/office/drawing/2014/main" id="{ACE18D3D-EF44-47E7-BBDE-D95699AB0CAD}"/>
+              </a:ext>
+            </a:extLst>
+          </p:cNvPr>
+          <p:cNvSpPr txBox="1"/>
+          <p:nvPr/>
+        </p:nvSpPr>
+        <p:spPr>
+          <a:xfrm>
+            <a:off x="3733562" y="1903933"/>
+            <a:ext cx="622414" cy="307777"/>
+          </a:xfrm>
+          <a:prstGeom prst="rect">
+            <a:avLst/>
+          </a:prstGeom>
+          <a:noFill/>
+        </p:spPr>
+        <p:txBody>
+          <a:bodyPr wrap="none" rtlCol="0">
+            <a:spAutoFit/>
+          </a:bodyPr>
+          <a:lstStyle/>
+          <a:p>
+            <a:r>
+              <a:rPr lang="en-US" altLang="ko-KR" sz="1400"/>
+              <a:t>Write</a:t>
+            </a:r>
+            <a:endParaRPr lang="ko-KR" altLang="en-US" sz="1400"/>
+          </a:p>
+        </p:txBody>
+      </p:sp>
+      <p:sp>
+        <p:nvSpPr>
+          <p:cNvPr id="54" name="TextBox 53">
+            <a:extLst>
+              <a:ext uri="{FF2B5EF4-FFF2-40B4-BE49-F238E27FC236}">
+                <a16:creationId xmlns:a16="http://schemas.microsoft.com/office/drawing/2014/main" id="{B83FB188-BED9-4F86-8DB3-C1A258FD1710}"/>
+              </a:ext>
+            </a:extLst>
+          </p:cNvPr>
+          <p:cNvSpPr txBox="1"/>
+          <p:nvPr/>
+        </p:nvSpPr>
+        <p:spPr>
+          <a:xfrm>
+            <a:off x="3613462" y="4328740"/>
+            <a:ext cx="2437527" cy="307777"/>
+          </a:xfrm>
+          <a:prstGeom prst="rect">
+            <a:avLst/>
+          </a:prstGeom>
+          <a:noFill/>
+        </p:spPr>
+        <p:txBody>
+          <a:bodyPr wrap="none" rtlCol="0">
+            <a:spAutoFit/>
+          </a:bodyPr>
+          <a:lstStyle/>
+          <a:p>
+            <a:pPr algn="ctr"/>
+            <a:r>
+              <a:rPr lang="en-US" altLang="ko-KR" sz="1400"/>
+              <a:t>Send CR Name/Namespace</a:t>
+            </a:r>
+            <a:endParaRPr lang="ko-KR" altLang="en-US" sz="1400"/>
+          </a:p>
+        </p:txBody>
+      </p:sp>
+      <p:sp>
+        <p:nvSpPr>
+          <p:cNvPr id="55" name="TextBox 54">
+            <a:extLst>
+              <a:ext uri="{FF2B5EF4-FFF2-40B4-BE49-F238E27FC236}">
+                <a16:creationId xmlns:a16="http://schemas.microsoft.com/office/drawing/2014/main" id="{D07D57EB-3F9B-44E6-A50A-3932AEB297C2}"/>
+              </a:ext>
+            </a:extLst>
+          </p:cNvPr>
+          <p:cNvSpPr txBox="1"/>
+          <p:nvPr/>
+        </p:nvSpPr>
+        <p:spPr>
+          <a:xfrm>
+            <a:off x="1403648" y="1923678"/>
+            <a:ext cx="969341" cy="307777"/>
+          </a:xfrm>
+          <a:prstGeom prst="rect">
+            <a:avLst/>
+          </a:prstGeom>
+          <a:noFill/>
+        </p:spPr>
+        <p:txBody>
+          <a:bodyPr wrap="square" rtlCol="0" anchor="ctr">
+            <a:spAutoFit/>
+          </a:bodyPr>
+          <a:lstStyle/>
+          <a:p>
+            <a:pPr algn="ctr"/>
+            <a:r>
+              <a:rPr lang="en-US" altLang="ko-KR" sz="1400"/>
+              <a:t>Watch CR</a:t>
+            </a:r>
+          </a:p>
+        </p:txBody>
+      </p:sp>
+      <p:sp>
+        <p:nvSpPr>
+          <p:cNvPr id="57" name="TextBox 56">
+            <a:extLst>
+              <a:ext uri="{FF2B5EF4-FFF2-40B4-BE49-F238E27FC236}">
+                <a16:creationId xmlns:a16="http://schemas.microsoft.com/office/drawing/2014/main" id="{2087AD6B-8771-41A9-9952-B3AA7628C1EC}"/>
+              </a:ext>
+            </a:extLst>
+          </p:cNvPr>
+          <p:cNvSpPr txBox="1"/>
+          <p:nvPr/>
+        </p:nvSpPr>
+        <p:spPr>
+          <a:xfrm>
+            <a:off x="3446269" y="3948955"/>
+            <a:ext cx="2771914" cy="307777"/>
+          </a:xfrm>
+          <a:prstGeom prst="rect">
+            <a:avLst/>
+          </a:prstGeom>
+          <a:noFill/>
+        </p:spPr>
+        <p:txBody>
+          <a:bodyPr wrap="none" rtlCol="0">
+            <a:spAutoFit/>
+          </a:bodyPr>
+          <a:lstStyle/>
+          <a:p>
+            <a:pPr algn="ctr"/>
+            <a:r>
+              <a:rPr lang="en-US" altLang="ko-KR" sz="1400"/>
+              <a:t>Requeue CR Name/Namespace</a:t>
+            </a:r>
+            <a:endParaRPr lang="ko-KR" altLang="en-US" sz="1400"/>
+          </a:p>
+        </p:txBody>
+      </p:sp>
+      <p:sp>
+        <p:nvSpPr>
+          <p:cNvPr id="31" name="사각형: 둥근 모서리 30">
+            <a:extLst>
+              <a:ext uri="{FF2B5EF4-FFF2-40B4-BE49-F238E27FC236}">
+                <a16:creationId xmlns:a16="http://schemas.microsoft.com/office/drawing/2014/main" id="{2776D55E-D231-41A0-B6A8-4E1BA238D8C5}"/>
+              </a:ext>
+            </a:extLst>
+          </p:cNvPr>
+          <p:cNvSpPr/>
+          <p:nvPr/>
+        </p:nvSpPr>
+        <p:spPr>
+          <a:xfrm>
+            <a:off x="1187624" y="2583395"/>
+            <a:ext cx="7092776" cy="2076587"/>
+          </a:xfrm>
+          <a:prstGeom prst="roundRect">
+            <a:avLst>
+              <a:gd name="adj" fmla="val 6714"/>
+            </a:avLst>
+          </a:prstGeom>
+          <a:noFill/>
+          <a:ln>
+            <a:solidFill>
+              <a:schemeClr val="tx1"/>
+            </a:solidFill>
+          </a:ln>
+        </p:spPr>
+        <p:style>
+          <a:lnRef idx="2">
+            <a:schemeClr val="accent1">
+              <a:shade val="50000"/>
+            </a:schemeClr>
+          </a:lnRef>
+          <a:fillRef idx="1">
+            <a:schemeClr val="accent1"/>
+          </a:fillRef>
+          <a:effectRef idx="0">
+            <a:schemeClr val="accent1"/>
+          </a:effectRef>
+          <a:fontRef idx="minor">
+            <a:schemeClr val="lt1"/>
+          </a:fontRef>
+        </p:style>
+        <p:txBody>
+          <a:bodyPr rtlCol="0" anchor="b"/>
+          <a:lstStyle/>
+          <a:p>
+            <a:r>
+              <a:rPr lang="en-US" altLang="ko-KR" sz="1400" b="1">
+                <a:solidFill>
+                  <a:schemeClr val="tx1"/>
+                </a:solidFill>
+              </a:rPr>
+              <a:t>Controller</a:t>
+            </a:r>
+            <a:endParaRPr lang="ko-KR" altLang="en-US" sz="1600" b="1">
+              <a:solidFill>
+                <a:schemeClr val="tx1"/>
+              </a:solidFill>
+            </a:endParaRPr>
+          </a:p>
+        </p:txBody>
+      </p:sp>
+      <p:sp>
+        <p:nvSpPr>
+          <p:cNvPr id="35" name="사각형: 둥근 모서리 34">
+            <a:extLst>
+              <a:ext uri="{FF2B5EF4-FFF2-40B4-BE49-F238E27FC236}">
+                <a16:creationId xmlns:a16="http://schemas.microsoft.com/office/drawing/2014/main" id="{C2599EB8-3D7B-44BF-8FD5-7913897BF51E}"/>
+              </a:ext>
+            </a:extLst>
+          </p:cNvPr>
+          <p:cNvSpPr/>
+          <p:nvPr/>
+        </p:nvSpPr>
+        <p:spPr>
+          <a:xfrm>
+            <a:off x="5767516" y="1635646"/>
+            <a:ext cx="1656182" cy="622315"/>
+          </a:xfrm>
+          <a:prstGeom prst="roundRect">
+            <a:avLst/>
+          </a:prstGeom>
+        </p:spPr>
+        <p:style>
+          <a:lnRef idx="2">
+            <a:schemeClr val="dk1"/>
+          </a:lnRef>
+          <a:fillRef idx="1">
+            <a:schemeClr val="lt1"/>
+          </a:fillRef>
+          <a:effectRef idx="0">
+            <a:schemeClr val="dk1"/>
+          </a:effectRef>
+          <a:fontRef idx="minor">
+            <a:schemeClr val="dk1"/>
+          </a:fontRef>
+        </p:style>
+        <p:txBody>
+          <a:bodyPr rtlCol="0" anchor="ctr"/>
+          <a:lstStyle/>
+          <a:p>
+            <a:pPr algn="ctr"/>
+            <a:r>
+              <a:rPr lang="en-US" altLang="ko-KR" sz="1400">
+                <a:solidFill>
+                  <a:schemeClr val="tx1"/>
+                </a:solidFill>
+              </a:rPr>
+              <a:t>kube-rbac-proxy</a:t>
+            </a:r>
+            <a:endParaRPr lang="ko-KR" altLang="en-US" sz="1600">
+              <a:solidFill>
+                <a:schemeClr val="tx1"/>
+              </a:solidFill>
+            </a:endParaRPr>
+          </a:p>
+        </p:txBody>
+      </p:sp>
       <p:cxnSp>
         <p:nvCxnSpPr>
-          <p:cNvPr id="56" name="직선 화살표 연결선 55">
-            <a:extLst>
-              <a:ext uri="{FF2B5EF4-FFF2-40B4-BE49-F238E27FC236}">
-                <a16:creationId xmlns:a16="http://schemas.microsoft.com/office/drawing/2014/main" id="{A5693673-5567-415E-99D4-BEE3DA975698}"/>
+          <p:cNvPr id="36" name="직선 화살표 연결선 35">
+            <a:extLst>
+              <a:ext uri="{FF2B5EF4-FFF2-40B4-BE49-F238E27FC236}">
+                <a16:creationId xmlns:a16="http://schemas.microsoft.com/office/drawing/2014/main" id="{416FEA27-8521-4605-B12D-D78C1031A956}"/>
               </a:ext>
             </a:extLst>
           </p:cNvPr>
           <p:cNvCxnSpPr>
             <a:cxnSpLocks/>
-            <a:stCxn id="26" idx="0"/>
-            <a:endCxn id="29" idx="2"/>
+            <a:stCxn id="35" idx="2"/>
           </p:cNvCxnSpPr>
           <p:nvPr/>
         </p:nvCxnSpPr>
         <p:spPr>
-          <a:xfrm flipV="1">
-            <a:off x="2404651" y="2139702"/>
-            <a:ext cx="792088" cy="722768"/>
+          <a:xfrm>
+            <a:off x="6595607" y="2257961"/>
+            <a:ext cx="0" cy="313789"/>
           </a:xfrm>
           <a:prstGeom prst="straightConnector1">
             <a:avLst/>
@@ -4316,8 +4527,8 @@
             <a:solidFill>
               <a:schemeClr val="tx1"/>
             </a:solidFill>
-            <a:headEnd type="none" w="med" len="med"/>
-            <a:tailEnd type="arrow" w="med" len="med"/>
+            <a:headEnd type="arrow" w="med" len="med"/>
+            <a:tailEnd type="none" w="med" len="med"/>
           </a:ln>
         </p:spPr>
         <p:style>
@@ -4337,10 +4548,10 @@
       </p:cxnSp>
       <p:sp>
         <p:nvSpPr>
-          <p:cNvPr id="59" name="TextBox 58">
-            <a:extLst>
-              <a:ext uri="{FF2B5EF4-FFF2-40B4-BE49-F238E27FC236}">
-                <a16:creationId xmlns:a16="http://schemas.microsoft.com/office/drawing/2014/main" id="{177D8963-3ED7-4F81-A792-7125D6E9239A}"/>
+          <p:cNvPr id="40" name="TextBox 39">
+            <a:extLst>
+              <a:ext uri="{FF2B5EF4-FFF2-40B4-BE49-F238E27FC236}">
+                <a16:creationId xmlns:a16="http://schemas.microsoft.com/office/drawing/2014/main" id="{95C263B4-FDA7-4FEF-890E-D49C35CA66F0}"/>
               </a:ext>
             </a:extLst>
           </p:cNvPr>
@@ -4349,8 +4560,8 @@
         </p:nvSpPr>
         <p:spPr>
           <a:xfrm>
-            <a:off x="4427984" y="1254931"/>
-            <a:ext cx="501419" cy="276999"/>
+            <a:off x="6482979" y="2263973"/>
+            <a:ext cx="969341" cy="307777"/>
           </a:xfrm>
           <a:prstGeom prst="rect">
             <a:avLst/>
@@ -4358,167 +4569,135 @@
           <a:noFill/>
         </p:spPr>
         <p:txBody>
-          <a:bodyPr wrap="none" rtlCol="0">
+          <a:bodyPr wrap="square" rtlCol="0" anchor="ctr">
             <a:spAutoFit/>
           </a:bodyPr>
           <a:lstStyle/>
           <a:p>
-            <a:r>
-              <a:rPr lang="en-US" altLang="ko-KR" sz="1200"/>
-              <a:t>Sync</a:t>
-            </a:r>
-            <a:endParaRPr lang="ko-KR" altLang="en-US" sz="1200"/>
-          </a:p>
-        </p:txBody>
-      </p:sp>
-      <p:sp>
-        <p:nvSpPr>
-          <p:cNvPr id="60" name="TextBox 59">
-            <a:extLst>
-              <a:ext uri="{FF2B5EF4-FFF2-40B4-BE49-F238E27FC236}">
-                <a16:creationId xmlns:a16="http://schemas.microsoft.com/office/drawing/2014/main" id="{68C3E641-9056-4F35-AEE1-AE42546353EC}"/>
-              </a:ext>
-            </a:extLst>
-          </p:cNvPr>
-          <p:cNvSpPr txBox="1"/>
-          <p:nvPr/>
-        </p:nvSpPr>
-        <p:spPr>
-          <a:xfrm>
-            <a:off x="2172856" y="2255843"/>
-            <a:ext cx="742960" cy="276999"/>
-          </a:xfrm>
-          <a:prstGeom prst="rect">
+            <a:pPr algn="ctr"/>
+            <a:r>
+              <a:rPr lang="en-US" altLang="ko-KR" sz="1400"/>
+              <a:t>Metric</a:t>
+            </a:r>
+          </a:p>
+        </p:txBody>
+      </p:sp>
+      <p:cxnSp>
+        <p:nvCxnSpPr>
+          <p:cNvPr id="41" name="직선 화살표 연결선 40">
+            <a:extLst>
+              <a:ext uri="{FF2B5EF4-FFF2-40B4-BE49-F238E27FC236}">
+                <a16:creationId xmlns:a16="http://schemas.microsoft.com/office/drawing/2014/main" id="{C3646514-DE27-4A8A-99C0-5FD9F73C34E2}"/>
+              </a:ext>
+            </a:extLst>
+          </p:cNvPr>
+          <p:cNvCxnSpPr>
+            <a:cxnSpLocks/>
+            <a:endCxn id="35" idx="0"/>
+          </p:cNvCxnSpPr>
+          <p:nvPr/>
+        </p:nvCxnSpPr>
+        <p:spPr>
+          <a:xfrm>
+            <a:off x="6595607" y="1059582"/>
+            <a:ext cx="0" cy="576064"/>
+          </a:xfrm>
+          <a:prstGeom prst="straightConnector1">
             <a:avLst/>
           </a:prstGeom>
+          <a:ln w="28575">
+            <a:solidFill>
+              <a:schemeClr val="tx1"/>
+            </a:solidFill>
+            <a:headEnd type="arrow" w="med" len="med"/>
+            <a:tailEnd type="none" w="med" len="med"/>
+          </a:ln>
+        </p:spPr>
+        <p:style>
+          <a:lnRef idx="1">
+            <a:schemeClr val="accent1"/>
+          </a:lnRef>
+          <a:fillRef idx="0">
+            <a:schemeClr val="accent1"/>
+          </a:fillRef>
+          <a:effectRef idx="0">
+            <a:schemeClr val="accent1"/>
+          </a:effectRef>
+          <a:fontRef idx="minor">
+            <a:schemeClr val="tx1"/>
+          </a:fontRef>
+        </p:style>
+      </p:cxnSp>
+      <p:sp>
+        <p:nvSpPr>
+          <p:cNvPr id="56" name="사각형: 둥근 모서리 55">
+            <a:extLst>
+              <a:ext uri="{FF2B5EF4-FFF2-40B4-BE49-F238E27FC236}">
+                <a16:creationId xmlns:a16="http://schemas.microsoft.com/office/drawing/2014/main" id="{B739F7F4-10B0-4B76-8FBF-E9786C204F30}"/>
+              </a:ext>
+            </a:extLst>
+          </p:cNvPr>
+          <p:cNvSpPr/>
+          <p:nvPr/>
+        </p:nvSpPr>
+        <p:spPr>
+          <a:xfrm>
+            <a:off x="1115616" y="1544726"/>
+            <a:ext cx="7236792" cy="3475296"/>
+          </a:xfrm>
+          <a:prstGeom prst="roundRect">
+            <a:avLst>
+              <a:gd name="adj" fmla="val 5497"/>
+            </a:avLst>
+          </a:prstGeom>
           <a:noFill/>
-        </p:spPr>
-        <p:txBody>
-          <a:bodyPr wrap="none" rtlCol="0">
-            <a:spAutoFit/>
-          </a:bodyPr>
-          <a:lstStyle/>
-          <a:p>
-            <a:r>
-              <a:rPr lang="en-US" altLang="ko-KR" sz="1200"/>
-              <a:t>Register</a:t>
-            </a:r>
-            <a:endParaRPr lang="ko-KR" altLang="en-US" sz="1200"/>
-          </a:p>
-        </p:txBody>
-      </p:sp>
-      <p:sp>
-        <p:nvSpPr>
-          <p:cNvPr id="61" name="TextBox 60">
-            <a:extLst>
-              <a:ext uri="{FF2B5EF4-FFF2-40B4-BE49-F238E27FC236}">
-                <a16:creationId xmlns:a16="http://schemas.microsoft.com/office/drawing/2014/main" id="{CDD0CA14-C561-4491-97B4-355D550EE7AB}"/>
-              </a:ext>
-            </a:extLst>
-          </p:cNvPr>
-          <p:cNvSpPr txBox="1"/>
-          <p:nvPr/>
-        </p:nvSpPr>
-        <p:spPr>
-          <a:xfrm>
-            <a:off x="3970552" y="1790623"/>
-            <a:ext cx="529440" cy="276999"/>
-          </a:xfrm>
-          <a:prstGeom prst="rect">
-            <a:avLst/>
-          </a:prstGeom>
-          <a:noFill/>
-        </p:spPr>
-        <p:txBody>
-          <a:bodyPr wrap="none" rtlCol="0">
-            <a:spAutoFit/>
-          </a:bodyPr>
-          <a:lstStyle/>
-          <a:p>
-            <a:r>
-              <a:rPr lang="en-US" altLang="ko-KR" sz="1200"/>
-              <a:t>Read</a:t>
-            </a:r>
-            <a:endParaRPr lang="ko-KR" altLang="en-US" sz="1200"/>
-          </a:p>
-        </p:txBody>
-      </p:sp>
-      <p:sp>
-        <p:nvSpPr>
-          <p:cNvPr id="62" name="TextBox 61">
-            <a:extLst>
-              <a:ext uri="{FF2B5EF4-FFF2-40B4-BE49-F238E27FC236}">
-                <a16:creationId xmlns:a16="http://schemas.microsoft.com/office/drawing/2014/main" id="{CCF50FF6-2288-4B7E-B12A-45F0BA97809C}"/>
-              </a:ext>
-            </a:extLst>
-          </p:cNvPr>
-          <p:cNvSpPr txBox="1"/>
-          <p:nvPr/>
-        </p:nvSpPr>
-        <p:spPr>
-          <a:xfrm>
-            <a:off x="6393022" y="2191946"/>
-            <a:ext cx="558486" cy="276999"/>
-          </a:xfrm>
-          <a:prstGeom prst="rect">
-            <a:avLst/>
-          </a:prstGeom>
-          <a:noFill/>
-        </p:spPr>
-        <p:txBody>
-          <a:bodyPr wrap="none" rtlCol="0">
-            <a:spAutoFit/>
-          </a:bodyPr>
-          <a:lstStyle/>
-          <a:p>
-            <a:r>
-              <a:rPr lang="en-US" altLang="ko-KR" sz="1200"/>
-              <a:t>Write</a:t>
-            </a:r>
-            <a:endParaRPr lang="ko-KR" altLang="en-US" sz="1200"/>
-          </a:p>
-        </p:txBody>
-      </p:sp>
-      <p:sp>
-        <p:nvSpPr>
-          <p:cNvPr id="63" name="TextBox 62">
-            <a:extLst>
-              <a:ext uri="{FF2B5EF4-FFF2-40B4-BE49-F238E27FC236}">
-                <a16:creationId xmlns:a16="http://schemas.microsoft.com/office/drawing/2014/main" id="{C1696F7D-C396-4767-819A-A0D88E0C01A3}"/>
-              </a:ext>
-            </a:extLst>
-          </p:cNvPr>
-          <p:cNvSpPr txBox="1"/>
-          <p:nvPr/>
-        </p:nvSpPr>
-        <p:spPr>
-          <a:xfrm>
-            <a:off x="3346338" y="2211710"/>
-            <a:ext cx="865622" cy="276999"/>
-          </a:xfrm>
-          <a:prstGeom prst="rect">
-            <a:avLst/>
-          </a:prstGeom>
-          <a:noFill/>
-        </p:spPr>
-        <p:txBody>
-          <a:bodyPr wrap="none" rtlCol="0">
-            <a:spAutoFit/>
-          </a:bodyPr>
-          <a:lstStyle/>
-          <a:p>
-            <a:r>
-              <a:rPr lang="en-US" altLang="ko-KR" sz="1200"/>
-              <a:t>Watch CR</a:t>
-            </a:r>
-            <a:endParaRPr lang="ko-KR" altLang="en-US" sz="1200"/>
+          <a:ln>
+            <a:solidFill>
+              <a:schemeClr val="tx1"/>
+            </a:solidFill>
+            <a:prstDash val="dash"/>
+          </a:ln>
+        </p:spPr>
+        <p:style>
+          <a:lnRef idx="2">
+            <a:schemeClr val="accent1">
+              <a:shade val="50000"/>
+            </a:schemeClr>
+          </a:lnRef>
+          <a:fillRef idx="1">
+            <a:schemeClr val="accent1"/>
+          </a:fillRef>
+          <a:effectRef idx="0">
+            <a:schemeClr val="accent1"/>
+          </a:effectRef>
+          <a:fontRef idx="minor">
+            <a:schemeClr val="lt1"/>
+          </a:fontRef>
+        </p:style>
+        <p:txBody>
+          <a:bodyPr rtlCol="0" anchor="b"/>
+          <a:lstStyle/>
+          <a:p>
+            <a:r>
+              <a:rPr lang="en-US" altLang="ko-KR" sz="1400" b="1">
+                <a:solidFill>
+                  <a:schemeClr val="tx1"/>
+                </a:solidFill>
+              </a:rPr>
+              <a:t>Controller Pod</a:t>
+            </a:r>
+            <a:endParaRPr lang="ko-KR" altLang="en-US" sz="1600" b="1">
+              <a:solidFill>
+                <a:schemeClr val="tx1"/>
+              </a:solidFill>
+            </a:endParaRPr>
           </a:p>
         </p:txBody>
       </p:sp>
     </p:spTree>
     <p:extLst>
       <p:ext uri="{BB962C8B-B14F-4D97-AF65-F5344CB8AC3E}">
-        <p14:creationId xmlns:p14="http://schemas.microsoft.com/office/powerpoint/2010/main" val="3828610783"/>
+        <p14:creationId xmlns:p14="http://schemas.microsoft.com/office/powerpoint/2010/main" val="1521896078"/>
       </p:ext>
     </p:extLst>
   </p:cSld>
@@ -4589,6 +4768,1161 @@
         </p:nvSpPr>
         <p:spPr>
           <a:xfrm>
+            <a:off x="2411760" y="1062270"/>
+            <a:ext cx="1569958" cy="1077432"/>
+          </a:xfrm>
+          <a:prstGeom prst="roundRect">
+            <a:avLst>
+              <a:gd name="adj" fmla="val 7564"/>
+            </a:avLst>
+          </a:prstGeom>
+        </p:spPr>
+        <p:style>
+          <a:lnRef idx="2">
+            <a:schemeClr val="dk1"/>
+          </a:lnRef>
+          <a:fillRef idx="1">
+            <a:schemeClr val="lt1"/>
+          </a:fillRef>
+          <a:effectRef idx="0">
+            <a:schemeClr val="dk1"/>
+          </a:effectRef>
+          <a:fontRef idx="minor">
+            <a:schemeClr val="dk1"/>
+          </a:fontRef>
+        </p:style>
+        <p:txBody>
+          <a:bodyPr rtlCol="0" anchor="b"/>
+          <a:lstStyle/>
+          <a:p>
+            <a:pPr algn="ctr"/>
+            <a:r>
+              <a:rPr lang="en-US" altLang="ko-KR" sz="1400" b="1"/>
+              <a:t>Manager Pkg</a:t>
+            </a:r>
+            <a:endParaRPr lang="ko-KR" altLang="en-US" sz="1400" b="1"/>
+          </a:p>
+        </p:txBody>
+      </p:sp>
+      <p:sp>
+        <p:nvSpPr>
+          <p:cNvPr id="2" name="제목 1">
+            <a:extLst>
+              <a:ext uri="{FF2B5EF4-FFF2-40B4-BE49-F238E27FC236}">
+                <a16:creationId xmlns:a16="http://schemas.microsoft.com/office/drawing/2014/main" id="{863C5E05-8BC5-4B38-914D-CA849AA890EB}"/>
+              </a:ext>
+            </a:extLst>
+          </p:cNvPr>
+          <p:cNvSpPr>
+            <a:spLocks noGrp="1"/>
+          </p:cNvSpPr>
+          <p:nvPr>
+            <p:ph type="title"/>
+          </p:nvPr>
+        </p:nvSpPr>
+        <p:spPr>
+          <a:xfrm>
+            <a:off x="457200" y="-20538"/>
+            <a:ext cx="8229600" cy="857250"/>
+          </a:xfrm>
+        </p:spPr>
+        <p:txBody>
+          <a:bodyPr/>
+          <a:lstStyle/>
+          <a:p>
+            <a:r>
+              <a:rPr lang="en-US" altLang="ko-KR"/>
+              <a:t>Controller, Reconciler</a:t>
+            </a:r>
+            <a:endParaRPr lang="ko-KR" altLang="en-US"/>
+          </a:p>
+        </p:txBody>
+      </p:sp>
+      <p:sp>
+        <p:nvSpPr>
+          <p:cNvPr id="4" name="사각형: 둥근 모서리 3">
+            <a:extLst>
+              <a:ext uri="{FF2B5EF4-FFF2-40B4-BE49-F238E27FC236}">
+                <a16:creationId xmlns:a16="http://schemas.microsoft.com/office/drawing/2014/main" id="{386F61B5-5413-4E5F-8581-D2F17DAE5541}"/>
+              </a:ext>
+            </a:extLst>
+          </p:cNvPr>
+          <p:cNvSpPr/>
+          <p:nvPr/>
+        </p:nvSpPr>
+        <p:spPr>
+          <a:xfrm>
+            <a:off x="5364088" y="1289828"/>
+            <a:ext cx="1368152" cy="622315"/>
+          </a:xfrm>
+          <a:prstGeom prst="roundRect">
+            <a:avLst/>
+          </a:prstGeom>
+        </p:spPr>
+        <p:style>
+          <a:lnRef idx="2">
+            <a:schemeClr val="dk1"/>
+          </a:lnRef>
+          <a:fillRef idx="1">
+            <a:schemeClr val="lt1"/>
+          </a:fillRef>
+          <a:effectRef idx="0">
+            <a:schemeClr val="dk1"/>
+          </a:effectRef>
+          <a:fontRef idx="minor">
+            <a:schemeClr val="dk1"/>
+          </a:fontRef>
+        </p:style>
+        <p:txBody>
+          <a:bodyPr rtlCol="0" anchor="ctr"/>
+          <a:lstStyle/>
+          <a:p>
+            <a:pPr algn="ctr"/>
+            <a:r>
+              <a:rPr lang="en-US" altLang="ko-KR" sz="1400"/>
+              <a:t>K8s</a:t>
+            </a:r>
+          </a:p>
+          <a:p>
+            <a:pPr algn="ctr"/>
+            <a:r>
+              <a:rPr lang="en-US" altLang="ko-KR" sz="1400"/>
+              <a:t>API Server</a:t>
+            </a:r>
+            <a:endParaRPr lang="ko-KR" altLang="en-US" sz="1400"/>
+          </a:p>
+        </p:txBody>
+      </p:sp>
+      <p:sp>
+        <p:nvSpPr>
+          <p:cNvPr id="16" name="사각형: 둥근 모서리 15">
+            <a:extLst>
+              <a:ext uri="{FF2B5EF4-FFF2-40B4-BE49-F238E27FC236}">
+                <a16:creationId xmlns:a16="http://schemas.microsoft.com/office/drawing/2014/main" id="{A1B813EE-80F6-42C1-916E-4AB46A459F34}"/>
+              </a:ext>
+            </a:extLst>
+          </p:cNvPr>
+          <p:cNvSpPr/>
+          <p:nvPr/>
+        </p:nvSpPr>
+        <p:spPr>
+          <a:xfrm>
+            <a:off x="4628758" y="2862470"/>
+            <a:ext cx="3039586" cy="1077432"/>
+          </a:xfrm>
+          <a:prstGeom prst="roundRect">
+            <a:avLst>
+              <a:gd name="adj" fmla="val 7564"/>
+            </a:avLst>
+          </a:prstGeom>
+        </p:spPr>
+        <p:style>
+          <a:lnRef idx="2">
+            <a:schemeClr val="dk1"/>
+          </a:lnRef>
+          <a:fillRef idx="1">
+            <a:schemeClr val="lt1"/>
+          </a:fillRef>
+          <a:effectRef idx="0">
+            <a:schemeClr val="dk1"/>
+          </a:effectRef>
+          <a:fontRef idx="minor">
+            <a:schemeClr val="dk1"/>
+          </a:fontRef>
+        </p:style>
+        <p:txBody>
+          <a:bodyPr rtlCol="0" anchor="b"/>
+          <a:lstStyle/>
+          <a:p>
+            <a:pPr algn="ctr"/>
+            <a:r>
+              <a:rPr lang="en-US" altLang="ko-KR" sz="1400" b="1"/>
+              <a:t>Reconciler Pkg</a:t>
+            </a:r>
+            <a:endParaRPr lang="ko-KR" altLang="en-US" sz="1400" b="1"/>
+          </a:p>
+        </p:txBody>
+      </p:sp>
+      <p:sp>
+        <p:nvSpPr>
+          <p:cNvPr id="21" name="사각형: 둥근 모서리 20">
+            <a:extLst>
+              <a:ext uri="{FF2B5EF4-FFF2-40B4-BE49-F238E27FC236}">
+                <a16:creationId xmlns:a16="http://schemas.microsoft.com/office/drawing/2014/main" id="{5BA72481-834B-4E61-A1D8-A193E7E606EE}"/>
+              </a:ext>
+            </a:extLst>
+          </p:cNvPr>
+          <p:cNvSpPr/>
+          <p:nvPr/>
+        </p:nvSpPr>
+        <p:spPr>
+          <a:xfrm>
+            <a:off x="6204637" y="2950321"/>
+            <a:ext cx="1368152" cy="622316"/>
+          </a:xfrm>
+          <a:prstGeom prst="roundRect">
+            <a:avLst>
+              <a:gd name="adj" fmla="val 12994"/>
+            </a:avLst>
+          </a:prstGeom>
+        </p:spPr>
+        <p:style>
+          <a:lnRef idx="2">
+            <a:schemeClr val="dk1"/>
+          </a:lnRef>
+          <a:fillRef idx="1">
+            <a:schemeClr val="lt1"/>
+          </a:fillRef>
+          <a:effectRef idx="0">
+            <a:schemeClr val="dk1"/>
+          </a:effectRef>
+          <a:fontRef idx="minor">
+            <a:schemeClr val="dk1"/>
+          </a:fontRef>
+        </p:style>
+        <p:txBody>
+          <a:bodyPr rtlCol="0" anchor="ctr"/>
+          <a:lstStyle/>
+          <a:p>
+            <a:pPr algn="ctr"/>
+            <a:r>
+              <a:rPr lang="en-US" altLang="ko-KR" sz="1400"/>
+              <a:t>Manager’s</a:t>
+            </a:r>
+          </a:p>
+          <a:p>
+            <a:pPr algn="ctr"/>
+            <a:r>
+              <a:rPr lang="en-US" altLang="ko-KR" sz="1400"/>
+              <a:t>K8s Client</a:t>
+            </a:r>
+            <a:endParaRPr lang="ko-KR" altLang="en-US" sz="1400"/>
+          </a:p>
+        </p:txBody>
+      </p:sp>
+      <p:sp>
+        <p:nvSpPr>
+          <p:cNvPr id="23" name="사각형: 둥근 모서리 22">
+            <a:extLst>
+              <a:ext uri="{FF2B5EF4-FFF2-40B4-BE49-F238E27FC236}">
+                <a16:creationId xmlns:a16="http://schemas.microsoft.com/office/drawing/2014/main" id="{534A9358-2212-45CE-96D2-6078B35950DC}"/>
+              </a:ext>
+            </a:extLst>
+          </p:cNvPr>
+          <p:cNvSpPr/>
+          <p:nvPr/>
+        </p:nvSpPr>
+        <p:spPr>
+          <a:xfrm>
+            <a:off x="4725836" y="2950321"/>
+            <a:ext cx="1368152" cy="622316"/>
+          </a:xfrm>
+          <a:prstGeom prst="roundRect">
+            <a:avLst>
+              <a:gd name="adj" fmla="val 12994"/>
+            </a:avLst>
+          </a:prstGeom>
+        </p:spPr>
+        <p:style>
+          <a:lnRef idx="2">
+            <a:schemeClr val="dk1"/>
+          </a:lnRef>
+          <a:fillRef idx="1">
+            <a:schemeClr val="lt1"/>
+          </a:fillRef>
+          <a:effectRef idx="0">
+            <a:schemeClr val="dk1"/>
+          </a:effectRef>
+          <a:fontRef idx="minor">
+            <a:schemeClr val="dk1"/>
+          </a:fontRef>
+        </p:style>
+        <p:txBody>
+          <a:bodyPr rtlCol="0" anchor="ctr"/>
+          <a:lstStyle/>
+          <a:p>
+            <a:pPr algn="ctr"/>
+            <a:r>
+              <a:rPr lang="en-US" altLang="ko-KR" sz="1400"/>
+              <a:t>Reconcile Loop</a:t>
+            </a:r>
+            <a:endParaRPr lang="ko-KR" altLang="en-US" sz="1400"/>
+          </a:p>
+        </p:txBody>
+      </p:sp>
+      <p:sp>
+        <p:nvSpPr>
+          <p:cNvPr id="26" name="사각형: 둥근 모서리 25">
+            <a:extLst>
+              <a:ext uri="{FF2B5EF4-FFF2-40B4-BE49-F238E27FC236}">
+                <a16:creationId xmlns:a16="http://schemas.microsoft.com/office/drawing/2014/main" id="{8AB6C791-67FA-4BF1-8626-6C1E3A51C502}"/>
+              </a:ext>
+            </a:extLst>
+          </p:cNvPr>
+          <p:cNvSpPr/>
+          <p:nvPr/>
+        </p:nvSpPr>
+        <p:spPr>
+          <a:xfrm>
+            <a:off x="1619672" y="2862470"/>
+            <a:ext cx="1569958" cy="1077432"/>
+          </a:xfrm>
+          <a:prstGeom prst="roundRect">
+            <a:avLst>
+              <a:gd name="adj" fmla="val 7564"/>
+            </a:avLst>
+          </a:prstGeom>
+        </p:spPr>
+        <p:style>
+          <a:lnRef idx="2">
+            <a:schemeClr val="dk1"/>
+          </a:lnRef>
+          <a:fillRef idx="1">
+            <a:schemeClr val="lt1"/>
+          </a:fillRef>
+          <a:effectRef idx="0">
+            <a:schemeClr val="dk1"/>
+          </a:effectRef>
+          <a:fontRef idx="minor">
+            <a:schemeClr val="dk1"/>
+          </a:fontRef>
+        </p:style>
+        <p:txBody>
+          <a:bodyPr rtlCol="0" anchor="b"/>
+          <a:lstStyle/>
+          <a:p>
+            <a:pPr algn="ctr"/>
+            <a:r>
+              <a:rPr lang="en-US" altLang="ko-KR" sz="1400" b="1"/>
+              <a:t>Controller Pkg</a:t>
+            </a:r>
+            <a:endParaRPr lang="ko-KR" altLang="en-US" sz="1400" b="1"/>
+          </a:p>
+        </p:txBody>
+      </p:sp>
+      <p:sp>
+        <p:nvSpPr>
+          <p:cNvPr id="27" name="사각형: 둥근 모서리 26">
+            <a:extLst>
+              <a:ext uri="{FF2B5EF4-FFF2-40B4-BE49-F238E27FC236}">
+                <a16:creationId xmlns:a16="http://schemas.microsoft.com/office/drawing/2014/main" id="{F0FD2BDB-2B47-49DD-A5EF-C36AB8E6D022}"/>
+              </a:ext>
+            </a:extLst>
+          </p:cNvPr>
+          <p:cNvSpPr/>
+          <p:nvPr/>
+        </p:nvSpPr>
+        <p:spPr>
+          <a:xfrm>
+            <a:off x="1713652" y="2950321"/>
+            <a:ext cx="1368152" cy="622316"/>
+          </a:xfrm>
+          <a:prstGeom prst="roundRect">
+            <a:avLst>
+              <a:gd name="adj" fmla="val 12994"/>
+            </a:avLst>
+          </a:prstGeom>
+        </p:spPr>
+        <p:style>
+          <a:lnRef idx="2">
+            <a:schemeClr val="dk1"/>
+          </a:lnRef>
+          <a:fillRef idx="1">
+            <a:schemeClr val="lt1"/>
+          </a:fillRef>
+          <a:effectRef idx="0">
+            <a:schemeClr val="dk1"/>
+          </a:effectRef>
+          <a:fontRef idx="minor">
+            <a:schemeClr val="dk1"/>
+          </a:fontRef>
+        </p:style>
+        <p:txBody>
+          <a:bodyPr rtlCol="0" anchor="ctr"/>
+          <a:lstStyle/>
+          <a:p>
+            <a:pPr algn="ctr"/>
+            <a:r>
+              <a:rPr lang="en-US" altLang="ko-KR" sz="1400"/>
+              <a:t>Worker Queue</a:t>
+            </a:r>
+            <a:endParaRPr lang="ko-KR" altLang="en-US" sz="1400"/>
+          </a:p>
+        </p:txBody>
+      </p:sp>
+      <p:sp>
+        <p:nvSpPr>
+          <p:cNvPr id="28" name="사각형: 둥근 모서리 27">
+            <a:extLst>
+              <a:ext uri="{FF2B5EF4-FFF2-40B4-BE49-F238E27FC236}">
+                <a16:creationId xmlns:a16="http://schemas.microsoft.com/office/drawing/2014/main" id="{E4D8DB64-BCBF-4901-A55E-778542BB6549}"/>
+              </a:ext>
+            </a:extLst>
+          </p:cNvPr>
+          <p:cNvSpPr/>
+          <p:nvPr/>
+        </p:nvSpPr>
+        <p:spPr>
+          <a:xfrm>
+            <a:off x="2513422" y="1150121"/>
+            <a:ext cx="1368152" cy="622316"/>
+          </a:xfrm>
+          <a:prstGeom prst="roundRect">
+            <a:avLst>
+              <a:gd name="adj" fmla="val 12994"/>
+            </a:avLst>
+          </a:prstGeom>
+        </p:spPr>
+        <p:style>
+          <a:lnRef idx="2">
+            <a:schemeClr val="dk1"/>
+          </a:lnRef>
+          <a:fillRef idx="1">
+            <a:schemeClr val="lt1"/>
+          </a:fillRef>
+          <a:effectRef idx="0">
+            <a:schemeClr val="dk1"/>
+          </a:effectRef>
+          <a:fontRef idx="minor">
+            <a:schemeClr val="dk1"/>
+          </a:fontRef>
+        </p:style>
+        <p:txBody>
+          <a:bodyPr rtlCol="0" anchor="ctr"/>
+          <a:lstStyle/>
+          <a:p>
+            <a:pPr algn="ctr"/>
+            <a:r>
+              <a:rPr lang="en-US" altLang="ko-KR" sz="1400"/>
+              <a:t>Cache</a:t>
+            </a:r>
+            <a:endParaRPr lang="ko-KR" altLang="en-US" sz="1400"/>
+          </a:p>
+        </p:txBody>
+      </p:sp>
+      <p:cxnSp>
+        <p:nvCxnSpPr>
+          <p:cNvPr id="33" name="직선 화살표 연결선 32">
+            <a:extLst>
+              <a:ext uri="{FF2B5EF4-FFF2-40B4-BE49-F238E27FC236}">
+                <a16:creationId xmlns:a16="http://schemas.microsoft.com/office/drawing/2014/main" id="{0CE42314-F022-41CD-833B-DFE2063EE64B}"/>
+              </a:ext>
+            </a:extLst>
+          </p:cNvPr>
+          <p:cNvCxnSpPr>
+            <a:stCxn id="4" idx="2"/>
+            <a:endCxn id="27" idx="0"/>
+          </p:cNvCxnSpPr>
+          <p:nvPr/>
+        </p:nvCxnSpPr>
+        <p:spPr>
+          <a:xfrm flipH="1">
+            <a:off x="2397728" y="1912143"/>
+            <a:ext cx="3650436" cy="1038178"/>
+          </a:xfrm>
+          <a:prstGeom prst="straightConnector1">
+            <a:avLst/>
+          </a:prstGeom>
+          <a:ln w="28575">
+            <a:solidFill>
+              <a:schemeClr val="tx1"/>
+            </a:solidFill>
+            <a:headEnd type="arrow" w="med" len="med"/>
+            <a:tailEnd type="none" w="med" len="med"/>
+          </a:ln>
+        </p:spPr>
+        <p:style>
+          <a:lnRef idx="1">
+            <a:schemeClr val="accent1"/>
+          </a:lnRef>
+          <a:fillRef idx="0">
+            <a:schemeClr val="accent1"/>
+          </a:fillRef>
+          <a:effectRef idx="0">
+            <a:schemeClr val="accent1"/>
+          </a:effectRef>
+          <a:fontRef idx="minor">
+            <a:schemeClr val="tx1"/>
+          </a:fontRef>
+        </p:style>
+      </p:cxnSp>
+      <p:cxnSp>
+        <p:nvCxnSpPr>
+          <p:cNvPr id="34" name="직선 화살표 연결선 33">
+            <a:extLst>
+              <a:ext uri="{FF2B5EF4-FFF2-40B4-BE49-F238E27FC236}">
+                <a16:creationId xmlns:a16="http://schemas.microsoft.com/office/drawing/2014/main" id="{2FE0317D-98E0-494C-8F9F-139D32C85980}"/>
+              </a:ext>
+            </a:extLst>
+          </p:cNvPr>
+          <p:cNvCxnSpPr>
+            <a:cxnSpLocks/>
+            <a:stCxn id="4" idx="1"/>
+            <a:endCxn id="28" idx="3"/>
+          </p:cNvCxnSpPr>
+          <p:nvPr/>
+        </p:nvCxnSpPr>
+        <p:spPr>
+          <a:xfrm flipH="1" flipV="1">
+            <a:off x="3881574" y="1461279"/>
+            <a:ext cx="1482514" cy="139707"/>
+          </a:xfrm>
+          <a:prstGeom prst="straightConnector1">
+            <a:avLst/>
+          </a:prstGeom>
+          <a:ln w="28575">
+            <a:solidFill>
+              <a:schemeClr val="tx1"/>
+            </a:solidFill>
+            <a:headEnd type="none" w="med" len="med"/>
+            <a:tailEnd type="arrow" w="med" len="med"/>
+          </a:ln>
+        </p:spPr>
+        <p:style>
+          <a:lnRef idx="1">
+            <a:schemeClr val="accent1"/>
+          </a:lnRef>
+          <a:fillRef idx="0">
+            <a:schemeClr val="accent1"/>
+          </a:fillRef>
+          <a:effectRef idx="0">
+            <a:schemeClr val="accent1"/>
+          </a:effectRef>
+          <a:fontRef idx="minor">
+            <a:schemeClr val="tx1"/>
+          </a:fontRef>
+        </p:style>
+      </p:cxnSp>
+      <p:cxnSp>
+        <p:nvCxnSpPr>
+          <p:cNvPr id="39" name="직선 화살표 연결선 38">
+            <a:extLst>
+              <a:ext uri="{FF2B5EF4-FFF2-40B4-BE49-F238E27FC236}">
+                <a16:creationId xmlns:a16="http://schemas.microsoft.com/office/drawing/2014/main" id="{191C310B-7535-4349-8BA0-01D65A988EE2}"/>
+              </a:ext>
+            </a:extLst>
+          </p:cNvPr>
+          <p:cNvCxnSpPr>
+            <a:cxnSpLocks/>
+            <a:stCxn id="28" idx="2"/>
+            <a:endCxn id="21" idx="0"/>
+          </p:cNvCxnSpPr>
+          <p:nvPr/>
+        </p:nvCxnSpPr>
+        <p:spPr>
+          <a:xfrm>
+            <a:off x="3197498" y="1772437"/>
+            <a:ext cx="3691215" cy="1177884"/>
+          </a:xfrm>
+          <a:prstGeom prst="straightConnector1">
+            <a:avLst/>
+          </a:prstGeom>
+          <a:ln w="28575">
+            <a:solidFill>
+              <a:schemeClr val="tx1"/>
+            </a:solidFill>
+            <a:headEnd type="none" w="med" len="med"/>
+            <a:tailEnd type="arrow" w="med" len="med"/>
+          </a:ln>
+        </p:spPr>
+        <p:style>
+          <a:lnRef idx="1">
+            <a:schemeClr val="accent1"/>
+          </a:lnRef>
+          <a:fillRef idx="0">
+            <a:schemeClr val="accent1"/>
+          </a:fillRef>
+          <a:effectRef idx="0">
+            <a:schemeClr val="accent1"/>
+          </a:effectRef>
+          <a:fontRef idx="minor">
+            <a:schemeClr val="tx1"/>
+          </a:fontRef>
+        </p:style>
+      </p:cxnSp>
+      <p:cxnSp>
+        <p:nvCxnSpPr>
+          <p:cNvPr id="42" name="직선 화살표 연결선 41">
+            <a:extLst>
+              <a:ext uri="{FF2B5EF4-FFF2-40B4-BE49-F238E27FC236}">
+                <a16:creationId xmlns:a16="http://schemas.microsoft.com/office/drawing/2014/main" id="{6F4BDF7D-B7CC-4AB2-9614-34D3B7939B45}"/>
+              </a:ext>
+            </a:extLst>
+          </p:cNvPr>
+          <p:cNvCxnSpPr>
+            <a:cxnSpLocks/>
+            <a:stCxn id="21" idx="0"/>
+            <a:endCxn id="4" idx="2"/>
+          </p:cNvCxnSpPr>
+          <p:nvPr/>
+        </p:nvCxnSpPr>
+        <p:spPr>
+          <a:xfrm flipH="1" flipV="1">
+            <a:off x="6048164" y="1912143"/>
+            <a:ext cx="840549" cy="1038178"/>
+          </a:xfrm>
+          <a:prstGeom prst="straightConnector1">
+            <a:avLst/>
+          </a:prstGeom>
+          <a:ln w="28575">
+            <a:solidFill>
+              <a:schemeClr val="tx1"/>
+            </a:solidFill>
+            <a:headEnd type="none" w="med" len="med"/>
+            <a:tailEnd type="arrow" w="med" len="med"/>
+          </a:ln>
+        </p:spPr>
+        <p:style>
+          <a:lnRef idx="1">
+            <a:schemeClr val="accent1"/>
+          </a:lnRef>
+          <a:fillRef idx="0">
+            <a:schemeClr val="accent1"/>
+          </a:fillRef>
+          <a:effectRef idx="0">
+            <a:schemeClr val="accent1"/>
+          </a:effectRef>
+          <a:fontRef idx="minor">
+            <a:schemeClr val="tx1"/>
+          </a:fontRef>
+        </p:style>
+      </p:cxnSp>
+      <p:sp>
+        <p:nvSpPr>
+          <p:cNvPr id="54" name="TextBox 53">
+            <a:extLst>
+              <a:ext uri="{FF2B5EF4-FFF2-40B4-BE49-F238E27FC236}">
+                <a16:creationId xmlns:a16="http://schemas.microsoft.com/office/drawing/2014/main" id="{B83FB188-BED9-4F86-8DB3-C1A258FD1710}"/>
+              </a:ext>
+            </a:extLst>
+          </p:cNvPr>
+          <p:cNvSpPr txBox="1"/>
+          <p:nvPr/>
+        </p:nvSpPr>
+        <p:spPr>
+          <a:xfrm>
+            <a:off x="3185232" y="2631058"/>
+            <a:ext cx="1464888" cy="461665"/>
+          </a:xfrm>
+          <a:prstGeom prst="rect">
+            <a:avLst/>
+          </a:prstGeom>
+          <a:noFill/>
+        </p:spPr>
+        <p:txBody>
+          <a:bodyPr wrap="none" rtlCol="0">
+            <a:spAutoFit/>
+          </a:bodyPr>
+          <a:lstStyle/>
+          <a:p>
+            <a:pPr algn="ctr"/>
+            <a:r>
+              <a:rPr lang="en-US" altLang="ko-KR" sz="1200"/>
+              <a:t>Send CR </a:t>
+            </a:r>
+          </a:p>
+          <a:p>
+            <a:pPr algn="ctr"/>
+            <a:r>
+              <a:rPr lang="en-US" altLang="ko-KR" sz="1200"/>
+              <a:t>Name/Namespace</a:t>
+            </a:r>
+            <a:endParaRPr lang="ko-KR" altLang="en-US" sz="1200"/>
+          </a:p>
+        </p:txBody>
+      </p:sp>
+      <p:sp>
+        <p:nvSpPr>
+          <p:cNvPr id="57" name="TextBox 56">
+            <a:extLst>
+              <a:ext uri="{FF2B5EF4-FFF2-40B4-BE49-F238E27FC236}">
+                <a16:creationId xmlns:a16="http://schemas.microsoft.com/office/drawing/2014/main" id="{2087AD6B-8771-41A9-9952-B3AA7628C1EC}"/>
+              </a:ext>
+            </a:extLst>
+          </p:cNvPr>
+          <p:cNvSpPr txBox="1"/>
+          <p:nvPr/>
+        </p:nvSpPr>
+        <p:spPr>
+          <a:xfrm>
+            <a:off x="3170580" y="3416796"/>
+            <a:ext cx="1464888" cy="461665"/>
+          </a:xfrm>
+          <a:prstGeom prst="rect">
+            <a:avLst/>
+          </a:prstGeom>
+          <a:noFill/>
+        </p:spPr>
+        <p:txBody>
+          <a:bodyPr wrap="none" rtlCol="0">
+            <a:spAutoFit/>
+          </a:bodyPr>
+          <a:lstStyle/>
+          <a:p>
+            <a:pPr algn="ctr"/>
+            <a:r>
+              <a:rPr lang="en-US" altLang="ko-KR" sz="1200"/>
+              <a:t>Requeue CR </a:t>
+            </a:r>
+          </a:p>
+          <a:p>
+            <a:pPr algn="ctr"/>
+            <a:r>
+              <a:rPr lang="en-US" altLang="ko-KR" sz="1200"/>
+              <a:t>Name/Namespace</a:t>
+            </a:r>
+            <a:endParaRPr lang="ko-KR" altLang="en-US" sz="1200"/>
+          </a:p>
+        </p:txBody>
+      </p:sp>
+      <p:cxnSp>
+        <p:nvCxnSpPr>
+          <p:cNvPr id="5" name="직선 연결선 4">
+            <a:extLst>
+              <a:ext uri="{FF2B5EF4-FFF2-40B4-BE49-F238E27FC236}">
+                <a16:creationId xmlns:a16="http://schemas.microsoft.com/office/drawing/2014/main" id="{79057BA3-7878-4874-9872-862604216170}"/>
+              </a:ext>
+            </a:extLst>
+          </p:cNvPr>
+          <p:cNvCxnSpPr>
+            <a:cxnSpLocks/>
+          </p:cNvCxnSpPr>
+          <p:nvPr/>
+        </p:nvCxnSpPr>
+        <p:spPr>
+          <a:xfrm>
+            <a:off x="327835" y="2571750"/>
+            <a:ext cx="8132597" cy="0"/>
+          </a:xfrm>
+          <a:prstGeom prst="line">
+            <a:avLst/>
+          </a:prstGeom>
+          <a:ln w="28575">
+            <a:solidFill>
+              <a:schemeClr val="tx1"/>
+            </a:solidFill>
+            <a:prstDash val="dash"/>
+          </a:ln>
+        </p:spPr>
+        <p:style>
+          <a:lnRef idx="1">
+            <a:schemeClr val="accent1"/>
+          </a:lnRef>
+          <a:fillRef idx="0">
+            <a:schemeClr val="accent1"/>
+          </a:fillRef>
+          <a:effectRef idx="0">
+            <a:schemeClr val="accent1"/>
+          </a:effectRef>
+          <a:fontRef idx="minor">
+            <a:schemeClr val="tx1"/>
+          </a:fontRef>
+        </p:style>
+      </p:cxnSp>
+      <p:sp>
+        <p:nvSpPr>
+          <p:cNvPr id="25" name="TextBox 24">
+            <a:extLst>
+              <a:ext uri="{FF2B5EF4-FFF2-40B4-BE49-F238E27FC236}">
+                <a16:creationId xmlns:a16="http://schemas.microsoft.com/office/drawing/2014/main" id="{86EBF743-A613-40CD-A4ED-EFBBDAE527CA}"/>
+              </a:ext>
+            </a:extLst>
+          </p:cNvPr>
+          <p:cNvSpPr txBox="1"/>
+          <p:nvPr/>
+        </p:nvSpPr>
+        <p:spPr>
+          <a:xfrm>
+            <a:off x="665180" y="2643758"/>
+            <a:ext cx="991618" cy="523220"/>
+          </a:xfrm>
+          <a:prstGeom prst="rect">
+            <a:avLst/>
+          </a:prstGeom>
+          <a:noFill/>
+        </p:spPr>
+        <p:txBody>
+          <a:bodyPr wrap="none" rtlCol="0" anchor="ctr">
+            <a:spAutoFit/>
+          </a:bodyPr>
+          <a:lstStyle/>
+          <a:p>
+            <a:pPr algn="ctr"/>
+            <a:r>
+              <a:rPr lang="en-US" altLang="ko-KR" sz="1400"/>
+              <a:t>K8s</a:t>
+            </a:r>
+          </a:p>
+          <a:p>
+            <a:pPr algn="ctr"/>
+            <a:r>
+              <a:rPr lang="en-US" altLang="ko-KR" sz="1400"/>
+              <a:t>Controller</a:t>
+            </a:r>
+          </a:p>
+        </p:txBody>
+      </p:sp>
+      <p:cxnSp>
+        <p:nvCxnSpPr>
+          <p:cNvPr id="43" name="직선 화살표 연결선 42">
+            <a:extLst>
+              <a:ext uri="{FF2B5EF4-FFF2-40B4-BE49-F238E27FC236}">
+                <a16:creationId xmlns:a16="http://schemas.microsoft.com/office/drawing/2014/main" id="{C91A1A8C-888B-4048-AD8F-18B731C301A1}"/>
+              </a:ext>
+            </a:extLst>
+          </p:cNvPr>
+          <p:cNvCxnSpPr>
+            <a:cxnSpLocks/>
+          </p:cNvCxnSpPr>
+          <p:nvPr/>
+        </p:nvCxnSpPr>
+        <p:spPr>
+          <a:xfrm flipH="1">
+            <a:off x="3081804" y="3101563"/>
+            <a:ext cx="1644032" cy="0"/>
+          </a:xfrm>
+          <a:prstGeom prst="straightConnector1">
+            <a:avLst/>
+          </a:prstGeom>
+          <a:ln w="28575">
+            <a:solidFill>
+              <a:schemeClr val="tx1"/>
+            </a:solidFill>
+            <a:headEnd type="arrow" w="med" len="med"/>
+            <a:tailEnd type="none" w="med" len="med"/>
+          </a:ln>
+        </p:spPr>
+        <p:style>
+          <a:lnRef idx="1">
+            <a:schemeClr val="accent1"/>
+          </a:lnRef>
+          <a:fillRef idx="0">
+            <a:schemeClr val="accent1"/>
+          </a:fillRef>
+          <a:effectRef idx="0">
+            <a:schemeClr val="accent1"/>
+          </a:effectRef>
+          <a:fontRef idx="minor">
+            <a:schemeClr val="tx1"/>
+          </a:fontRef>
+        </p:style>
+      </p:cxnSp>
+      <p:cxnSp>
+        <p:nvCxnSpPr>
+          <p:cNvPr id="45" name="직선 화살표 연결선 44">
+            <a:extLst>
+              <a:ext uri="{FF2B5EF4-FFF2-40B4-BE49-F238E27FC236}">
+                <a16:creationId xmlns:a16="http://schemas.microsoft.com/office/drawing/2014/main" id="{81ECE741-BEE6-4049-BF20-41207C1D4BAB}"/>
+              </a:ext>
+            </a:extLst>
+          </p:cNvPr>
+          <p:cNvCxnSpPr>
+            <a:cxnSpLocks/>
+          </p:cNvCxnSpPr>
+          <p:nvPr/>
+        </p:nvCxnSpPr>
+        <p:spPr>
+          <a:xfrm flipH="1">
+            <a:off x="3081804" y="3401186"/>
+            <a:ext cx="1644032" cy="0"/>
+          </a:xfrm>
+          <a:prstGeom prst="straightConnector1">
+            <a:avLst/>
+          </a:prstGeom>
+          <a:ln w="28575">
+            <a:solidFill>
+              <a:schemeClr val="tx1"/>
+            </a:solidFill>
+            <a:headEnd type="none" w="med" len="med"/>
+            <a:tailEnd type="arrow" w="med" len="med"/>
+          </a:ln>
+        </p:spPr>
+        <p:style>
+          <a:lnRef idx="1">
+            <a:schemeClr val="accent1"/>
+          </a:lnRef>
+          <a:fillRef idx="0">
+            <a:schemeClr val="accent1"/>
+          </a:fillRef>
+          <a:effectRef idx="0">
+            <a:schemeClr val="accent1"/>
+          </a:effectRef>
+          <a:fontRef idx="minor">
+            <a:schemeClr val="tx1"/>
+          </a:fontRef>
+        </p:style>
+      </p:cxnSp>
+      <p:cxnSp>
+        <p:nvCxnSpPr>
+          <p:cNvPr id="56" name="직선 화살표 연결선 55">
+            <a:extLst>
+              <a:ext uri="{FF2B5EF4-FFF2-40B4-BE49-F238E27FC236}">
+                <a16:creationId xmlns:a16="http://schemas.microsoft.com/office/drawing/2014/main" id="{A5693673-5567-415E-99D4-BEE3DA975698}"/>
+              </a:ext>
+            </a:extLst>
+          </p:cNvPr>
+          <p:cNvCxnSpPr>
+            <a:cxnSpLocks/>
+            <a:stCxn id="26" idx="0"/>
+            <a:endCxn id="29" idx="2"/>
+          </p:cNvCxnSpPr>
+          <p:nvPr/>
+        </p:nvCxnSpPr>
+        <p:spPr>
+          <a:xfrm flipV="1">
+            <a:off x="2404651" y="2139702"/>
+            <a:ext cx="792088" cy="722768"/>
+          </a:xfrm>
+          <a:prstGeom prst="straightConnector1">
+            <a:avLst/>
+          </a:prstGeom>
+          <a:ln w="28575">
+            <a:solidFill>
+              <a:schemeClr val="tx1"/>
+            </a:solidFill>
+            <a:headEnd type="none" w="med" len="med"/>
+            <a:tailEnd type="arrow" w="med" len="med"/>
+          </a:ln>
+        </p:spPr>
+        <p:style>
+          <a:lnRef idx="1">
+            <a:schemeClr val="accent1"/>
+          </a:lnRef>
+          <a:fillRef idx="0">
+            <a:schemeClr val="accent1"/>
+          </a:fillRef>
+          <a:effectRef idx="0">
+            <a:schemeClr val="accent1"/>
+          </a:effectRef>
+          <a:fontRef idx="minor">
+            <a:schemeClr val="tx1"/>
+          </a:fontRef>
+        </p:style>
+      </p:cxnSp>
+      <p:sp>
+        <p:nvSpPr>
+          <p:cNvPr id="59" name="TextBox 58">
+            <a:extLst>
+              <a:ext uri="{FF2B5EF4-FFF2-40B4-BE49-F238E27FC236}">
+                <a16:creationId xmlns:a16="http://schemas.microsoft.com/office/drawing/2014/main" id="{177D8963-3ED7-4F81-A792-7125D6E9239A}"/>
+              </a:ext>
+            </a:extLst>
+          </p:cNvPr>
+          <p:cNvSpPr txBox="1"/>
+          <p:nvPr/>
+        </p:nvSpPr>
+        <p:spPr>
+          <a:xfrm>
+            <a:off x="4427984" y="1254931"/>
+            <a:ext cx="501419" cy="276999"/>
+          </a:xfrm>
+          <a:prstGeom prst="rect">
+            <a:avLst/>
+          </a:prstGeom>
+          <a:noFill/>
+        </p:spPr>
+        <p:txBody>
+          <a:bodyPr wrap="none" rtlCol="0">
+            <a:spAutoFit/>
+          </a:bodyPr>
+          <a:lstStyle/>
+          <a:p>
+            <a:r>
+              <a:rPr lang="en-US" altLang="ko-KR" sz="1200"/>
+              <a:t>Sync</a:t>
+            </a:r>
+            <a:endParaRPr lang="ko-KR" altLang="en-US" sz="1200"/>
+          </a:p>
+        </p:txBody>
+      </p:sp>
+      <p:sp>
+        <p:nvSpPr>
+          <p:cNvPr id="60" name="TextBox 59">
+            <a:extLst>
+              <a:ext uri="{FF2B5EF4-FFF2-40B4-BE49-F238E27FC236}">
+                <a16:creationId xmlns:a16="http://schemas.microsoft.com/office/drawing/2014/main" id="{68C3E641-9056-4F35-AEE1-AE42546353EC}"/>
+              </a:ext>
+            </a:extLst>
+          </p:cNvPr>
+          <p:cNvSpPr txBox="1"/>
+          <p:nvPr/>
+        </p:nvSpPr>
+        <p:spPr>
+          <a:xfrm>
+            <a:off x="2172856" y="2255843"/>
+            <a:ext cx="742960" cy="276999"/>
+          </a:xfrm>
+          <a:prstGeom prst="rect">
+            <a:avLst/>
+          </a:prstGeom>
+          <a:noFill/>
+        </p:spPr>
+        <p:txBody>
+          <a:bodyPr wrap="none" rtlCol="0">
+            <a:spAutoFit/>
+          </a:bodyPr>
+          <a:lstStyle/>
+          <a:p>
+            <a:r>
+              <a:rPr lang="en-US" altLang="ko-KR" sz="1200"/>
+              <a:t>Register</a:t>
+            </a:r>
+            <a:endParaRPr lang="ko-KR" altLang="en-US" sz="1200"/>
+          </a:p>
+        </p:txBody>
+      </p:sp>
+      <p:sp>
+        <p:nvSpPr>
+          <p:cNvPr id="61" name="TextBox 60">
+            <a:extLst>
+              <a:ext uri="{FF2B5EF4-FFF2-40B4-BE49-F238E27FC236}">
+                <a16:creationId xmlns:a16="http://schemas.microsoft.com/office/drawing/2014/main" id="{CDD0CA14-C561-4491-97B4-355D550EE7AB}"/>
+              </a:ext>
+            </a:extLst>
+          </p:cNvPr>
+          <p:cNvSpPr txBox="1"/>
+          <p:nvPr/>
+        </p:nvSpPr>
+        <p:spPr>
+          <a:xfrm>
+            <a:off x="3970552" y="1790623"/>
+            <a:ext cx="529440" cy="276999"/>
+          </a:xfrm>
+          <a:prstGeom prst="rect">
+            <a:avLst/>
+          </a:prstGeom>
+          <a:noFill/>
+        </p:spPr>
+        <p:txBody>
+          <a:bodyPr wrap="none" rtlCol="0">
+            <a:spAutoFit/>
+          </a:bodyPr>
+          <a:lstStyle/>
+          <a:p>
+            <a:r>
+              <a:rPr lang="en-US" altLang="ko-KR" sz="1200"/>
+              <a:t>Read</a:t>
+            </a:r>
+            <a:endParaRPr lang="ko-KR" altLang="en-US" sz="1200"/>
+          </a:p>
+        </p:txBody>
+      </p:sp>
+      <p:sp>
+        <p:nvSpPr>
+          <p:cNvPr id="62" name="TextBox 61">
+            <a:extLst>
+              <a:ext uri="{FF2B5EF4-FFF2-40B4-BE49-F238E27FC236}">
+                <a16:creationId xmlns:a16="http://schemas.microsoft.com/office/drawing/2014/main" id="{CCF50FF6-2288-4B7E-B12A-45F0BA97809C}"/>
+              </a:ext>
+            </a:extLst>
+          </p:cNvPr>
+          <p:cNvSpPr txBox="1"/>
+          <p:nvPr/>
+        </p:nvSpPr>
+        <p:spPr>
+          <a:xfrm>
+            <a:off x="6393022" y="2191946"/>
+            <a:ext cx="558486" cy="276999"/>
+          </a:xfrm>
+          <a:prstGeom prst="rect">
+            <a:avLst/>
+          </a:prstGeom>
+          <a:noFill/>
+        </p:spPr>
+        <p:txBody>
+          <a:bodyPr wrap="none" rtlCol="0">
+            <a:spAutoFit/>
+          </a:bodyPr>
+          <a:lstStyle/>
+          <a:p>
+            <a:r>
+              <a:rPr lang="en-US" altLang="ko-KR" sz="1200"/>
+              <a:t>Write</a:t>
+            </a:r>
+            <a:endParaRPr lang="ko-KR" altLang="en-US" sz="1200"/>
+          </a:p>
+        </p:txBody>
+      </p:sp>
+      <p:sp>
+        <p:nvSpPr>
+          <p:cNvPr id="63" name="TextBox 62">
+            <a:extLst>
+              <a:ext uri="{FF2B5EF4-FFF2-40B4-BE49-F238E27FC236}">
+                <a16:creationId xmlns:a16="http://schemas.microsoft.com/office/drawing/2014/main" id="{C1696F7D-C396-4767-819A-A0D88E0C01A3}"/>
+              </a:ext>
+            </a:extLst>
+          </p:cNvPr>
+          <p:cNvSpPr txBox="1"/>
+          <p:nvPr/>
+        </p:nvSpPr>
+        <p:spPr>
+          <a:xfrm>
+            <a:off x="3346338" y="2211710"/>
+            <a:ext cx="865622" cy="276999"/>
+          </a:xfrm>
+          <a:prstGeom prst="rect">
+            <a:avLst/>
+          </a:prstGeom>
+          <a:noFill/>
+        </p:spPr>
+        <p:txBody>
+          <a:bodyPr wrap="none" rtlCol="0">
+            <a:spAutoFit/>
+          </a:bodyPr>
+          <a:lstStyle/>
+          <a:p>
+            <a:r>
+              <a:rPr lang="en-US" altLang="ko-KR" sz="1200"/>
+              <a:t>Watch CR</a:t>
+            </a:r>
+            <a:endParaRPr lang="ko-KR" altLang="en-US" sz="1200"/>
+          </a:p>
+        </p:txBody>
+      </p:sp>
+    </p:spTree>
+    <p:extLst>
+      <p:ext uri="{BB962C8B-B14F-4D97-AF65-F5344CB8AC3E}">
+        <p14:creationId xmlns:p14="http://schemas.microsoft.com/office/powerpoint/2010/main" val="3828610783"/>
+      </p:ext>
+    </p:extLst>
+  </p:cSld>
+  <p:clrMapOvr>
+    <a:masterClrMapping/>
+  </p:clrMapOvr>
+</p:sld>
+</file>
+
+<file path=ppt/slides/slide4.xml><?xml version="1.0" encoding="utf-8"?>
+<p:sld xmlns:a="http://schemas.openxmlformats.org/drawingml/2006/main" xmlns:r="http://schemas.openxmlformats.org/officeDocument/2006/relationships" xmlns:p="http://schemas.openxmlformats.org/presentationml/2006/main">
+  <p:cSld>
+    <p:spTree>
+      <p:nvGrpSpPr>
+        <p:cNvPr id="1" name=""/>
+        <p:cNvGrpSpPr/>
+        <p:nvPr/>
+      </p:nvGrpSpPr>
+      <p:grpSpPr>
+        <a:xfrm>
+          <a:off x="0" y="0"/>
+          <a:ext cx="0" cy="0"/>
+          <a:chOff x="0" y="0"/>
+          <a:chExt cx="0" cy="0"/>
+        </a:xfrm>
+      </p:grpSpPr>
+      <p:sp>
+        <p:nvSpPr>
+          <p:cNvPr id="29" name="사각형: 둥근 모서리 28">
+            <a:extLst>
+              <a:ext uri="{FF2B5EF4-FFF2-40B4-BE49-F238E27FC236}">
+                <a16:creationId xmlns:a16="http://schemas.microsoft.com/office/drawing/2014/main" id="{EC9F67C7-1015-40C8-85B1-1349F483D2AB}"/>
+              </a:ext>
+            </a:extLst>
+          </p:cNvPr>
+          <p:cNvSpPr/>
+          <p:nvPr/>
+        </p:nvSpPr>
+        <p:spPr>
+          <a:xfrm>
             <a:off x="2937416" y="2764705"/>
             <a:ext cx="1569958" cy="1077432"/>
           </a:xfrm>
@@ -5634,7 +6968,7 @@
 </p:sld>
 </file>
 
-<file path=ppt/slides/slide4.xml><?xml version="1.0" encoding="utf-8"?>
+<file path=ppt/slides/slide5.xml><?xml version="1.0" encoding="utf-8"?>
 <p:sld xmlns:a="http://schemas.openxmlformats.org/drawingml/2006/main" xmlns:r="http://schemas.openxmlformats.org/officeDocument/2006/relationships" xmlns:p="http://schemas.openxmlformats.org/presentationml/2006/main">
   <p:cSld>
     <p:spTree>

--- a/images/programming/Kubernetes_Kubebuilder/Kubernetes_Kubebuilder.pptx
+++ b/images/programming/Kubernetes_Kubebuilder/Kubernetes_Kubebuilder.pptx
@@ -217,7 +217,7 @@
           <a:p>
             <a:fld id="{6CD5550B-26C4-49A9-A5BA-636EF7BE6CE9}" type="datetimeFigureOut">
               <a:rPr lang="ko-KR" altLang="en-US" smtClean="0"/>
-              <a:t>2019-11-28</a:t>
+              <a:t>2020-08-14</a:t>
             </a:fld>
             <a:endParaRPr lang="ko-KR" altLang="en-US"/>
           </a:p>
@@ -663,7 +663,7 @@
           <a:p>
             <a:fld id="{FB30EDBD-1C2D-4C1E-B459-B60219FAB484}" type="datetimeFigureOut">
               <a:rPr lang="ko-KR" altLang="en-US" smtClean="0"/>
-              <a:t>2019-11-28</a:t>
+              <a:t>2020-08-14</a:t>
             </a:fld>
             <a:endParaRPr lang="ko-KR" altLang="en-US"/>
           </a:p>
@@ -826,7 +826,7 @@
           <a:p>
             <a:fld id="{FB30EDBD-1C2D-4C1E-B459-B60219FAB484}" type="datetimeFigureOut">
               <a:rPr lang="ko-KR" altLang="en-US" smtClean="0"/>
-              <a:t>2019-11-28</a:t>
+              <a:t>2020-08-14</a:t>
             </a:fld>
             <a:endParaRPr lang="ko-KR" altLang="en-US"/>
           </a:p>
@@ -999,7 +999,7 @@
           <a:p>
             <a:fld id="{FB30EDBD-1C2D-4C1E-B459-B60219FAB484}" type="datetimeFigureOut">
               <a:rPr lang="ko-KR" altLang="en-US" smtClean="0"/>
-              <a:t>2019-11-28</a:t>
+              <a:t>2020-08-14</a:t>
             </a:fld>
             <a:endParaRPr lang="ko-KR" altLang="en-US"/>
           </a:p>
@@ -1162,7 +1162,7 @@
           <a:p>
             <a:fld id="{FB30EDBD-1C2D-4C1E-B459-B60219FAB484}" type="datetimeFigureOut">
               <a:rPr lang="ko-KR" altLang="en-US" smtClean="0"/>
-              <a:t>2019-11-28</a:t>
+              <a:t>2020-08-14</a:t>
             </a:fld>
             <a:endParaRPr lang="ko-KR" altLang="en-US"/>
           </a:p>
@@ -1402,7 +1402,7 @@
           <a:p>
             <a:fld id="{FB30EDBD-1C2D-4C1E-B459-B60219FAB484}" type="datetimeFigureOut">
               <a:rPr lang="ko-KR" altLang="en-US" smtClean="0"/>
-              <a:t>2019-11-28</a:t>
+              <a:t>2020-08-14</a:t>
             </a:fld>
             <a:endParaRPr lang="ko-KR" altLang="en-US"/>
           </a:p>
@@ -1682,7 +1682,7 @@
           <a:p>
             <a:fld id="{FB30EDBD-1C2D-4C1E-B459-B60219FAB484}" type="datetimeFigureOut">
               <a:rPr lang="ko-KR" altLang="en-US" smtClean="0"/>
-              <a:t>2019-11-28</a:t>
+              <a:t>2020-08-14</a:t>
             </a:fld>
             <a:endParaRPr lang="ko-KR" altLang="en-US"/>
           </a:p>
@@ -2096,7 +2096,7 @@
           <a:p>
             <a:fld id="{FB30EDBD-1C2D-4C1E-B459-B60219FAB484}" type="datetimeFigureOut">
               <a:rPr lang="ko-KR" altLang="en-US" smtClean="0"/>
-              <a:t>2019-11-28</a:t>
+              <a:t>2020-08-14</a:t>
             </a:fld>
             <a:endParaRPr lang="ko-KR" altLang="en-US"/>
           </a:p>
@@ -2208,7 +2208,7 @@
           <a:p>
             <a:fld id="{FB30EDBD-1C2D-4C1E-B459-B60219FAB484}" type="datetimeFigureOut">
               <a:rPr lang="ko-KR" altLang="en-US" smtClean="0"/>
-              <a:t>2019-11-28</a:t>
+              <a:t>2020-08-14</a:t>
             </a:fld>
             <a:endParaRPr lang="ko-KR" altLang="en-US"/>
           </a:p>
@@ -2298,7 +2298,7 @@
           <a:p>
             <a:fld id="{FB30EDBD-1C2D-4C1E-B459-B60219FAB484}" type="datetimeFigureOut">
               <a:rPr lang="ko-KR" altLang="en-US" smtClean="0"/>
-              <a:t>2019-11-28</a:t>
+              <a:t>2020-08-14</a:t>
             </a:fld>
             <a:endParaRPr lang="ko-KR" altLang="en-US"/>
           </a:p>
@@ -2568,7 +2568,7 @@
           <a:p>
             <a:fld id="{FB30EDBD-1C2D-4C1E-B459-B60219FAB484}" type="datetimeFigureOut">
               <a:rPr lang="ko-KR" altLang="en-US" smtClean="0"/>
-              <a:t>2019-11-28</a:t>
+              <a:t>2020-08-14</a:t>
             </a:fld>
             <a:endParaRPr lang="ko-KR" altLang="en-US"/>
           </a:p>
@@ -2815,7 +2815,7 @@
           <a:p>
             <a:fld id="{FB30EDBD-1C2D-4C1E-B459-B60219FAB484}" type="datetimeFigureOut">
               <a:rPr lang="ko-KR" altLang="en-US" smtClean="0"/>
-              <a:t>2019-11-28</a:t>
+              <a:t>2020-08-14</a:t>
             </a:fld>
             <a:endParaRPr lang="ko-KR" altLang="en-US"/>
           </a:p>
@@ -3021,7 +3021,7 @@
           <a:p>
             <a:fld id="{FB30EDBD-1C2D-4C1E-B459-B60219FAB484}" type="datetimeFigureOut">
               <a:rPr lang="ko-KR" altLang="en-US" smtClean="0"/>
-              <a:t>2019-11-28</a:t>
+              <a:t>2020-08-14</a:t>
             </a:fld>
             <a:endParaRPr lang="ko-KR" altLang="en-US"/>
           </a:p>
@@ -3809,7 +3809,7 @@
             <a:pPr algn="ctr"/>
             <a:r>
               <a:rPr lang="en-US" altLang="ko-KR" sz="1400"/>
-              <a:t>Worker Queue</a:t>
+              <a:t>Work Queue</a:t>
             </a:r>
             <a:endParaRPr lang="ko-KR" altLang="en-US" sz="1400"/>
           </a:p>

--- a/images/programming/Kubernetes_Kubebuilder/Kubernetes_Kubebuilder.pptx
+++ b/images/programming/Kubernetes_Kubebuilder/Kubernetes_Kubebuilder.pptx
@@ -5,14 +5,15 @@
     <p:sldMasterId id="2147483648" r:id="rId1"/>
   </p:sldMasterIdLst>
   <p:notesMasterIdLst>
-    <p:notesMasterId r:id="rId7"/>
+    <p:notesMasterId r:id="rId8"/>
   </p:notesMasterIdLst>
   <p:sldIdLst>
-    <p:sldId id="422" r:id="rId2"/>
+    <p:sldId id="423" r:id="rId2"/>
     <p:sldId id="420" r:id="rId3"/>
-    <p:sldId id="421" r:id="rId4"/>
-    <p:sldId id="419" r:id="rId5"/>
-    <p:sldId id="418" r:id="rId6"/>
+    <p:sldId id="422" r:id="rId4"/>
+    <p:sldId id="421" r:id="rId5"/>
+    <p:sldId id="419" r:id="rId6"/>
+    <p:sldId id="418" r:id="rId7"/>
   </p:sldIdLst>
   <p:sldSz cx="9144000" cy="5143500" type="screen16x9"/>
   <p:notesSz cx="6858000" cy="9144000"/>
@@ -217,7 +218,7 @@
           <a:p>
             <a:fld id="{6CD5550B-26C4-49A9-A5BA-636EF7BE6CE9}" type="datetimeFigureOut">
               <a:rPr lang="ko-KR" altLang="en-US" smtClean="0"/>
-              <a:t>2020-08-14</a:t>
+              <a:t>2021-03-13</a:t>
             </a:fld>
             <a:endParaRPr lang="ko-KR" altLang="en-US"/>
           </a:p>
@@ -663,7 +664,7 @@
           <a:p>
             <a:fld id="{FB30EDBD-1C2D-4C1E-B459-B60219FAB484}" type="datetimeFigureOut">
               <a:rPr lang="ko-KR" altLang="en-US" smtClean="0"/>
-              <a:t>2020-08-14</a:t>
+              <a:t>2021-03-13</a:t>
             </a:fld>
             <a:endParaRPr lang="ko-KR" altLang="en-US"/>
           </a:p>
@@ -826,7 +827,7 @@
           <a:p>
             <a:fld id="{FB30EDBD-1C2D-4C1E-B459-B60219FAB484}" type="datetimeFigureOut">
               <a:rPr lang="ko-KR" altLang="en-US" smtClean="0"/>
-              <a:t>2020-08-14</a:t>
+              <a:t>2021-03-13</a:t>
             </a:fld>
             <a:endParaRPr lang="ko-KR" altLang="en-US"/>
           </a:p>
@@ -999,7 +1000,7 @@
           <a:p>
             <a:fld id="{FB30EDBD-1C2D-4C1E-B459-B60219FAB484}" type="datetimeFigureOut">
               <a:rPr lang="ko-KR" altLang="en-US" smtClean="0"/>
-              <a:t>2020-08-14</a:t>
+              <a:t>2021-03-13</a:t>
             </a:fld>
             <a:endParaRPr lang="ko-KR" altLang="en-US"/>
           </a:p>
@@ -1162,7 +1163,7 @@
           <a:p>
             <a:fld id="{FB30EDBD-1C2D-4C1E-B459-B60219FAB484}" type="datetimeFigureOut">
               <a:rPr lang="ko-KR" altLang="en-US" smtClean="0"/>
-              <a:t>2020-08-14</a:t>
+              <a:t>2021-03-13</a:t>
             </a:fld>
             <a:endParaRPr lang="ko-KR" altLang="en-US"/>
           </a:p>
@@ -1402,7 +1403,7 @@
           <a:p>
             <a:fld id="{FB30EDBD-1C2D-4C1E-B459-B60219FAB484}" type="datetimeFigureOut">
               <a:rPr lang="ko-KR" altLang="en-US" smtClean="0"/>
-              <a:t>2020-08-14</a:t>
+              <a:t>2021-03-13</a:t>
             </a:fld>
             <a:endParaRPr lang="ko-KR" altLang="en-US"/>
           </a:p>
@@ -1682,7 +1683,7 @@
           <a:p>
             <a:fld id="{FB30EDBD-1C2D-4C1E-B459-B60219FAB484}" type="datetimeFigureOut">
               <a:rPr lang="ko-KR" altLang="en-US" smtClean="0"/>
-              <a:t>2020-08-14</a:t>
+              <a:t>2021-03-13</a:t>
             </a:fld>
             <a:endParaRPr lang="ko-KR" altLang="en-US"/>
           </a:p>
@@ -2096,7 +2097,7 @@
           <a:p>
             <a:fld id="{FB30EDBD-1C2D-4C1E-B459-B60219FAB484}" type="datetimeFigureOut">
               <a:rPr lang="ko-KR" altLang="en-US" smtClean="0"/>
-              <a:t>2020-08-14</a:t>
+              <a:t>2021-03-13</a:t>
             </a:fld>
             <a:endParaRPr lang="ko-KR" altLang="en-US"/>
           </a:p>
@@ -2208,7 +2209,7 @@
           <a:p>
             <a:fld id="{FB30EDBD-1C2D-4C1E-B459-B60219FAB484}" type="datetimeFigureOut">
               <a:rPr lang="ko-KR" altLang="en-US" smtClean="0"/>
-              <a:t>2020-08-14</a:t>
+              <a:t>2021-03-13</a:t>
             </a:fld>
             <a:endParaRPr lang="ko-KR" altLang="en-US"/>
           </a:p>
@@ -2298,7 +2299,7 @@
           <a:p>
             <a:fld id="{FB30EDBD-1C2D-4C1E-B459-B60219FAB484}" type="datetimeFigureOut">
               <a:rPr lang="ko-KR" altLang="en-US" smtClean="0"/>
-              <a:t>2020-08-14</a:t>
+              <a:t>2021-03-13</a:t>
             </a:fld>
             <a:endParaRPr lang="ko-KR" altLang="en-US"/>
           </a:p>
@@ -2568,7 +2569,7 @@
           <a:p>
             <a:fld id="{FB30EDBD-1C2D-4C1E-B459-B60219FAB484}" type="datetimeFigureOut">
               <a:rPr lang="ko-KR" altLang="en-US" smtClean="0"/>
-              <a:t>2020-08-14</a:t>
+              <a:t>2021-03-13</a:t>
             </a:fld>
             <a:endParaRPr lang="ko-KR" altLang="en-US"/>
           </a:p>
@@ -2815,7 +2816,7 @@
           <a:p>
             <a:fld id="{FB30EDBD-1C2D-4C1E-B459-B60219FAB484}" type="datetimeFigureOut">
               <a:rPr lang="ko-KR" altLang="en-US" smtClean="0"/>
-              <a:t>2020-08-14</a:t>
+              <a:t>2021-03-13</a:t>
             </a:fld>
             <a:endParaRPr lang="ko-KR" altLang="en-US"/>
           </a:p>
@@ -3021,7 +3022,7 @@
           <a:p>
             <a:fld id="{FB30EDBD-1C2D-4C1E-B459-B60219FAB484}" type="datetimeFigureOut">
               <a:rPr lang="ko-KR" altLang="en-US" smtClean="0"/>
-              <a:t>2020-08-14</a:t>
+              <a:t>2021-03-13</a:t>
             </a:fld>
             <a:endParaRPr lang="ko-KR" altLang="en-US"/>
           </a:p>
@@ -3393,10 +3394,44 @@
       </p:grpSpPr>
       <p:sp>
         <p:nvSpPr>
-          <p:cNvPr id="29" name="사각형: 둥근 모서리 28">
-            <a:extLst>
-              <a:ext uri="{FF2B5EF4-FFF2-40B4-BE49-F238E27FC236}">
-                <a16:creationId xmlns:a16="http://schemas.microsoft.com/office/drawing/2014/main" id="{EC9F67C7-1015-40C8-85B1-1349F483D2AB}"/>
+          <p:cNvPr id="2" name="제목 1">
+            <a:extLst>
+              <a:ext uri="{FF2B5EF4-FFF2-40B4-BE49-F238E27FC236}">
+                <a16:creationId xmlns:a16="http://schemas.microsoft.com/office/drawing/2014/main" id="{863C5E05-8BC5-4B38-914D-CA849AA890EB}"/>
+              </a:ext>
+            </a:extLst>
+          </p:cNvPr>
+          <p:cNvSpPr>
+            <a:spLocks noGrp="1"/>
+          </p:cNvSpPr>
+          <p:nvPr>
+            <p:ph type="title"/>
+          </p:nvPr>
+        </p:nvSpPr>
+        <p:spPr>
+          <a:xfrm>
+            <a:off x="457200" y="-308570"/>
+            <a:ext cx="8229600" cy="857250"/>
+          </a:xfrm>
+        </p:spPr>
+        <p:txBody>
+          <a:bodyPr/>
+          <a:lstStyle/>
+          <a:p>
+            <a:r>
+              <a:rPr lang="en-US" altLang="ko-KR"/>
+              <a:t>K8s Controller Component</a:t>
+            </a:r>
+            <a:endParaRPr lang="ko-KR" altLang="en-US"/>
+          </a:p>
+        </p:txBody>
+      </p:sp>
+      <p:sp>
+        <p:nvSpPr>
+          <p:cNvPr id="4" name="사각형: 둥근 모서리 3">
+            <a:extLst>
+              <a:ext uri="{FF2B5EF4-FFF2-40B4-BE49-F238E27FC236}">
+                <a16:creationId xmlns:a16="http://schemas.microsoft.com/office/drawing/2014/main" id="{386F61B5-5413-4E5F-8581-D2F17DAE5541}"/>
               </a:ext>
             </a:extLst>
           </p:cNvPr>
@@ -3405,13 +3440,11 @@
         </p:nvSpPr>
         <p:spPr>
           <a:xfrm>
-            <a:off x="2937416" y="2649486"/>
-            <a:ext cx="1569958" cy="1239047"/>
+            <a:off x="2116753" y="627534"/>
+            <a:ext cx="1368152" cy="622315"/>
           </a:xfrm>
           <a:prstGeom prst="roundRect">
-            <a:avLst>
-              <a:gd name="adj" fmla="val 7564"/>
-            </a:avLst>
+            <a:avLst/>
           </a:prstGeom>
         </p:spPr>
         <p:style>
@@ -3429,73 +3462,252 @@
           </a:fontRef>
         </p:style>
         <p:txBody>
+          <a:bodyPr rtlCol="0" anchor="ctr"/>
+          <a:lstStyle/>
+          <a:p>
+            <a:pPr algn="ctr"/>
+            <a:r>
+              <a:rPr lang="en-US" altLang="ko-KR" sz="1400"/>
+              <a:t>K8s</a:t>
+            </a:r>
+          </a:p>
+          <a:p>
+            <a:pPr algn="ctr"/>
+            <a:r>
+              <a:rPr lang="en-US" altLang="ko-KR" sz="1400"/>
+              <a:t>API Server</a:t>
+            </a:r>
+            <a:endParaRPr lang="ko-KR" altLang="en-US" sz="1400"/>
+          </a:p>
+        </p:txBody>
+      </p:sp>
+      <p:grpSp>
+        <p:nvGrpSpPr>
+          <p:cNvPr id="8" name="그룹 7">
+            <a:extLst>
+              <a:ext uri="{FF2B5EF4-FFF2-40B4-BE49-F238E27FC236}">
+                <a16:creationId xmlns:a16="http://schemas.microsoft.com/office/drawing/2014/main" id="{6A19FD15-5534-4654-8EC2-46A5D7CCFD0A}"/>
+              </a:ext>
+            </a:extLst>
+          </p:cNvPr>
+          <p:cNvGrpSpPr/>
+          <p:nvPr/>
+        </p:nvGrpSpPr>
+        <p:grpSpPr>
+          <a:xfrm>
+            <a:off x="6631840" y="2560967"/>
+            <a:ext cx="1571104" cy="930373"/>
+            <a:chOff x="6631796" y="2721495"/>
+            <a:chExt cx="1571104" cy="1002384"/>
+          </a:xfrm>
+        </p:grpSpPr>
+        <p:sp>
+          <p:nvSpPr>
+            <p:cNvPr id="16" name="사각형: 둥근 모서리 15">
+              <a:extLst>
+                <a:ext uri="{FF2B5EF4-FFF2-40B4-BE49-F238E27FC236}">
+                  <a16:creationId xmlns:a16="http://schemas.microsoft.com/office/drawing/2014/main" id="{A1B813EE-80F6-42C1-916E-4AB46A459F34}"/>
+                </a:ext>
+              </a:extLst>
+            </p:cNvPr>
+            <p:cNvSpPr/>
+            <p:nvPr/>
+          </p:nvSpPr>
+          <p:spPr>
+            <a:xfrm>
+              <a:off x="6631796" y="2721495"/>
+              <a:ext cx="1571104" cy="1002384"/>
+            </a:xfrm>
+            <a:prstGeom prst="roundRect">
+              <a:avLst>
+                <a:gd name="adj" fmla="val 7564"/>
+              </a:avLst>
+            </a:prstGeom>
+          </p:spPr>
+          <p:style>
+            <a:lnRef idx="2">
+              <a:schemeClr val="dk1"/>
+            </a:lnRef>
+            <a:fillRef idx="1">
+              <a:schemeClr val="lt1"/>
+            </a:fillRef>
+            <a:effectRef idx="0">
+              <a:schemeClr val="dk1"/>
+            </a:effectRef>
+            <a:fontRef idx="minor">
+              <a:schemeClr val="dk1"/>
+            </a:fontRef>
+          </p:style>
+          <p:txBody>
+            <a:bodyPr rtlCol="0" anchor="b"/>
+            <a:lstStyle/>
+            <a:p>
+              <a:pPr algn="ctr"/>
+              <a:r>
+                <a:rPr lang="en-US" altLang="ko-KR" sz="1400" b="1"/>
+                <a:t>Controller A</a:t>
+              </a:r>
+            </a:p>
+          </p:txBody>
+        </p:sp>
+        <p:sp>
+          <p:nvSpPr>
+            <p:cNvPr id="23" name="사각형: 둥근 모서리 22">
+              <a:extLst>
+                <a:ext uri="{FF2B5EF4-FFF2-40B4-BE49-F238E27FC236}">
+                  <a16:creationId xmlns:a16="http://schemas.microsoft.com/office/drawing/2014/main" id="{534A9358-2212-45CE-96D2-6078B35950DC}"/>
+                </a:ext>
+              </a:extLst>
+            </p:cNvPr>
+            <p:cNvSpPr/>
+            <p:nvPr/>
+          </p:nvSpPr>
+          <p:spPr>
+            <a:xfrm>
+              <a:off x="6739622" y="2791110"/>
+              <a:ext cx="1368152" cy="622316"/>
+            </a:xfrm>
+            <a:prstGeom prst="roundRect">
+              <a:avLst>
+                <a:gd name="adj" fmla="val 12994"/>
+              </a:avLst>
+            </a:prstGeom>
+          </p:spPr>
+          <p:style>
+            <a:lnRef idx="2">
+              <a:schemeClr val="dk1"/>
+            </a:lnRef>
+            <a:fillRef idx="1">
+              <a:schemeClr val="lt1"/>
+            </a:fillRef>
+            <a:effectRef idx="0">
+              <a:schemeClr val="dk1"/>
+            </a:effectRef>
+            <a:fontRef idx="minor">
+              <a:schemeClr val="dk1"/>
+            </a:fontRef>
+          </p:style>
+          <p:txBody>
+            <a:bodyPr rtlCol="0" anchor="ctr"/>
+            <a:lstStyle/>
+            <a:p>
+              <a:pPr algn="ctr"/>
+              <a:r>
+                <a:rPr lang="en-US" altLang="ko-KR" sz="1400"/>
+                <a:t>Reconcile Loop</a:t>
+              </a:r>
+              <a:endParaRPr lang="ko-KR" altLang="en-US" sz="1400"/>
+            </a:p>
+          </p:txBody>
+        </p:sp>
+      </p:grpSp>
+      <p:sp>
+        <p:nvSpPr>
+          <p:cNvPr id="52" name="TextBox 51">
+            <a:extLst>
+              <a:ext uri="{FF2B5EF4-FFF2-40B4-BE49-F238E27FC236}">
+                <a16:creationId xmlns:a16="http://schemas.microsoft.com/office/drawing/2014/main" id="{E4C2FABD-15BD-44C1-8FA1-6D70BE8D1034}"/>
+              </a:ext>
+            </a:extLst>
+          </p:cNvPr>
+          <p:cNvSpPr txBox="1"/>
+          <p:nvPr/>
+        </p:nvSpPr>
+        <p:spPr>
+          <a:xfrm>
+            <a:off x="5112692" y="2627246"/>
+            <a:ext cx="1475532" cy="276999"/>
+          </a:xfrm>
+          <a:prstGeom prst="rect">
+            <a:avLst/>
+          </a:prstGeom>
+          <a:noFill/>
+        </p:spPr>
+        <p:txBody>
+          <a:bodyPr wrap="none" rtlCol="0">
+            <a:spAutoFit/>
+          </a:bodyPr>
+          <a:lstStyle/>
+          <a:p>
+            <a:r>
+              <a:rPr lang="en-US" altLang="ko-KR" sz="1200"/>
+              <a:t>Read/Write Object</a:t>
+            </a:r>
+            <a:endParaRPr lang="ko-KR" altLang="en-US" sz="1200"/>
+          </a:p>
+        </p:txBody>
+      </p:sp>
+      <p:sp>
+        <p:nvSpPr>
+          <p:cNvPr id="31" name="사각형: 둥근 모서리 30">
+            <a:extLst>
+              <a:ext uri="{FF2B5EF4-FFF2-40B4-BE49-F238E27FC236}">
+                <a16:creationId xmlns:a16="http://schemas.microsoft.com/office/drawing/2014/main" id="{2776D55E-D231-41A0-B6A8-4E1BA238D8C5}"/>
+              </a:ext>
+            </a:extLst>
+          </p:cNvPr>
+          <p:cNvSpPr/>
+          <p:nvPr/>
+        </p:nvSpPr>
+        <p:spPr>
+          <a:xfrm>
+            <a:off x="1187624" y="2494875"/>
+            <a:ext cx="7092776" cy="2076587"/>
+          </a:xfrm>
+          <a:prstGeom prst="roundRect">
+            <a:avLst>
+              <a:gd name="adj" fmla="val 6714"/>
+            </a:avLst>
+          </a:prstGeom>
+          <a:noFill/>
+          <a:ln>
+            <a:solidFill>
+              <a:schemeClr val="tx1"/>
+            </a:solidFill>
+          </a:ln>
+        </p:spPr>
+        <p:style>
+          <a:lnRef idx="2">
+            <a:schemeClr val="accent1">
+              <a:shade val="50000"/>
+            </a:schemeClr>
+          </a:lnRef>
+          <a:fillRef idx="1">
+            <a:schemeClr val="accent1"/>
+          </a:fillRef>
+          <a:effectRef idx="0">
+            <a:schemeClr val="accent1"/>
+          </a:effectRef>
+          <a:fontRef idx="minor">
+            <a:schemeClr val="lt1"/>
+          </a:fontRef>
+        </p:style>
+        <p:txBody>
           <a:bodyPr rtlCol="0" anchor="b"/>
           <a:lstStyle/>
           <a:p>
-            <a:pPr algn="ctr"/>
-            <a:endParaRPr lang="en-US" altLang="ko-KR" sz="1400" b="1"/>
-          </a:p>
-          <a:p>
-            <a:pPr algn="ctr"/>
-            <a:endParaRPr lang="en-US" altLang="ko-KR" sz="1400" b="1"/>
-          </a:p>
-          <a:p>
-            <a:pPr algn="ctr"/>
-            <a:r>
-              <a:rPr lang="en-US" altLang="ko-KR" sz="1400" b="1"/>
-              <a:t>Runtime</a:t>
-            </a:r>
-          </a:p>
-          <a:p>
-            <a:pPr algn="ctr"/>
-            <a:r>
-              <a:rPr lang="en-US" altLang="ko-KR" sz="1400" b="1"/>
-              <a:t>Manager Pkg</a:t>
-            </a:r>
-            <a:endParaRPr lang="ko-KR" altLang="en-US" sz="1400" b="1"/>
-          </a:p>
-        </p:txBody>
-      </p:sp>
-      <p:sp>
-        <p:nvSpPr>
-          <p:cNvPr id="2" name="제목 1">
-            <a:extLst>
-              <a:ext uri="{FF2B5EF4-FFF2-40B4-BE49-F238E27FC236}">
-                <a16:creationId xmlns:a16="http://schemas.microsoft.com/office/drawing/2014/main" id="{863C5E05-8BC5-4B38-914D-CA849AA890EB}"/>
-              </a:ext>
-            </a:extLst>
-          </p:cNvPr>
-          <p:cNvSpPr>
-            <a:spLocks noGrp="1"/>
-          </p:cNvSpPr>
-          <p:nvPr>
-            <p:ph type="title"/>
-          </p:nvPr>
-        </p:nvSpPr>
-        <p:spPr>
-          <a:xfrm>
-            <a:off x="457200" y="-20538"/>
-            <a:ext cx="8229600" cy="857250"/>
-          </a:xfrm>
-        </p:spPr>
-        <p:txBody>
-          <a:bodyPr/>
-          <a:lstStyle/>
-          <a:p>
-            <a:r>
-              <a:rPr lang="en-US" altLang="ko-KR"/>
-              <a:t>K8s Controller Component</a:t>
-            </a:r>
-            <a:endParaRPr lang="ko-KR" altLang="en-US"/>
-          </a:p>
-        </p:txBody>
-      </p:sp>
-      <p:sp>
-        <p:nvSpPr>
-          <p:cNvPr id="4" name="사각형: 둥근 모서리 3">
-            <a:extLst>
-              <a:ext uri="{FF2B5EF4-FFF2-40B4-BE49-F238E27FC236}">
-                <a16:creationId xmlns:a16="http://schemas.microsoft.com/office/drawing/2014/main" id="{386F61B5-5413-4E5F-8581-D2F17DAE5541}"/>
+            <a:r>
+              <a:rPr lang="en-US" altLang="ko-KR" sz="1400" b="1">
+                <a:solidFill>
+                  <a:schemeClr val="tx1"/>
+                </a:solidFill>
+              </a:rPr>
+              <a:t>Controller Manager</a:t>
+            </a:r>
+            <a:endParaRPr lang="ko-KR" altLang="en-US" sz="1600" b="1">
+              <a:solidFill>
+                <a:schemeClr val="tx1"/>
+              </a:solidFill>
+            </a:endParaRPr>
+          </a:p>
+        </p:txBody>
+      </p:sp>
+      <p:sp>
+        <p:nvSpPr>
+          <p:cNvPr id="35" name="사각형: 둥근 모서리 34">
+            <a:extLst>
+              <a:ext uri="{FF2B5EF4-FFF2-40B4-BE49-F238E27FC236}">
+                <a16:creationId xmlns:a16="http://schemas.microsoft.com/office/drawing/2014/main" id="{C2599EB8-3D7B-44BF-8FD5-7913897BF51E}"/>
               </a:ext>
             </a:extLst>
           </p:cNvPr>
@@ -3504,8 +3716,8 @@
         </p:nvSpPr>
         <p:spPr>
           <a:xfrm>
-            <a:off x="2195736" y="771550"/>
-            <a:ext cx="1368152" cy="622315"/>
+            <a:off x="5796138" y="1547126"/>
+            <a:ext cx="1656182" cy="622315"/>
           </a:xfrm>
           <a:prstGeom prst="roundRect">
             <a:avLst/>
@@ -3531,360 +3743,40 @@
           <a:p>
             <a:pPr algn="ctr"/>
             <a:r>
-              <a:rPr lang="en-US" altLang="ko-KR" sz="1400"/>
-              <a:t>K8s</a:t>
-            </a:r>
-          </a:p>
-          <a:p>
-            <a:pPr algn="ctr"/>
-            <a:r>
-              <a:rPr lang="en-US" altLang="ko-KR" sz="1400"/>
-              <a:t>API Server</a:t>
-            </a:r>
-            <a:endParaRPr lang="ko-KR" altLang="en-US" sz="1400"/>
-          </a:p>
-        </p:txBody>
-      </p:sp>
-      <p:sp>
-        <p:nvSpPr>
-          <p:cNvPr id="16" name="사각형: 둥근 모서리 15">
-            <a:extLst>
-              <a:ext uri="{FF2B5EF4-FFF2-40B4-BE49-F238E27FC236}">
-                <a16:creationId xmlns:a16="http://schemas.microsoft.com/office/drawing/2014/main" id="{A1B813EE-80F6-42C1-916E-4AB46A459F34}"/>
-              </a:ext>
-            </a:extLst>
-          </p:cNvPr>
-          <p:cNvSpPr/>
-          <p:nvPr/>
-        </p:nvSpPr>
-        <p:spPr>
-          <a:xfrm>
-            <a:off x="5163314" y="2649486"/>
-            <a:ext cx="3039586" cy="1239047"/>
-          </a:xfrm>
-          <a:prstGeom prst="roundRect">
-            <a:avLst>
-              <a:gd name="adj" fmla="val 7564"/>
-            </a:avLst>
-          </a:prstGeom>
-        </p:spPr>
-        <p:style>
-          <a:lnRef idx="2">
-            <a:schemeClr val="dk1"/>
-          </a:lnRef>
-          <a:fillRef idx="1">
-            <a:schemeClr val="lt1"/>
-          </a:fillRef>
-          <a:effectRef idx="0">
-            <a:schemeClr val="dk1"/>
-          </a:effectRef>
-          <a:fontRef idx="minor">
-            <a:schemeClr val="dk1"/>
-          </a:fontRef>
-        </p:style>
-        <p:txBody>
-          <a:bodyPr rtlCol="0" anchor="b"/>
-          <a:lstStyle/>
-          <a:p>
-            <a:pPr algn="ctr"/>
-            <a:r>
-              <a:rPr lang="en-US" altLang="ko-KR" sz="1400" b="1"/>
-              <a:t>Kubebuilder </a:t>
-            </a:r>
-          </a:p>
-          <a:p>
-            <a:pPr algn="ctr"/>
-            <a:r>
-              <a:rPr lang="en-US" altLang="ko-KR" sz="1400" b="1"/>
-              <a:t>Controller Pkg</a:t>
-            </a:r>
-          </a:p>
-        </p:txBody>
-      </p:sp>
-      <p:sp>
-        <p:nvSpPr>
-          <p:cNvPr id="21" name="사각형: 둥근 모서리 20">
-            <a:extLst>
-              <a:ext uri="{FF2B5EF4-FFF2-40B4-BE49-F238E27FC236}">
-                <a16:creationId xmlns:a16="http://schemas.microsoft.com/office/drawing/2014/main" id="{5BA72481-834B-4E61-A1D8-A193E7E606EE}"/>
-              </a:ext>
-            </a:extLst>
-          </p:cNvPr>
-          <p:cNvSpPr/>
-          <p:nvPr/>
-        </p:nvSpPr>
-        <p:spPr>
-          <a:xfrm>
-            <a:off x="5263644" y="2737338"/>
-            <a:ext cx="1368152" cy="622316"/>
-          </a:xfrm>
-          <a:prstGeom prst="roundRect">
-            <a:avLst>
-              <a:gd name="adj" fmla="val 12994"/>
-            </a:avLst>
-          </a:prstGeom>
-        </p:spPr>
-        <p:style>
-          <a:lnRef idx="2">
-            <a:schemeClr val="dk1"/>
-          </a:lnRef>
-          <a:fillRef idx="1">
-            <a:schemeClr val="lt1"/>
-          </a:fillRef>
-          <a:effectRef idx="0">
-            <a:schemeClr val="dk1"/>
-          </a:effectRef>
-          <a:fontRef idx="minor">
-            <a:schemeClr val="dk1"/>
-          </a:fontRef>
-        </p:style>
-        <p:txBody>
-          <a:bodyPr rtlCol="0" anchor="ctr"/>
-          <a:lstStyle/>
-          <a:p>
-            <a:pPr algn="ctr"/>
-            <a:r>
-              <a:rPr lang="en-US" altLang="ko-KR" sz="1400"/>
-              <a:t>Manager’s</a:t>
-            </a:r>
-          </a:p>
-          <a:p>
-            <a:pPr algn="ctr"/>
-            <a:r>
-              <a:rPr lang="en-US" altLang="ko-KR" sz="1400"/>
-              <a:t>K8s Client</a:t>
-            </a:r>
-            <a:endParaRPr lang="ko-KR" altLang="en-US" sz="1400"/>
-          </a:p>
-        </p:txBody>
-      </p:sp>
-      <p:sp>
-        <p:nvSpPr>
-          <p:cNvPr id="23" name="사각형: 둥근 모서리 22">
-            <a:extLst>
-              <a:ext uri="{FF2B5EF4-FFF2-40B4-BE49-F238E27FC236}">
-                <a16:creationId xmlns:a16="http://schemas.microsoft.com/office/drawing/2014/main" id="{534A9358-2212-45CE-96D2-6078B35950DC}"/>
-              </a:ext>
-            </a:extLst>
-          </p:cNvPr>
-          <p:cNvSpPr/>
-          <p:nvPr/>
-        </p:nvSpPr>
-        <p:spPr>
-          <a:xfrm>
-            <a:off x="6739622" y="2737338"/>
-            <a:ext cx="1368152" cy="622316"/>
-          </a:xfrm>
-          <a:prstGeom prst="roundRect">
-            <a:avLst>
-              <a:gd name="adj" fmla="val 12994"/>
-            </a:avLst>
-          </a:prstGeom>
-        </p:spPr>
-        <p:style>
-          <a:lnRef idx="2">
-            <a:schemeClr val="dk1"/>
-          </a:lnRef>
-          <a:fillRef idx="1">
-            <a:schemeClr val="lt1"/>
-          </a:fillRef>
-          <a:effectRef idx="0">
-            <a:schemeClr val="dk1"/>
-          </a:effectRef>
-          <a:fontRef idx="minor">
-            <a:schemeClr val="dk1"/>
-          </a:fontRef>
-        </p:style>
-        <p:txBody>
-          <a:bodyPr rtlCol="0" anchor="ctr"/>
-          <a:lstStyle/>
-          <a:p>
-            <a:pPr algn="ctr"/>
-            <a:r>
-              <a:rPr lang="en-US" altLang="ko-KR" sz="1400"/>
-              <a:t>Reconcile Loop</a:t>
-            </a:r>
-            <a:endParaRPr lang="ko-KR" altLang="en-US" sz="1400"/>
-          </a:p>
-        </p:txBody>
-      </p:sp>
-      <p:sp>
-        <p:nvSpPr>
-          <p:cNvPr id="26" name="사각형: 둥근 모서리 25">
-            <a:extLst>
-              <a:ext uri="{FF2B5EF4-FFF2-40B4-BE49-F238E27FC236}">
-                <a16:creationId xmlns:a16="http://schemas.microsoft.com/office/drawing/2014/main" id="{8AB6C791-67FA-4BF1-8626-6C1E3A51C502}"/>
-              </a:ext>
-            </a:extLst>
-          </p:cNvPr>
-          <p:cNvSpPr/>
-          <p:nvPr/>
-        </p:nvSpPr>
-        <p:spPr>
-          <a:xfrm>
-            <a:off x="1259632" y="2649486"/>
-            <a:ext cx="1569958" cy="1239047"/>
-          </a:xfrm>
-          <a:prstGeom prst="roundRect">
-            <a:avLst>
-              <a:gd name="adj" fmla="val 7564"/>
-            </a:avLst>
-          </a:prstGeom>
-        </p:spPr>
-        <p:style>
-          <a:lnRef idx="2">
-            <a:schemeClr val="dk1"/>
-          </a:lnRef>
-          <a:fillRef idx="1">
-            <a:schemeClr val="lt1"/>
-          </a:fillRef>
-          <a:effectRef idx="0">
-            <a:schemeClr val="dk1"/>
-          </a:effectRef>
-          <a:fontRef idx="minor">
-            <a:schemeClr val="dk1"/>
-          </a:fontRef>
-        </p:style>
-        <p:txBody>
-          <a:bodyPr rtlCol="0" anchor="b"/>
-          <a:lstStyle/>
-          <a:p>
-            <a:pPr algn="ctr"/>
-            <a:r>
-              <a:rPr lang="en-US" altLang="ko-KR" sz="1400" b="1"/>
-              <a:t>Runtime</a:t>
-            </a:r>
-          </a:p>
-          <a:p>
-            <a:pPr algn="ctr"/>
-            <a:r>
-              <a:rPr lang="en-US" altLang="ko-KR" sz="1400" b="1"/>
-              <a:t>Controller Pkg</a:t>
-            </a:r>
-            <a:endParaRPr lang="ko-KR" altLang="en-US" sz="1400" b="1"/>
-          </a:p>
-        </p:txBody>
-      </p:sp>
-      <p:sp>
-        <p:nvSpPr>
-          <p:cNvPr id="27" name="사각형: 둥근 모서리 26">
-            <a:extLst>
-              <a:ext uri="{FF2B5EF4-FFF2-40B4-BE49-F238E27FC236}">
-                <a16:creationId xmlns:a16="http://schemas.microsoft.com/office/drawing/2014/main" id="{F0FD2BDB-2B47-49DD-A5EF-C36AB8E6D022}"/>
-              </a:ext>
-            </a:extLst>
-          </p:cNvPr>
-          <p:cNvSpPr/>
-          <p:nvPr/>
-        </p:nvSpPr>
-        <p:spPr>
-          <a:xfrm>
-            <a:off x="1353612" y="2737338"/>
-            <a:ext cx="1368152" cy="622316"/>
-          </a:xfrm>
-          <a:prstGeom prst="roundRect">
-            <a:avLst>
-              <a:gd name="adj" fmla="val 12994"/>
-            </a:avLst>
-          </a:prstGeom>
-        </p:spPr>
-        <p:style>
-          <a:lnRef idx="2">
-            <a:schemeClr val="dk1"/>
-          </a:lnRef>
-          <a:fillRef idx="1">
-            <a:schemeClr val="lt1"/>
-          </a:fillRef>
-          <a:effectRef idx="0">
-            <a:schemeClr val="dk1"/>
-          </a:effectRef>
-          <a:fontRef idx="minor">
-            <a:schemeClr val="dk1"/>
-          </a:fontRef>
-        </p:style>
-        <p:txBody>
-          <a:bodyPr rtlCol="0" anchor="ctr"/>
-          <a:lstStyle/>
-          <a:p>
-            <a:pPr algn="ctr"/>
-            <a:r>
-              <a:rPr lang="en-US" altLang="ko-KR" sz="1400"/>
-              <a:t>Work Queue</a:t>
-            </a:r>
-            <a:endParaRPr lang="ko-KR" altLang="en-US" sz="1400"/>
-          </a:p>
-        </p:txBody>
-      </p:sp>
-      <p:sp>
-        <p:nvSpPr>
-          <p:cNvPr id="28" name="사각형: 둥근 모서리 27">
-            <a:extLst>
-              <a:ext uri="{FF2B5EF4-FFF2-40B4-BE49-F238E27FC236}">
-                <a16:creationId xmlns:a16="http://schemas.microsoft.com/office/drawing/2014/main" id="{E4D8DB64-BCBF-4901-A55E-778542BB6549}"/>
-              </a:ext>
-            </a:extLst>
-          </p:cNvPr>
-          <p:cNvSpPr/>
-          <p:nvPr/>
-        </p:nvSpPr>
-        <p:spPr>
-          <a:xfrm>
-            <a:off x="3039078" y="2737338"/>
-            <a:ext cx="1368152" cy="622316"/>
-          </a:xfrm>
-          <a:prstGeom prst="roundRect">
-            <a:avLst>
-              <a:gd name="adj" fmla="val 12994"/>
-            </a:avLst>
-          </a:prstGeom>
-        </p:spPr>
-        <p:style>
-          <a:lnRef idx="2">
-            <a:schemeClr val="dk1"/>
-          </a:lnRef>
-          <a:fillRef idx="1">
-            <a:schemeClr val="lt1"/>
-          </a:fillRef>
-          <a:effectRef idx="0">
-            <a:schemeClr val="dk1"/>
-          </a:effectRef>
-          <a:fontRef idx="minor">
-            <a:schemeClr val="dk1"/>
-          </a:fontRef>
-        </p:style>
-        <p:txBody>
-          <a:bodyPr rtlCol="0" anchor="ctr"/>
-          <a:lstStyle/>
-          <a:p>
-            <a:pPr algn="ctr"/>
-            <a:r>
-              <a:rPr lang="en-US" altLang="ko-KR" sz="1400"/>
-              <a:t>Cache</a:t>
-            </a:r>
-            <a:endParaRPr lang="ko-KR" altLang="en-US" sz="1400"/>
+              <a:rPr lang="en-US" altLang="ko-KR" sz="1400">
+                <a:solidFill>
+                  <a:schemeClr val="tx1"/>
+                </a:solidFill>
+              </a:rPr>
+              <a:t>kube-rbac-proxy</a:t>
+            </a:r>
+            <a:endParaRPr lang="ko-KR" altLang="en-US" sz="1600">
+              <a:solidFill>
+                <a:schemeClr val="tx1"/>
+              </a:solidFill>
+            </a:endParaRPr>
           </a:p>
         </p:txBody>
       </p:sp>
       <p:cxnSp>
         <p:nvCxnSpPr>
-          <p:cNvPr id="33" name="직선 화살표 연결선 32">
-            <a:extLst>
-              <a:ext uri="{FF2B5EF4-FFF2-40B4-BE49-F238E27FC236}">
-                <a16:creationId xmlns:a16="http://schemas.microsoft.com/office/drawing/2014/main" id="{0CE42314-F022-41CD-833B-DFE2063EE64B}"/>
+          <p:cNvPr id="36" name="직선 화살표 연결선 35">
+            <a:extLst>
+              <a:ext uri="{FF2B5EF4-FFF2-40B4-BE49-F238E27FC236}">
+                <a16:creationId xmlns:a16="http://schemas.microsoft.com/office/drawing/2014/main" id="{416FEA27-8521-4605-B12D-D78C1031A956}"/>
               </a:ext>
             </a:extLst>
           </p:cNvPr>
           <p:cNvCxnSpPr>
             <a:cxnSpLocks/>
-            <a:stCxn id="4" idx="2"/>
-            <a:endCxn id="27" idx="0"/>
+            <a:stCxn id="35" idx="2"/>
           </p:cNvCxnSpPr>
           <p:nvPr/>
         </p:nvCxnSpPr>
         <p:spPr>
-          <a:xfrm flipH="1">
-            <a:off x="2037688" y="1393865"/>
-            <a:ext cx="842124" cy="1343473"/>
+          <a:xfrm>
+            <a:off x="6624229" y="2169441"/>
+            <a:ext cx="0" cy="313789"/>
           </a:xfrm>
           <a:prstGeom prst="straightConnector1">
             <a:avLst/>
@@ -3895,6 +3787,756 @@
             </a:solidFill>
             <a:headEnd type="arrow" w="med" len="med"/>
             <a:tailEnd type="none" w="med" len="med"/>
+          </a:ln>
+        </p:spPr>
+        <p:style>
+          <a:lnRef idx="1">
+            <a:schemeClr val="accent1"/>
+          </a:lnRef>
+          <a:fillRef idx="0">
+            <a:schemeClr val="accent1"/>
+          </a:fillRef>
+          <a:effectRef idx="0">
+            <a:schemeClr val="accent1"/>
+          </a:effectRef>
+          <a:fontRef idx="minor">
+            <a:schemeClr val="tx1"/>
+          </a:fontRef>
+        </p:style>
+      </p:cxnSp>
+      <p:sp>
+        <p:nvSpPr>
+          <p:cNvPr id="40" name="TextBox 39">
+            <a:extLst>
+              <a:ext uri="{FF2B5EF4-FFF2-40B4-BE49-F238E27FC236}">
+                <a16:creationId xmlns:a16="http://schemas.microsoft.com/office/drawing/2014/main" id="{95C263B4-FDA7-4FEF-890E-D49C35CA66F0}"/>
+              </a:ext>
+            </a:extLst>
+          </p:cNvPr>
+          <p:cNvSpPr txBox="1"/>
+          <p:nvPr/>
+        </p:nvSpPr>
+        <p:spPr>
+          <a:xfrm>
+            <a:off x="6447467" y="2190842"/>
+            <a:ext cx="969341" cy="276999"/>
+          </a:xfrm>
+          <a:prstGeom prst="rect">
+            <a:avLst/>
+          </a:prstGeom>
+          <a:noFill/>
+        </p:spPr>
+        <p:txBody>
+          <a:bodyPr wrap="square" rtlCol="0" anchor="ctr">
+            <a:spAutoFit/>
+          </a:bodyPr>
+          <a:lstStyle/>
+          <a:p>
+            <a:pPr algn="ctr"/>
+            <a:r>
+              <a:rPr lang="en-US" altLang="ko-KR" sz="1200"/>
+              <a:t>Metric</a:t>
+            </a:r>
+          </a:p>
+        </p:txBody>
+      </p:sp>
+      <p:cxnSp>
+        <p:nvCxnSpPr>
+          <p:cNvPr id="41" name="직선 화살표 연결선 40">
+            <a:extLst>
+              <a:ext uri="{FF2B5EF4-FFF2-40B4-BE49-F238E27FC236}">
+                <a16:creationId xmlns:a16="http://schemas.microsoft.com/office/drawing/2014/main" id="{C3646514-DE27-4A8A-99C0-5FD9F73C34E2}"/>
+              </a:ext>
+            </a:extLst>
+          </p:cNvPr>
+          <p:cNvCxnSpPr>
+            <a:cxnSpLocks/>
+            <a:endCxn id="35" idx="0"/>
+          </p:cNvCxnSpPr>
+          <p:nvPr/>
+        </p:nvCxnSpPr>
+        <p:spPr>
+          <a:xfrm>
+            <a:off x="6624229" y="971062"/>
+            <a:ext cx="0" cy="576064"/>
+          </a:xfrm>
+          <a:prstGeom prst="straightConnector1">
+            <a:avLst/>
+          </a:prstGeom>
+          <a:ln w="28575">
+            <a:solidFill>
+              <a:schemeClr val="tx1"/>
+            </a:solidFill>
+            <a:headEnd type="arrow" w="med" len="med"/>
+            <a:tailEnd type="none" w="med" len="med"/>
+          </a:ln>
+        </p:spPr>
+        <p:style>
+          <a:lnRef idx="1">
+            <a:schemeClr val="accent1"/>
+          </a:lnRef>
+          <a:fillRef idx="0">
+            <a:schemeClr val="accent1"/>
+          </a:fillRef>
+          <a:effectRef idx="0">
+            <a:schemeClr val="accent1"/>
+          </a:effectRef>
+          <a:fontRef idx="minor">
+            <a:schemeClr val="tx1"/>
+          </a:fontRef>
+        </p:style>
+      </p:cxnSp>
+      <p:sp>
+        <p:nvSpPr>
+          <p:cNvPr id="56" name="사각형: 둥근 모서리 55">
+            <a:extLst>
+              <a:ext uri="{FF2B5EF4-FFF2-40B4-BE49-F238E27FC236}">
+                <a16:creationId xmlns:a16="http://schemas.microsoft.com/office/drawing/2014/main" id="{B739F7F4-10B0-4B76-8FBF-E9786C204F30}"/>
+              </a:ext>
+            </a:extLst>
+          </p:cNvPr>
+          <p:cNvSpPr/>
+          <p:nvPr/>
+        </p:nvSpPr>
+        <p:spPr>
+          <a:xfrm>
+            <a:off x="1115616" y="1456206"/>
+            <a:ext cx="7236792" cy="3475296"/>
+          </a:xfrm>
+          <a:prstGeom prst="roundRect">
+            <a:avLst>
+              <a:gd name="adj" fmla="val 5497"/>
+            </a:avLst>
+          </a:prstGeom>
+          <a:noFill/>
+          <a:ln>
+            <a:solidFill>
+              <a:schemeClr val="tx1"/>
+            </a:solidFill>
+            <a:prstDash val="dash"/>
+          </a:ln>
+        </p:spPr>
+        <p:style>
+          <a:lnRef idx="2">
+            <a:schemeClr val="accent1">
+              <a:shade val="50000"/>
+            </a:schemeClr>
+          </a:lnRef>
+          <a:fillRef idx="1">
+            <a:schemeClr val="accent1"/>
+          </a:fillRef>
+          <a:effectRef idx="0">
+            <a:schemeClr val="accent1"/>
+          </a:effectRef>
+          <a:fontRef idx="minor">
+            <a:schemeClr val="lt1"/>
+          </a:fontRef>
+        </p:style>
+        <p:txBody>
+          <a:bodyPr rtlCol="0" anchor="b"/>
+          <a:lstStyle/>
+          <a:p>
+            <a:r>
+              <a:rPr lang="en-US" altLang="ko-KR" sz="1400" b="1">
+                <a:solidFill>
+                  <a:schemeClr val="tx1"/>
+                </a:solidFill>
+              </a:rPr>
+              <a:t>Controller Manager Pod</a:t>
+            </a:r>
+            <a:endParaRPr lang="ko-KR" altLang="en-US" sz="1600" b="1">
+              <a:solidFill>
+                <a:schemeClr val="tx1"/>
+              </a:solidFill>
+            </a:endParaRPr>
+          </a:p>
+        </p:txBody>
+      </p:sp>
+      <p:grpSp>
+        <p:nvGrpSpPr>
+          <p:cNvPr id="43" name="그룹 42">
+            <a:extLst>
+              <a:ext uri="{FF2B5EF4-FFF2-40B4-BE49-F238E27FC236}">
+                <a16:creationId xmlns:a16="http://schemas.microsoft.com/office/drawing/2014/main" id="{BC5673CA-E261-4B38-AACB-FC51499BE4B7}"/>
+              </a:ext>
+            </a:extLst>
+          </p:cNvPr>
+          <p:cNvGrpSpPr/>
+          <p:nvPr/>
+        </p:nvGrpSpPr>
+        <p:grpSpPr>
+          <a:xfrm>
+            <a:off x="6631840" y="3564288"/>
+            <a:ext cx="1571104" cy="930373"/>
+            <a:chOff x="6631796" y="2721495"/>
+            <a:chExt cx="1571104" cy="1002384"/>
+          </a:xfrm>
+        </p:grpSpPr>
+        <p:sp>
+          <p:nvSpPr>
+            <p:cNvPr id="44" name="사각형: 둥근 모서리 43">
+              <a:extLst>
+                <a:ext uri="{FF2B5EF4-FFF2-40B4-BE49-F238E27FC236}">
+                  <a16:creationId xmlns:a16="http://schemas.microsoft.com/office/drawing/2014/main" id="{F27429FC-F580-4BBD-B017-F138C6C52E0F}"/>
+                </a:ext>
+              </a:extLst>
+            </p:cNvPr>
+            <p:cNvSpPr/>
+            <p:nvPr/>
+          </p:nvSpPr>
+          <p:spPr>
+            <a:xfrm>
+              <a:off x="6631796" y="2721495"/>
+              <a:ext cx="1571104" cy="1002384"/>
+            </a:xfrm>
+            <a:prstGeom prst="roundRect">
+              <a:avLst>
+                <a:gd name="adj" fmla="val 7564"/>
+              </a:avLst>
+            </a:prstGeom>
+          </p:spPr>
+          <p:style>
+            <a:lnRef idx="2">
+              <a:schemeClr val="dk1"/>
+            </a:lnRef>
+            <a:fillRef idx="1">
+              <a:schemeClr val="lt1"/>
+            </a:fillRef>
+            <a:effectRef idx="0">
+              <a:schemeClr val="dk1"/>
+            </a:effectRef>
+            <a:fontRef idx="minor">
+              <a:schemeClr val="dk1"/>
+            </a:fontRef>
+          </p:style>
+          <p:txBody>
+            <a:bodyPr rtlCol="0" anchor="b"/>
+            <a:lstStyle/>
+            <a:p>
+              <a:pPr algn="ctr"/>
+              <a:r>
+                <a:rPr lang="en-US" altLang="ko-KR" sz="1400" b="1"/>
+                <a:t>Controller B</a:t>
+              </a:r>
+            </a:p>
+          </p:txBody>
+        </p:sp>
+        <p:sp>
+          <p:nvSpPr>
+            <p:cNvPr id="45" name="사각형: 둥근 모서리 44">
+              <a:extLst>
+                <a:ext uri="{FF2B5EF4-FFF2-40B4-BE49-F238E27FC236}">
+                  <a16:creationId xmlns:a16="http://schemas.microsoft.com/office/drawing/2014/main" id="{0EB08FA0-FF4F-4BF7-A488-CD211D437C8E}"/>
+                </a:ext>
+              </a:extLst>
+            </p:cNvPr>
+            <p:cNvSpPr/>
+            <p:nvPr/>
+          </p:nvSpPr>
+          <p:spPr>
+            <a:xfrm>
+              <a:off x="6739622" y="2791110"/>
+              <a:ext cx="1368152" cy="622316"/>
+            </a:xfrm>
+            <a:prstGeom prst="roundRect">
+              <a:avLst>
+                <a:gd name="adj" fmla="val 12994"/>
+              </a:avLst>
+            </a:prstGeom>
+          </p:spPr>
+          <p:style>
+            <a:lnRef idx="2">
+              <a:schemeClr val="dk1"/>
+            </a:lnRef>
+            <a:fillRef idx="1">
+              <a:schemeClr val="lt1"/>
+            </a:fillRef>
+            <a:effectRef idx="0">
+              <a:schemeClr val="dk1"/>
+            </a:effectRef>
+            <a:fontRef idx="minor">
+              <a:schemeClr val="dk1"/>
+            </a:fontRef>
+          </p:style>
+          <p:txBody>
+            <a:bodyPr rtlCol="0" anchor="ctr"/>
+            <a:lstStyle/>
+            <a:p>
+              <a:pPr algn="ctr"/>
+              <a:r>
+                <a:rPr lang="en-US" altLang="ko-KR" sz="1400"/>
+                <a:t>Reconcile Loop</a:t>
+              </a:r>
+              <a:endParaRPr lang="ko-KR" altLang="en-US" sz="1400"/>
+            </a:p>
+          </p:txBody>
+        </p:sp>
+      </p:grpSp>
+      <p:grpSp>
+        <p:nvGrpSpPr>
+          <p:cNvPr id="150" name="그룹 149">
+            <a:extLst>
+              <a:ext uri="{FF2B5EF4-FFF2-40B4-BE49-F238E27FC236}">
+                <a16:creationId xmlns:a16="http://schemas.microsoft.com/office/drawing/2014/main" id="{4E6DCEC7-F5CD-4541-AF43-6CE0D3A1737A}"/>
+              </a:ext>
+            </a:extLst>
+          </p:cNvPr>
+          <p:cNvGrpSpPr/>
+          <p:nvPr/>
+        </p:nvGrpSpPr>
+        <p:grpSpPr>
+          <a:xfrm>
+            <a:off x="1258717" y="3166931"/>
+            <a:ext cx="1388264" cy="789428"/>
+            <a:chOff x="1276473" y="3327459"/>
+            <a:chExt cx="1388264" cy="789428"/>
+          </a:xfrm>
+        </p:grpSpPr>
+        <p:sp>
+          <p:nvSpPr>
+            <p:cNvPr id="28" name="사각형: 둥근 모서리 27">
+              <a:extLst>
+                <a:ext uri="{FF2B5EF4-FFF2-40B4-BE49-F238E27FC236}">
+                  <a16:creationId xmlns:a16="http://schemas.microsoft.com/office/drawing/2014/main" id="{E4D8DB64-BCBF-4901-A55E-778542BB6549}"/>
+                </a:ext>
+              </a:extLst>
+            </p:cNvPr>
+            <p:cNvSpPr/>
+            <p:nvPr/>
+          </p:nvSpPr>
+          <p:spPr>
+            <a:xfrm>
+              <a:off x="1276473" y="3327459"/>
+              <a:ext cx="1388264" cy="789428"/>
+            </a:xfrm>
+            <a:prstGeom prst="roundRect">
+              <a:avLst>
+                <a:gd name="adj" fmla="val 12994"/>
+              </a:avLst>
+            </a:prstGeom>
+          </p:spPr>
+          <p:style>
+            <a:lnRef idx="2">
+              <a:schemeClr val="dk1"/>
+            </a:lnRef>
+            <a:fillRef idx="1">
+              <a:schemeClr val="lt1"/>
+            </a:fillRef>
+            <a:effectRef idx="0">
+              <a:schemeClr val="dk1"/>
+            </a:effectRef>
+            <a:fontRef idx="minor">
+              <a:schemeClr val="dk1"/>
+            </a:fontRef>
+          </p:style>
+          <p:txBody>
+            <a:bodyPr rtlCol="0" anchor="b"/>
+            <a:lstStyle/>
+            <a:p>
+              <a:pPr algn="ctr"/>
+              <a:r>
+                <a:rPr lang="en-US" altLang="ko-KR" sz="1400"/>
+                <a:t>K8s Cache</a:t>
+              </a:r>
+              <a:endParaRPr lang="ko-KR" altLang="en-US" sz="1400"/>
+            </a:p>
+          </p:txBody>
+        </p:sp>
+        <p:sp>
+          <p:nvSpPr>
+            <p:cNvPr id="46" name="사각형: 둥근 모서리 45">
+              <a:extLst>
+                <a:ext uri="{FF2B5EF4-FFF2-40B4-BE49-F238E27FC236}">
+                  <a16:creationId xmlns:a16="http://schemas.microsoft.com/office/drawing/2014/main" id="{B03FF0D9-2333-4CFB-85E3-AF6A9081DC25}"/>
+                </a:ext>
+              </a:extLst>
+            </p:cNvPr>
+            <p:cNvSpPr/>
+            <p:nvPr/>
+          </p:nvSpPr>
+          <p:spPr>
+            <a:xfrm>
+              <a:off x="1380590" y="3396687"/>
+              <a:ext cx="1180030" cy="381611"/>
+            </a:xfrm>
+            <a:prstGeom prst="roundRect">
+              <a:avLst>
+                <a:gd name="adj" fmla="val 12994"/>
+              </a:avLst>
+            </a:prstGeom>
+          </p:spPr>
+          <p:style>
+            <a:lnRef idx="2">
+              <a:schemeClr val="dk1"/>
+            </a:lnRef>
+            <a:fillRef idx="1">
+              <a:schemeClr val="lt1"/>
+            </a:fillRef>
+            <a:effectRef idx="0">
+              <a:schemeClr val="dk1"/>
+            </a:effectRef>
+            <a:fontRef idx="minor">
+              <a:schemeClr val="dk1"/>
+            </a:fontRef>
+          </p:style>
+          <p:txBody>
+            <a:bodyPr rtlCol="0" anchor="ctr"/>
+            <a:lstStyle/>
+            <a:p>
+              <a:pPr algn="ctr"/>
+              <a:r>
+                <a:rPr lang="en-US" altLang="ko-KR" sz="1400"/>
+                <a:t>Informer</a:t>
+              </a:r>
+              <a:endParaRPr lang="ko-KR" altLang="en-US" sz="1400"/>
+            </a:p>
+          </p:txBody>
+        </p:sp>
+      </p:grpSp>
+      <p:grpSp>
+        <p:nvGrpSpPr>
+          <p:cNvPr id="102" name="그룹 101">
+            <a:extLst>
+              <a:ext uri="{FF2B5EF4-FFF2-40B4-BE49-F238E27FC236}">
+                <a16:creationId xmlns:a16="http://schemas.microsoft.com/office/drawing/2014/main" id="{49B6D8E0-57B9-49E6-BF24-82D6288B48C6}"/>
+              </a:ext>
+            </a:extLst>
+          </p:cNvPr>
+          <p:cNvGrpSpPr/>
+          <p:nvPr/>
+        </p:nvGrpSpPr>
+        <p:grpSpPr>
+          <a:xfrm>
+            <a:off x="3540518" y="2690051"/>
+            <a:ext cx="1463530" cy="1686233"/>
+            <a:chOff x="3597105" y="2838206"/>
+            <a:chExt cx="1463530" cy="1686233"/>
+          </a:xfrm>
+        </p:grpSpPr>
+        <p:sp>
+          <p:nvSpPr>
+            <p:cNvPr id="27" name="사각형: 둥근 모서리 26">
+              <a:extLst>
+                <a:ext uri="{FF2B5EF4-FFF2-40B4-BE49-F238E27FC236}">
+                  <a16:creationId xmlns:a16="http://schemas.microsoft.com/office/drawing/2014/main" id="{F0FD2BDB-2B47-49DD-A5EF-C36AB8E6D022}"/>
+                </a:ext>
+              </a:extLst>
+            </p:cNvPr>
+            <p:cNvSpPr/>
+            <p:nvPr/>
+          </p:nvSpPr>
+          <p:spPr>
+            <a:xfrm>
+              <a:off x="3597105" y="2838206"/>
+              <a:ext cx="1463530" cy="446087"/>
+            </a:xfrm>
+            <a:prstGeom prst="roundRect">
+              <a:avLst>
+                <a:gd name="adj" fmla="val 12994"/>
+              </a:avLst>
+            </a:prstGeom>
+          </p:spPr>
+          <p:style>
+            <a:lnRef idx="2">
+              <a:schemeClr val="dk1"/>
+            </a:lnRef>
+            <a:fillRef idx="1">
+              <a:schemeClr val="lt1"/>
+            </a:fillRef>
+            <a:effectRef idx="0">
+              <a:schemeClr val="dk1"/>
+            </a:effectRef>
+            <a:fontRef idx="minor">
+              <a:schemeClr val="dk1"/>
+            </a:fontRef>
+          </p:style>
+          <p:txBody>
+            <a:bodyPr rtlCol="0" anchor="ctr"/>
+            <a:lstStyle/>
+            <a:p>
+              <a:pPr algn="ctr"/>
+              <a:r>
+                <a:rPr lang="en-US" altLang="ko-KR" sz="1400"/>
+                <a:t>K8s Client</a:t>
+              </a:r>
+              <a:endParaRPr lang="ko-KR" altLang="en-US" sz="1400"/>
+            </a:p>
+          </p:txBody>
+        </p:sp>
+        <p:sp>
+          <p:nvSpPr>
+            <p:cNvPr id="60" name="사각형: 둥근 모서리 59">
+              <a:extLst>
+                <a:ext uri="{FF2B5EF4-FFF2-40B4-BE49-F238E27FC236}">
+                  <a16:creationId xmlns:a16="http://schemas.microsoft.com/office/drawing/2014/main" id="{0B2F97EE-3277-4F60-868C-98BE0A3F8116}"/>
+                </a:ext>
+              </a:extLst>
+            </p:cNvPr>
+            <p:cNvSpPr/>
+            <p:nvPr/>
+          </p:nvSpPr>
+          <p:spPr>
+            <a:xfrm>
+              <a:off x="3597105" y="3458279"/>
+              <a:ext cx="1463530" cy="446087"/>
+            </a:xfrm>
+            <a:prstGeom prst="roundRect">
+              <a:avLst>
+                <a:gd name="adj" fmla="val 12994"/>
+              </a:avLst>
+            </a:prstGeom>
+          </p:spPr>
+          <p:style>
+            <a:lnRef idx="2">
+              <a:schemeClr val="dk1"/>
+            </a:lnRef>
+            <a:fillRef idx="1">
+              <a:schemeClr val="lt1"/>
+            </a:fillRef>
+            <a:effectRef idx="0">
+              <a:schemeClr val="dk1"/>
+            </a:effectRef>
+            <a:fontRef idx="minor">
+              <a:schemeClr val="dk1"/>
+            </a:fontRef>
+          </p:style>
+          <p:txBody>
+            <a:bodyPr rtlCol="0" anchor="ctr"/>
+            <a:lstStyle/>
+            <a:p>
+              <a:pPr algn="ctr"/>
+              <a:r>
+                <a:rPr lang="en-US" altLang="ko-KR" sz="1400"/>
+                <a:t>Work Queue A</a:t>
+              </a:r>
+              <a:endParaRPr lang="ko-KR" altLang="en-US" sz="1400"/>
+            </a:p>
+          </p:txBody>
+        </p:sp>
+        <p:sp>
+          <p:nvSpPr>
+            <p:cNvPr id="61" name="사각형: 둥근 모서리 60">
+              <a:extLst>
+                <a:ext uri="{FF2B5EF4-FFF2-40B4-BE49-F238E27FC236}">
+                  <a16:creationId xmlns:a16="http://schemas.microsoft.com/office/drawing/2014/main" id="{0FDD9652-92FC-41DA-9B72-A5A25DC06B76}"/>
+                </a:ext>
+              </a:extLst>
+            </p:cNvPr>
+            <p:cNvSpPr/>
+            <p:nvPr/>
+          </p:nvSpPr>
+          <p:spPr>
+            <a:xfrm>
+              <a:off x="3597105" y="4078352"/>
+              <a:ext cx="1463530" cy="446087"/>
+            </a:xfrm>
+            <a:prstGeom prst="roundRect">
+              <a:avLst>
+                <a:gd name="adj" fmla="val 12994"/>
+              </a:avLst>
+            </a:prstGeom>
+          </p:spPr>
+          <p:style>
+            <a:lnRef idx="2">
+              <a:schemeClr val="dk1"/>
+            </a:lnRef>
+            <a:fillRef idx="1">
+              <a:schemeClr val="lt1"/>
+            </a:fillRef>
+            <a:effectRef idx="0">
+              <a:schemeClr val="dk1"/>
+            </a:effectRef>
+            <a:fontRef idx="minor">
+              <a:schemeClr val="dk1"/>
+            </a:fontRef>
+          </p:style>
+          <p:txBody>
+            <a:bodyPr rtlCol="0" anchor="ctr"/>
+            <a:lstStyle/>
+            <a:p>
+              <a:pPr algn="ctr"/>
+              <a:r>
+                <a:rPr lang="en-US" altLang="ko-KR" sz="1400"/>
+                <a:t>Work Queue B</a:t>
+              </a:r>
+              <a:endParaRPr lang="ko-KR" altLang="en-US" sz="1400"/>
+            </a:p>
+          </p:txBody>
+        </p:sp>
+      </p:grpSp>
+      <p:cxnSp>
+        <p:nvCxnSpPr>
+          <p:cNvPr id="87" name="직선 화살표 연결선 86">
+            <a:extLst>
+              <a:ext uri="{FF2B5EF4-FFF2-40B4-BE49-F238E27FC236}">
+                <a16:creationId xmlns:a16="http://schemas.microsoft.com/office/drawing/2014/main" id="{43A73465-CF3A-40AA-AA91-205746078337}"/>
+              </a:ext>
+            </a:extLst>
+          </p:cNvPr>
+          <p:cNvCxnSpPr>
+            <a:cxnSpLocks/>
+            <a:stCxn id="23" idx="1"/>
+            <a:endCxn id="27" idx="3"/>
+          </p:cNvCxnSpPr>
+          <p:nvPr/>
+        </p:nvCxnSpPr>
+        <p:spPr>
+          <a:xfrm flipH="1" flipV="1">
+            <a:off x="5004048" y="2913095"/>
+            <a:ext cx="1735618" cy="1291"/>
+          </a:xfrm>
+          <a:prstGeom prst="straightConnector1">
+            <a:avLst/>
+          </a:prstGeom>
+          <a:ln w="28575">
+            <a:solidFill>
+              <a:schemeClr val="tx1"/>
+            </a:solidFill>
+            <a:headEnd type="arrow" w="med" len="med"/>
+            <a:tailEnd type="arrow" w="med" len="med"/>
+          </a:ln>
+        </p:spPr>
+        <p:style>
+          <a:lnRef idx="1">
+            <a:schemeClr val="accent1"/>
+          </a:lnRef>
+          <a:fillRef idx="0">
+            <a:schemeClr val="accent1"/>
+          </a:fillRef>
+          <a:effectRef idx="0">
+            <a:schemeClr val="accent1"/>
+          </a:effectRef>
+          <a:fontRef idx="minor">
+            <a:schemeClr val="tx1"/>
+          </a:fontRef>
+        </p:style>
+      </p:cxnSp>
+      <p:sp>
+        <p:nvSpPr>
+          <p:cNvPr id="106" name="자유형: 도형 105">
+            <a:extLst>
+              <a:ext uri="{FF2B5EF4-FFF2-40B4-BE49-F238E27FC236}">
+                <a16:creationId xmlns:a16="http://schemas.microsoft.com/office/drawing/2014/main" id="{DA6ED975-3C69-454F-AD71-8C9F91EBFFA1}"/>
+              </a:ext>
+            </a:extLst>
+          </p:cNvPr>
+          <p:cNvSpPr/>
+          <p:nvPr/>
+        </p:nvSpPr>
+        <p:spPr>
+          <a:xfrm>
+            <a:off x="6516216" y="2913095"/>
+            <a:ext cx="223450" cy="1010295"/>
+          </a:xfrm>
+          <a:custGeom>
+            <a:avLst/>
+            <a:gdLst>
+              <a:gd name="connsiteX0" fmla="*/ 0 w 870012"/>
+              <a:gd name="connsiteY0" fmla="*/ 0 h 665825"/>
+              <a:gd name="connsiteX1" fmla="*/ 0 w 870012"/>
+              <a:gd name="connsiteY1" fmla="*/ 665825 h 665825"/>
+              <a:gd name="connsiteX2" fmla="*/ 679142 w 870012"/>
+              <a:gd name="connsiteY2" fmla="*/ 665825 h 665825"/>
+              <a:gd name="connsiteX3" fmla="*/ 870012 w 870012"/>
+              <a:gd name="connsiteY3" fmla="*/ 665825 h 665825"/>
+            </a:gdLst>
+            <a:ahLst/>
+            <a:cxnLst>
+              <a:cxn ang="0">
+                <a:pos x="connsiteX0" y="connsiteY0"/>
+              </a:cxn>
+              <a:cxn ang="0">
+                <a:pos x="connsiteX1" y="connsiteY1"/>
+              </a:cxn>
+              <a:cxn ang="0">
+                <a:pos x="connsiteX2" y="connsiteY2"/>
+              </a:cxn>
+              <a:cxn ang="0">
+                <a:pos x="connsiteX3" y="connsiteY3"/>
+              </a:cxn>
+            </a:cxnLst>
+            <a:rect l="l" t="t" r="r" b="b"/>
+            <a:pathLst>
+              <a:path w="870012" h="665825">
+                <a:moveTo>
+                  <a:pt x="0" y="0"/>
+                </a:moveTo>
+                <a:lnTo>
+                  <a:pt x="0" y="665825"/>
+                </a:lnTo>
+                <a:lnTo>
+                  <a:pt x="679142" y="665825"/>
+                </a:lnTo>
+                <a:lnTo>
+                  <a:pt x="870012" y="665825"/>
+                </a:lnTo>
+              </a:path>
+            </a:pathLst>
+          </a:custGeom>
+          <a:noFill/>
+          <a:ln w="28575">
+            <a:solidFill>
+              <a:schemeClr val="tx1"/>
+            </a:solidFill>
+            <a:headEnd type="none" w="med" len="med"/>
+            <a:tailEnd type="arrow" w="med" len="med"/>
+          </a:ln>
+        </p:spPr>
+        <p:style>
+          <a:lnRef idx="2">
+            <a:schemeClr val="accent1">
+              <a:shade val="50000"/>
+            </a:schemeClr>
+          </a:lnRef>
+          <a:fillRef idx="1">
+            <a:schemeClr val="accent1"/>
+          </a:fillRef>
+          <a:effectRef idx="0">
+            <a:schemeClr val="accent1"/>
+          </a:effectRef>
+          <a:fontRef idx="minor">
+            <a:schemeClr val="lt1"/>
+          </a:fontRef>
+        </p:style>
+        <p:txBody>
+          <a:bodyPr rtlCol="0" anchor="ctr"/>
+          <a:lstStyle/>
+          <a:p>
+            <a:pPr algn="ctr"/>
+            <a:endParaRPr lang="ko-KR" altLang="en-US"/>
+          </a:p>
+        </p:txBody>
+      </p:sp>
+      <p:cxnSp>
+        <p:nvCxnSpPr>
+          <p:cNvPr id="107" name="직선 화살표 연결선 106">
+            <a:extLst>
+              <a:ext uri="{FF2B5EF4-FFF2-40B4-BE49-F238E27FC236}">
+                <a16:creationId xmlns:a16="http://schemas.microsoft.com/office/drawing/2014/main" id="{2A360D0A-8004-4CEA-AC9F-13C632BD97D3}"/>
+              </a:ext>
+            </a:extLst>
+          </p:cNvPr>
+          <p:cNvCxnSpPr>
+            <a:cxnSpLocks/>
+            <a:stCxn id="27" idx="0"/>
+            <a:endCxn id="4" idx="2"/>
+          </p:cNvCxnSpPr>
+          <p:nvPr/>
+        </p:nvCxnSpPr>
+        <p:spPr>
+          <a:xfrm flipH="1" flipV="1">
+            <a:off x="2800829" y="1249849"/>
+            <a:ext cx="1471454" cy="1440202"/>
+          </a:xfrm>
+          <a:prstGeom prst="straightConnector1">
+            <a:avLst/>
+          </a:prstGeom>
+          <a:ln w="28575">
+            <a:solidFill>
+              <a:schemeClr val="tx1"/>
+            </a:solidFill>
+            <a:headEnd type="none" w="med" len="med"/>
+            <a:tailEnd type="arrow" w="med" len="med"/>
           </a:ln>
         </p:spPr>
         <p:style>
@@ -3914,33 +4556,33 @@
       </p:cxnSp>
       <p:cxnSp>
         <p:nvCxnSpPr>
-          <p:cNvPr id="34" name="직선 화살표 연결선 33">
-            <a:extLst>
-              <a:ext uri="{FF2B5EF4-FFF2-40B4-BE49-F238E27FC236}">
-                <a16:creationId xmlns:a16="http://schemas.microsoft.com/office/drawing/2014/main" id="{2FE0317D-98E0-494C-8F9F-139D32C85980}"/>
+          <p:cNvPr id="120" name="직선 화살표 연결선 119">
+            <a:extLst>
+              <a:ext uri="{FF2B5EF4-FFF2-40B4-BE49-F238E27FC236}">
+                <a16:creationId xmlns:a16="http://schemas.microsoft.com/office/drawing/2014/main" id="{0891CEF7-6433-4796-BFBC-C787312A0809}"/>
               </a:ext>
             </a:extLst>
           </p:cNvPr>
           <p:cNvCxnSpPr>
             <a:cxnSpLocks/>
-            <a:stCxn id="4" idx="2"/>
-            <a:endCxn id="28" idx="0"/>
+            <a:stCxn id="23" idx="1"/>
+            <a:endCxn id="60" idx="3"/>
           </p:cNvCxnSpPr>
           <p:nvPr/>
         </p:nvCxnSpPr>
         <p:spPr>
-          <a:xfrm>
-            <a:off x="2879812" y="1393865"/>
-            <a:ext cx="843342" cy="1343473"/>
+          <a:xfrm flipH="1">
+            <a:off x="5004048" y="2914386"/>
+            <a:ext cx="1735618" cy="618782"/>
           </a:xfrm>
           <a:prstGeom prst="straightConnector1">
             <a:avLst/>
           </a:prstGeom>
           <a:ln w="28575">
             <a:solidFill>
-              <a:schemeClr val="tx1"/>
+              <a:schemeClr val="tx2"/>
             </a:solidFill>
-            <a:headEnd type="none" w="med" len="med"/>
+            <a:headEnd type="arrow" w="med" len="med"/>
             <a:tailEnd type="arrow" w="med" len="med"/>
           </a:ln>
         </p:spPr>
@@ -3961,24 +4603,122 @@
       </p:cxnSp>
       <p:cxnSp>
         <p:nvCxnSpPr>
-          <p:cNvPr id="39" name="직선 화살표 연결선 38">
-            <a:extLst>
-              <a:ext uri="{FF2B5EF4-FFF2-40B4-BE49-F238E27FC236}">
-                <a16:creationId xmlns:a16="http://schemas.microsoft.com/office/drawing/2014/main" id="{191C310B-7535-4349-8BA0-01D65A988EE2}"/>
+          <p:cNvPr id="123" name="직선 화살표 연결선 122">
+            <a:extLst>
+              <a:ext uri="{FF2B5EF4-FFF2-40B4-BE49-F238E27FC236}">
+                <a16:creationId xmlns:a16="http://schemas.microsoft.com/office/drawing/2014/main" id="{729E821C-C7DB-4FFA-8D66-2DDA6489E6EA}"/>
               </a:ext>
             </a:extLst>
           </p:cNvPr>
           <p:cNvCxnSpPr>
             <a:cxnSpLocks/>
-            <a:stCxn id="28" idx="3"/>
-            <a:endCxn id="21" idx="1"/>
+            <a:stCxn id="45" idx="1"/>
+            <a:endCxn id="61" idx="3"/>
           </p:cNvCxnSpPr>
           <p:nvPr/>
         </p:nvCxnSpPr>
         <p:spPr>
-          <a:xfrm>
-            <a:off x="4407230" y="3048496"/>
-            <a:ext cx="856414" cy="0"/>
+          <a:xfrm flipH="1">
+            <a:off x="5004048" y="3917707"/>
+            <a:ext cx="1735618" cy="235534"/>
+          </a:xfrm>
+          <a:prstGeom prst="straightConnector1">
+            <a:avLst/>
+          </a:prstGeom>
+          <a:ln w="28575">
+            <a:solidFill>
+              <a:schemeClr val="tx2"/>
+            </a:solidFill>
+            <a:headEnd type="arrow" w="med" len="med"/>
+            <a:tailEnd type="arrow" w="med" len="med"/>
+          </a:ln>
+        </p:spPr>
+        <p:style>
+          <a:lnRef idx="1">
+            <a:schemeClr val="accent1"/>
+          </a:lnRef>
+          <a:fillRef idx="0">
+            <a:schemeClr val="accent1"/>
+          </a:fillRef>
+          <a:effectRef idx="0">
+            <a:schemeClr val="accent1"/>
+          </a:effectRef>
+          <a:fontRef idx="minor">
+            <a:schemeClr val="tx1"/>
+          </a:fontRef>
+        </p:style>
+      </p:cxnSp>
+      <p:sp>
+        <p:nvSpPr>
+          <p:cNvPr id="126" name="TextBox 125">
+            <a:extLst>
+              <a:ext uri="{FF2B5EF4-FFF2-40B4-BE49-F238E27FC236}">
+                <a16:creationId xmlns:a16="http://schemas.microsoft.com/office/drawing/2014/main" id="{517E2A38-BDE7-478E-9AEB-F8FCA7C2CD2A}"/>
+              </a:ext>
+            </a:extLst>
+          </p:cNvPr>
+          <p:cNvSpPr txBox="1"/>
+          <p:nvPr/>
+        </p:nvSpPr>
+        <p:spPr>
+          <a:xfrm>
+            <a:off x="5076056" y="3478070"/>
+            <a:ext cx="1481624" cy="461665"/>
+          </a:xfrm>
+          <a:prstGeom prst="rect">
+            <a:avLst/>
+          </a:prstGeom>
+          <a:noFill/>
+        </p:spPr>
+        <p:txBody>
+          <a:bodyPr wrap="none" rtlCol="0">
+            <a:spAutoFit/>
+          </a:bodyPr>
+          <a:lstStyle/>
+          <a:p>
+            <a:pPr algn="ctr"/>
+            <a:r>
+              <a:rPr lang="en-US" altLang="ko-KR" sz="1200">
+                <a:solidFill>
+                  <a:schemeClr val="tx2"/>
+                </a:solidFill>
+              </a:rPr>
+              <a:t>Dequeue/Requeue</a:t>
+            </a:r>
+          </a:p>
+          <a:p>
+            <a:pPr algn="ctr"/>
+            <a:r>
+              <a:rPr lang="en-US" altLang="ko-KR" sz="1200">
+                <a:solidFill>
+                  <a:schemeClr val="tx2"/>
+                </a:solidFill>
+              </a:rPr>
+              <a:t>Object NS,Name</a:t>
+            </a:r>
+          </a:p>
+        </p:txBody>
+      </p:sp>
+      <p:cxnSp>
+        <p:nvCxnSpPr>
+          <p:cNvPr id="141" name="직선 화살표 연결선 140">
+            <a:extLst>
+              <a:ext uri="{FF2B5EF4-FFF2-40B4-BE49-F238E27FC236}">
+                <a16:creationId xmlns:a16="http://schemas.microsoft.com/office/drawing/2014/main" id="{00BAD58C-D8FD-4731-BD50-F98158E03AF6}"/>
+              </a:ext>
+            </a:extLst>
+          </p:cNvPr>
+          <p:cNvCxnSpPr>
+            <a:cxnSpLocks/>
+            <a:stCxn id="4" idx="2"/>
+            <a:endCxn id="28" idx="0"/>
+          </p:cNvCxnSpPr>
+          <p:nvPr/>
+        </p:nvCxnSpPr>
+        <p:spPr>
+          <a:xfrm flipH="1">
+            <a:off x="1952849" y="1249849"/>
+            <a:ext cx="847980" cy="1917082"/>
           </a:xfrm>
           <a:prstGeom prst="straightConnector1">
             <a:avLst/>
@@ -4008,24 +4748,24 @@
       </p:cxnSp>
       <p:cxnSp>
         <p:nvCxnSpPr>
-          <p:cNvPr id="42" name="직선 화살표 연결선 41">
-            <a:extLst>
-              <a:ext uri="{FF2B5EF4-FFF2-40B4-BE49-F238E27FC236}">
-                <a16:creationId xmlns:a16="http://schemas.microsoft.com/office/drawing/2014/main" id="{6F4BDF7D-B7CC-4AB2-9614-34D3B7939B45}"/>
+          <p:cNvPr id="145" name="직선 화살표 연결선 144">
+            <a:extLst>
+              <a:ext uri="{FF2B5EF4-FFF2-40B4-BE49-F238E27FC236}">
+                <a16:creationId xmlns:a16="http://schemas.microsoft.com/office/drawing/2014/main" id="{9FFBAE37-72E1-4955-9DE7-6AF4CA17A7DD}"/>
               </a:ext>
             </a:extLst>
           </p:cNvPr>
           <p:cNvCxnSpPr>
             <a:cxnSpLocks/>
-            <a:stCxn id="21" idx="0"/>
-            <a:endCxn id="4" idx="2"/>
+            <a:stCxn id="28" idx="3"/>
+            <a:endCxn id="27" idx="1"/>
           </p:cNvCxnSpPr>
           <p:nvPr/>
         </p:nvCxnSpPr>
         <p:spPr>
-          <a:xfrm flipH="1" flipV="1">
-            <a:off x="2879812" y="1393865"/>
-            <a:ext cx="3067908" cy="1343473"/>
+          <a:xfrm flipV="1">
+            <a:off x="2646981" y="2913095"/>
+            <a:ext cx="893537" cy="648550"/>
           </a:xfrm>
           <a:prstGeom prst="straightConnector1">
             <a:avLst/>
@@ -4055,33 +4795,78 @@
       </p:cxnSp>
       <p:sp>
         <p:nvSpPr>
-          <p:cNvPr id="47" name="원호 46">
-            <a:extLst>
-              <a:ext uri="{FF2B5EF4-FFF2-40B4-BE49-F238E27FC236}">
-                <a16:creationId xmlns:a16="http://schemas.microsoft.com/office/drawing/2014/main" id="{0034C7D1-EF2C-4CBD-A08C-E36A1D8C808C}"/>
-              </a:ext>
-            </a:extLst>
-          </p:cNvPr>
-          <p:cNvSpPr/>
-          <p:nvPr/>
-        </p:nvSpPr>
-        <p:spPr>
-          <a:xfrm flipV="1">
-            <a:off x="2586276" y="2748696"/>
-            <a:ext cx="4289980" cy="1239054"/>
-          </a:xfrm>
-          <a:prstGeom prst="arc">
-            <a:avLst>
-              <a:gd name="adj1" fmla="val 10787348"/>
-              <a:gd name="adj2" fmla="val 27559"/>
-            </a:avLst>
+          <p:cNvPr id="149" name="TextBox 148">
+            <a:extLst>
+              <a:ext uri="{FF2B5EF4-FFF2-40B4-BE49-F238E27FC236}">
+                <a16:creationId xmlns:a16="http://schemas.microsoft.com/office/drawing/2014/main" id="{22E48EE0-8638-475A-ABD3-96DD7E6A3034}"/>
+              </a:ext>
+            </a:extLst>
+          </p:cNvPr>
+          <p:cNvSpPr txBox="1"/>
+          <p:nvPr/>
+        </p:nvSpPr>
+        <p:spPr>
+          <a:xfrm>
+            <a:off x="2634334" y="2741645"/>
+            <a:ext cx="641522" cy="461665"/>
+          </a:xfrm>
+          <a:prstGeom prst="rect">
+            <a:avLst/>
+          </a:prstGeom>
+          <a:noFill/>
+        </p:spPr>
+        <p:txBody>
+          <a:bodyPr wrap="none" rtlCol="0">
+            <a:spAutoFit/>
+          </a:bodyPr>
+          <a:lstStyle/>
+          <a:p>
+            <a:pPr algn="ctr"/>
+            <a:r>
+              <a:rPr lang="en-US" altLang="ko-KR" sz="1200"/>
+              <a:t>Read</a:t>
+            </a:r>
+          </a:p>
+          <a:p>
+            <a:pPr algn="ctr"/>
+            <a:r>
+              <a:rPr lang="en-US" altLang="ko-KR" sz="1200"/>
+              <a:t>Object</a:t>
+            </a:r>
+            <a:endParaRPr lang="ko-KR" altLang="en-US" sz="1200"/>
+          </a:p>
+        </p:txBody>
+      </p:sp>
+      <p:cxnSp>
+        <p:nvCxnSpPr>
+          <p:cNvPr id="151" name="직선 화살표 연결선 150">
+            <a:extLst>
+              <a:ext uri="{FF2B5EF4-FFF2-40B4-BE49-F238E27FC236}">
+                <a16:creationId xmlns:a16="http://schemas.microsoft.com/office/drawing/2014/main" id="{0D9194DB-1BB5-4AFD-87C1-8D05C026D2B1}"/>
+              </a:ext>
+            </a:extLst>
+          </p:cNvPr>
+          <p:cNvCxnSpPr>
+            <a:cxnSpLocks/>
+            <a:stCxn id="46" idx="3"/>
+            <a:endCxn id="60" idx="1"/>
+          </p:cNvCxnSpPr>
+          <p:nvPr/>
+        </p:nvCxnSpPr>
+        <p:spPr>
+          <a:xfrm>
+            <a:off x="2542864" y="3426965"/>
+            <a:ext cx="997654" cy="106203"/>
+          </a:xfrm>
+          <a:prstGeom prst="straightConnector1">
+            <a:avLst/>
           </a:prstGeom>
           <a:ln w="28575">
             <a:solidFill>
-              <a:schemeClr val="tx1"/>
+              <a:srgbClr val="C00000"/>
             </a:solidFill>
-            <a:headEnd type="arrow" w="med" len="med"/>
-            <a:tailEnd type="none" w="med" len="med"/>
+            <a:headEnd type="none" w="med" len="med"/>
+            <a:tailEnd type="arrow" w="med" len="med"/>
           </a:ln>
         </p:spPr>
         <p:style>
@@ -4098,37 +4883,119 @@
             <a:schemeClr val="tx1"/>
           </a:fontRef>
         </p:style>
-        <p:txBody>
-          <a:bodyPr rtlCol="0" anchor="ctr"/>
-          <a:lstStyle/>
-          <a:p>
-            <a:pPr algn="ctr"/>
-            <a:endParaRPr lang="ko-KR" altLang="en-US"/>
-          </a:p>
-        </p:txBody>
-      </p:sp>
-      <p:sp>
-        <p:nvSpPr>
-          <p:cNvPr id="48" name="원호 47">
-            <a:extLst>
-              <a:ext uri="{FF2B5EF4-FFF2-40B4-BE49-F238E27FC236}">
-                <a16:creationId xmlns:a16="http://schemas.microsoft.com/office/drawing/2014/main" id="{F159D891-E03C-4A4E-A5FD-628D136561B6}"/>
-              </a:ext>
-            </a:extLst>
-          </p:cNvPr>
-          <p:cNvSpPr/>
-          <p:nvPr/>
-        </p:nvSpPr>
+      </p:cxnSp>
+      <p:cxnSp>
+        <p:nvCxnSpPr>
+          <p:cNvPr id="154" name="직선 화살표 연결선 153">
+            <a:extLst>
+              <a:ext uri="{FF2B5EF4-FFF2-40B4-BE49-F238E27FC236}">
+                <a16:creationId xmlns:a16="http://schemas.microsoft.com/office/drawing/2014/main" id="{1F644FD8-FC8A-46CF-880F-5F7650D15568}"/>
+              </a:ext>
+            </a:extLst>
+          </p:cNvPr>
+          <p:cNvCxnSpPr>
+            <a:cxnSpLocks/>
+            <a:stCxn id="46" idx="3"/>
+            <a:endCxn id="61" idx="1"/>
+          </p:cNvCxnSpPr>
+          <p:nvPr/>
+        </p:nvCxnSpPr>
+        <p:spPr>
+          <a:xfrm>
+            <a:off x="2542864" y="3426965"/>
+            <a:ext cx="997654" cy="726276"/>
+          </a:xfrm>
+          <a:prstGeom prst="straightConnector1">
+            <a:avLst/>
+          </a:prstGeom>
+          <a:ln w="28575">
+            <a:solidFill>
+              <a:srgbClr val="C00000"/>
+            </a:solidFill>
+            <a:headEnd type="none" w="med" len="med"/>
+            <a:tailEnd type="arrow" w="med" len="med"/>
+          </a:ln>
+        </p:spPr>
+        <p:style>
+          <a:lnRef idx="1">
+            <a:schemeClr val="accent1"/>
+          </a:lnRef>
+          <a:fillRef idx="0">
+            <a:schemeClr val="accent1"/>
+          </a:fillRef>
+          <a:effectRef idx="0">
+            <a:schemeClr val="accent1"/>
+          </a:effectRef>
+          <a:fontRef idx="minor">
+            <a:schemeClr val="tx1"/>
+          </a:fontRef>
+        </p:style>
+      </p:cxnSp>
+      <p:sp>
+        <p:nvSpPr>
+          <p:cNvPr id="158" name="TextBox 157">
+            <a:extLst>
+              <a:ext uri="{FF2B5EF4-FFF2-40B4-BE49-F238E27FC236}">
+                <a16:creationId xmlns:a16="http://schemas.microsoft.com/office/drawing/2014/main" id="{ECEDEECE-F2AC-43AD-A0E9-9650375F2739}"/>
+              </a:ext>
+            </a:extLst>
+          </p:cNvPr>
+          <p:cNvSpPr txBox="1"/>
+          <p:nvPr/>
+        </p:nvSpPr>
+        <p:spPr>
+          <a:xfrm>
+            <a:off x="2339776" y="3946853"/>
+            <a:ext cx="1074974" cy="276999"/>
+          </a:xfrm>
+          <a:prstGeom prst="rect">
+            <a:avLst/>
+          </a:prstGeom>
+          <a:noFill/>
+        </p:spPr>
+        <p:txBody>
+          <a:bodyPr wrap="none" rtlCol="0">
+            <a:spAutoFit/>
+          </a:bodyPr>
+          <a:lstStyle/>
+          <a:p>
+            <a:r>
+              <a:rPr lang="en-US" altLang="ko-KR" sz="1200">
+                <a:solidFill>
+                  <a:srgbClr val="C00000"/>
+                </a:solidFill>
+              </a:rPr>
+              <a:t>Object Event</a:t>
+            </a:r>
+            <a:endParaRPr lang="ko-KR" altLang="en-US" sz="1200">
+              <a:solidFill>
+                <a:srgbClr val="C00000"/>
+              </a:solidFill>
+            </a:endParaRPr>
+          </a:p>
+        </p:txBody>
+      </p:sp>
+      <p:cxnSp>
+        <p:nvCxnSpPr>
+          <p:cNvPr id="159" name="직선 화살표 연결선 158">
+            <a:extLst>
+              <a:ext uri="{FF2B5EF4-FFF2-40B4-BE49-F238E27FC236}">
+                <a16:creationId xmlns:a16="http://schemas.microsoft.com/office/drawing/2014/main" id="{35212B0E-6628-4913-B92C-2C4E34274FDE}"/>
+              </a:ext>
+            </a:extLst>
+          </p:cNvPr>
+          <p:cNvCxnSpPr>
+            <a:cxnSpLocks/>
+          </p:cNvCxnSpPr>
+          <p:nvPr/>
+        </p:nvCxnSpPr>
         <p:spPr>
           <a:xfrm flipV="1">
-            <a:off x="1475656" y="2341201"/>
-            <a:ext cx="6480720" cy="1987527"/>
-          </a:xfrm>
-          <a:prstGeom prst="arc">
-            <a:avLst>
-              <a:gd name="adj1" fmla="val 10797061"/>
-              <a:gd name="adj2" fmla="val 6830"/>
-            </a:avLst>
+            <a:off x="1763688" y="1249849"/>
+            <a:ext cx="847980" cy="1986310"/>
+          </a:xfrm>
+          <a:prstGeom prst="straightConnector1">
+            <a:avLst/>
           </a:prstGeom>
           <a:ln w="28575">
             <a:solidFill>
@@ -4152,21 +5019,13 @@
             <a:schemeClr val="tx1"/>
           </a:fontRef>
         </p:style>
-        <p:txBody>
-          <a:bodyPr rtlCol="0" anchor="ctr"/>
-          <a:lstStyle/>
-          <a:p>
-            <a:pPr algn="ctr"/>
-            <a:endParaRPr lang="ko-KR" altLang="en-US"/>
-          </a:p>
-        </p:txBody>
-      </p:sp>
-      <p:sp>
-        <p:nvSpPr>
-          <p:cNvPr id="51" name="TextBox 50">
-            <a:extLst>
-              <a:ext uri="{FF2B5EF4-FFF2-40B4-BE49-F238E27FC236}">
-                <a16:creationId xmlns:a16="http://schemas.microsoft.com/office/drawing/2014/main" id="{3DB123B9-D0C8-4BE2-98C1-96E2D53E63B7}"/>
+      </p:cxnSp>
+      <p:sp>
+        <p:nvSpPr>
+          <p:cNvPr id="162" name="TextBox 161">
+            <a:extLst>
+              <a:ext uri="{FF2B5EF4-FFF2-40B4-BE49-F238E27FC236}">
+                <a16:creationId xmlns:a16="http://schemas.microsoft.com/office/drawing/2014/main" id="{9FD00801-6A1B-45E7-9A2A-D322321864C3}"/>
               </a:ext>
             </a:extLst>
           </p:cNvPr>
@@ -4175,8 +5034,8 @@
         </p:nvSpPr>
         <p:spPr>
           <a:xfrm>
-            <a:off x="2771800" y="1923678"/>
-            <a:ext cx="555280" cy="307777"/>
+            <a:off x="1648618" y="1729177"/>
+            <a:ext cx="641522" cy="461665"/>
           </a:xfrm>
           <a:prstGeom prst="rect">
             <a:avLst/>
@@ -4189,20 +5048,28 @@
           </a:bodyPr>
           <a:lstStyle/>
           <a:p>
-            <a:r>
-              <a:rPr lang="en-US" altLang="ko-KR" sz="1400"/>
-              <a:t>Sync</a:t>
-            </a:r>
-            <a:endParaRPr lang="ko-KR" altLang="en-US" sz="1400"/>
-          </a:p>
-        </p:txBody>
-      </p:sp>
-      <p:sp>
-        <p:nvSpPr>
-          <p:cNvPr id="52" name="TextBox 51">
-            <a:extLst>
-              <a:ext uri="{FF2B5EF4-FFF2-40B4-BE49-F238E27FC236}">
-                <a16:creationId xmlns:a16="http://schemas.microsoft.com/office/drawing/2014/main" id="{E4C2FABD-15BD-44C1-8FA1-6D70BE8D1034}"/>
+            <a:pPr algn="ctr"/>
+            <a:r>
+              <a:rPr lang="en-US" altLang="ko-KR" sz="1200"/>
+              <a:t>Watch</a:t>
+            </a:r>
+          </a:p>
+          <a:p>
+            <a:pPr algn="ctr"/>
+            <a:r>
+              <a:rPr lang="en-US" altLang="ko-KR" sz="1200"/>
+              <a:t>Object</a:t>
+            </a:r>
+            <a:endParaRPr lang="ko-KR" altLang="en-US" sz="1200"/>
+          </a:p>
+        </p:txBody>
+      </p:sp>
+      <p:sp>
+        <p:nvSpPr>
+          <p:cNvPr id="163" name="TextBox 162">
+            <a:extLst>
+              <a:ext uri="{FF2B5EF4-FFF2-40B4-BE49-F238E27FC236}">
+                <a16:creationId xmlns:a16="http://schemas.microsoft.com/office/drawing/2014/main" id="{7A6F0006-B1AC-4E30-A870-903BDDFE92F1}"/>
               </a:ext>
             </a:extLst>
           </p:cNvPr>
@@ -4211,8 +5078,8 @@
         </p:nvSpPr>
         <p:spPr>
           <a:xfrm>
-            <a:off x="4555091" y="2753343"/>
-            <a:ext cx="584775" cy="307777"/>
+            <a:off x="2427188" y="1733533"/>
+            <a:ext cx="641522" cy="461665"/>
           </a:xfrm>
           <a:prstGeom prst="rect">
             <a:avLst/>
@@ -4225,20 +5092,28 @@
           </a:bodyPr>
           <a:lstStyle/>
           <a:p>
-            <a:r>
-              <a:rPr lang="en-US" altLang="ko-KR" sz="1400"/>
-              <a:t>Read</a:t>
-            </a:r>
-            <a:endParaRPr lang="ko-KR" altLang="en-US" sz="1400"/>
-          </a:p>
-        </p:txBody>
-      </p:sp>
-      <p:sp>
-        <p:nvSpPr>
-          <p:cNvPr id="53" name="TextBox 52">
-            <a:extLst>
-              <a:ext uri="{FF2B5EF4-FFF2-40B4-BE49-F238E27FC236}">
-                <a16:creationId xmlns:a16="http://schemas.microsoft.com/office/drawing/2014/main" id="{ACE18D3D-EF44-47E7-BBDE-D95699AB0CAD}"/>
+            <a:pPr algn="ctr"/>
+            <a:r>
+              <a:rPr lang="en-US" altLang="ko-KR" sz="1200"/>
+              <a:t>Sync</a:t>
+            </a:r>
+            <a:br>
+              <a:rPr lang="en-US" altLang="ko-KR" sz="1200"/>
+            </a:br>
+            <a:r>
+              <a:rPr lang="en-US" altLang="ko-KR" sz="1200"/>
+              <a:t>Object</a:t>
+            </a:r>
+            <a:endParaRPr lang="ko-KR" altLang="en-US" sz="1200"/>
+          </a:p>
+        </p:txBody>
+      </p:sp>
+      <p:sp>
+        <p:nvSpPr>
+          <p:cNvPr id="164" name="TextBox 163">
+            <a:extLst>
+              <a:ext uri="{FF2B5EF4-FFF2-40B4-BE49-F238E27FC236}">
+                <a16:creationId xmlns:a16="http://schemas.microsoft.com/office/drawing/2014/main" id="{19F8D1DB-0FDC-44CD-AEE2-489022E8B969}"/>
               </a:ext>
             </a:extLst>
           </p:cNvPr>
@@ -4247,8 +5122,8 @@
         </p:nvSpPr>
         <p:spPr>
           <a:xfrm>
-            <a:off x="3733562" y="1903933"/>
-            <a:ext cx="622414" cy="307777"/>
+            <a:off x="3635896" y="1733533"/>
+            <a:ext cx="641522" cy="461665"/>
           </a:xfrm>
           <a:prstGeom prst="rect">
             <a:avLst/>
@@ -4261,443 +5136,26 @@
           </a:bodyPr>
           <a:lstStyle/>
           <a:p>
-            <a:r>
-              <a:rPr lang="en-US" altLang="ko-KR" sz="1400"/>
+            <a:pPr algn="ctr"/>
+            <a:r>
+              <a:rPr lang="en-US" altLang="ko-KR" sz="1200"/>
               <a:t>Write</a:t>
             </a:r>
-            <a:endParaRPr lang="ko-KR" altLang="en-US" sz="1400"/>
-          </a:p>
-        </p:txBody>
-      </p:sp>
-      <p:sp>
-        <p:nvSpPr>
-          <p:cNvPr id="54" name="TextBox 53">
-            <a:extLst>
-              <a:ext uri="{FF2B5EF4-FFF2-40B4-BE49-F238E27FC236}">
-                <a16:creationId xmlns:a16="http://schemas.microsoft.com/office/drawing/2014/main" id="{B83FB188-BED9-4F86-8DB3-C1A258FD1710}"/>
-              </a:ext>
-            </a:extLst>
-          </p:cNvPr>
-          <p:cNvSpPr txBox="1"/>
-          <p:nvPr/>
-        </p:nvSpPr>
-        <p:spPr>
-          <a:xfrm>
-            <a:off x="3613462" y="4328740"/>
-            <a:ext cx="2437527" cy="307777"/>
-          </a:xfrm>
-          <a:prstGeom prst="rect">
-            <a:avLst/>
-          </a:prstGeom>
-          <a:noFill/>
-        </p:spPr>
-        <p:txBody>
-          <a:bodyPr wrap="none" rtlCol="0">
-            <a:spAutoFit/>
-          </a:bodyPr>
-          <a:lstStyle/>
-          <a:p>
-            <a:pPr algn="ctr"/>
-            <a:r>
-              <a:rPr lang="en-US" altLang="ko-KR" sz="1400"/>
-              <a:t>Send CR Name/Namespace</a:t>
-            </a:r>
-            <a:endParaRPr lang="ko-KR" altLang="en-US" sz="1400"/>
-          </a:p>
-        </p:txBody>
-      </p:sp>
-      <p:sp>
-        <p:nvSpPr>
-          <p:cNvPr id="55" name="TextBox 54">
-            <a:extLst>
-              <a:ext uri="{FF2B5EF4-FFF2-40B4-BE49-F238E27FC236}">
-                <a16:creationId xmlns:a16="http://schemas.microsoft.com/office/drawing/2014/main" id="{D07D57EB-3F9B-44E6-A50A-3932AEB297C2}"/>
-              </a:ext>
-            </a:extLst>
-          </p:cNvPr>
-          <p:cNvSpPr txBox="1"/>
-          <p:nvPr/>
-        </p:nvSpPr>
-        <p:spPr>
-          <a:xfrm>
-            <a:off x="1403648" y="1923678"/>
-            <a:ext cx="969341" cy="307777"/>
-          </a:xfrm>
-          <a:prstGeom prst="rect">
-            <a:avLst/>
-          </a:prstGeom>
-          <a:noFill/>
-        </p:spPr>
-        <p:txBody>
-          <a:bodyPr wrap="square" rtlCol="0" anchor="ctr">
-            <a:spAutoFit/>
-          </a:bodyPr>
-          <a:lstStyle/>
-          <a:p>
-            <a:pPr algn="ctr"/>
-            <a:r>
-              <a:rPr lang="en-US" altLang="ko-KR" sz="1400"/>
-              <a:t>Watch CR</a:t>
-            </a:r>
-          </a:p>
-        </p:txBody>
-      </p:sp>
-      <p:sp>
-        <p:nvSpPr>
-          <p:cNvPr id="57" name="TextBox 56">
-            <a:extLst>
-              <a:ext uri="{FF2B5EF4-FFF2-40B4-BE49-F238E27FC236}">
-                <a16:creationId xmlns:a16="http://schemas.microsoft.com/office/drawing/2014/main" id="{2087AD6B-8771-41A9-9952-B3AA7628C1EC}"/>
-              </a:ext>
-            </a:extLst>
-          </p:cNvPr>
-          <p:cNvSpPr txBox="1"/>
-          <p:nvPr/>
-        </p:nvSpPr>
-        <p:spPr>
-          <a:xfrm>
-            <a:off x="3446269" y="3948955"/>
-            <a:ext cx="2771914" cy="307777"/>
-          </a:xfrm>
-          <a:prstGeom prst="rect">
-            <a:avLst/>
-          </a:prstGeom>
-          <a:noFill/>
-        </p:spPr>
-        <p:txBody>
-          <a:bodyPr wrap="none" rtlCol="0">
-            <a:spAutoFit/>
-          </a:bodyPr>
-          <a:lstStyle/>
-          <a:p>
-            <a:pPr algn="ctr"/>
-            <a:r>
-              <a:rPr lang="en-US" altLang="ko-KR" sz="1400"/>
-              <a:t>Requeue CR Name/Namespace</a:t>
-            </a:r>
-            <a:endParaRPr lang="ko-KR" altLang="en-US" sz="1400"/>
-          </a:p>
-        </p:txBody>
-      </p:sp>
-      <p:sp>
-        <p:nvSpPr>
-          <p:cNvPr id="31" name="사각형: 둥근 모서리 30">
-            <a:extLst>
-              <a:ext uri="{FF2B5EF4-FFF2-40B4-BE49-F238E27FC236}">
-                <a16:creationId xmlns:a16="http://schemas.microsoft.com/office/drawing/2014/main" id="{2776D55E-D231-41A0-B6A8-4E1BA238D8C5}"/>
-              </a:ext>
-            </a:extLst>
-          </p:cNvPr>
-          <p:cNvSpPr/>
-          <p:nvPr/>
-        </p:nvSpPr>
-        <p:spPr>
-          <a:xfrm>
-            <a:off x="1187624" y="2583395"/>
-            <a:ext cx="7092776" cy="2076587"/>
-          </a:xfrm>
-          <a:prstGeom prst="roundRect">
-            <a:avLst>
-              <a:gd name="adj" fmla="val 6714"/>
-            </a:avLst>
-          </a:prstGeom>
-          <a:noFill/>
-          <a:ln>
-            <a:solidFill>
-              <a:schemeClr val="tx1"/>
-            </a:solidFill>
-          </a:ln>
-        </p:spPr>
-        <p:style>
-          <a:lnRef idx="2">
-            <a:schemeClr val="accent1">
-              <a:shade val="50000"/>
-            </a:schemeClr>
-          </a:lnRef>
-          <a:fillRef idx="1">
-            <a:schemeClr val="accent1"/>
-          </a:fillRef>
-          <a:effectRef idx="0">
-            <a:schemeClr val="accent1"/>
-          </a:effectRef>
-          <a:fontRef idx="minor">
-            <a:schemeClr val="lt1"/>
-          </a:fontRef>
-        </p:style>
-        <p:txBody>
-          <a:bodyPr rtlCol="0" anchor="b"/>
-          <a:lstStyle/>
-          <a:p>
-            <a:r>
-              <a:rPr lang="en-US" altLang="ko-KR" sz="1400" b="1">
-                <a:solidFill>
-                  <a:schemeClr val="tx1"/>
-                </a:solidFill>
-              </a:rPr>
-              <a:t>Controller</a:t>
-            </a:r>
-            <a:endParaRPr lang="ko-KR" altLang="en-US" sz="1600" b="1">
-              <a:solidFill>
-                <a:schemeClr val="tx1"/>
-              </a:solidFill>
-            </a:endParaRPr>
-          </a:p>
-        </p:txBody>
-      </p:sp>
-      <p:sp>
-        <p:nvSpPr>
-          <p:cNvPr id="35" name="사각형: 둥근 모서리 34">
-            <a:extLst>
-              <a:ext uri="{FF2B5EF4-FFF2-40B4-BE49-F238E27FC236}">
-                <a16:creationId xmlns:a16="http://schemas.microsoft.com/office/drawing/2014/main" id="{C2599EB8-3D7B-44BF-8FD5-7913897BF51E}"/>
-              </a:ext>
-            </a:extLst>
-          </p:cNvPr>
-          <p:cNvSpPr/>
-          <p:nvPr/>
-        </p:nvSpPr>
-        <p:spPr>
-          <a:xfrm>
-            <a:off x="5767516" y="1635646"/>
-            <a:ext cx="1656182" cy="622315"/>
-          </a:xfrm>
-          <a:prstGeom prst="roundRect">
-            <a:avLst/>
-          </a:prstGeom>
-        </p:spPr>
-        <p:style>
-          <a:lnRef idx="2">
-            <a:schemeClr val="dk1"/>
-          </a:lnRef>
-          <a:fillRef idx="1">
-            <a:schemeClr val="lt1"/>
-          </a:fillRef>
-          <a:effectRef idx="0">
-            <a:schemeClr val="dk1"/>
-          </a:effectRef>
-          <a:fontRef idx="minor">
-            <a:schemeClr val="dk1"/>
-          </a:fontRef>
-        </p:style>
-        <p:txBody>
-          <a:bodyPr rtlCol="0" anchor="ctr"/>
-          <a:lstStyle/>
-          <a:p>
-            <a:pPr algn="ctr"/>
-            <a:r>
-              <a:rPr lang="en-US" altLang="ko-KR" sz="1400">
-                <a:solidFill>
-                  <a:schemeClr val="tx1"/>
-                </a:solidFill>
-              </a:rPr>
-              <a:t>kube-rbac-proxy</a:t>
-            </a:r>
-            <a:endParaRPr lang="ko-KR" altLang="en-US" sz="1600">
-              <a:solidFill>
-                <a:schemeClr val="tx1"/>
-              </a:solidFill>
-            </a:endParaRPr>
-          </a:p>
-        </p:txBody>
-      </p:sp>
-      <p:cxnSp>
-        <p:nvCxnSpPr>
-          <p:cNvPr id="36" name="직선 화살표 연결선 35">
-            <a:extLst>
-              <a:ext uri="{FF2B5EF4-FFF2-40B4-BE49-F238E27FC236}">
-                <a16:creationId xmlns:a16="http://schemas.microsoft.com/office/drawing/2014/main" id="{416FEA27-8521-4605-B12D-D78C1031A956}"/>
-              </a:ext>
-            </a:extLst>
-          </p:cNvPr>
-          <p:cNvCxnSpPr>
-            <a:cxnSpLocks/>
-            <a:stCxn id="35" idx="2"/>
-          </p:cNvCxnSpPr>
-          <p:nvPr/>
-        </p:nvCxnSpPr>
-        <p:spPr>
-          <a:xfrm>
-            <a:off x="6595607" y="2257961"/>
-            <a:ext cx="0" cy="313789"/>
-          </a:xfrm>
-          <a:prstGeom prst="straightConnector1">
-            <a:avLst/>
-          </a:prstGeom>
-          <a:ln w="28575">
-            <a:solidFill>
-              <a:schemeClr val="tx1"/>
-            </a:solidFill>
-            <a:headEnd type="arrow" w="med" len="med"/>
-            <a:tailEnd type="none" w="med" len="med"/>
-          </a:ln>
-        </p:spPr>
-        <p:style>
-          <a:lnRef idx="1">
-            <a:schemeClr val="accent1"/>
-          </a:lnRef>
-          <a:fillRef idx="0">
-            <a:schemeClr val="accent1"/>
-          </a:fillRef>
-          <a:effectRef idx="0">
-            <a:schemeClr val="accent1"/>
-          </a:effectRef>
-          <a:fontRef idx="minor">
-            <a:schemeClr val="tx1"/>
-          </a:fontRef>
-        </p:style>
-      </p:cxnSp>
-      <p:sp>
-        <p:nvSpPr>
-          <p:cNvPr id="40" name="TextBox 39">
-            <a:extLst>
-              <a:ext uri="{FF2B5EF4-FFF2-40B4-BE49-F238E27FC236}">
-                <a16:creationId xmlns:a16="http://schemas.microsoft.com/office/drawing/2014/main" id="{95C263B4-FDA7-4FEF-890E-D49C35CA66F0}"/>
-              </a:ext>
-            </a:extLst>
-          </p:cNvPr>
-          <p:cNvSpPr txBox="1"/>
-          <p:nvPr/>
-        </p:nvSpPr>
-        <p:spPr>
-          <a:xfrm>
-            <a:off x="6482979" y="2263973"/>
-            <a:ext cx="969341" cy="307777"/>
-          </a:xfrm>
-          <a:prstGeom prst="rect">
-            <a:avLst/>
-          </a:prstGeom>
-          <a:noFill/>
-        </p:spPr>
-        <p:txBody>
-          <a:bodyPr wrap="square" rtlCol="0" anchor="ctr">
-            <a:spAutoFit/>
-          </a:bodyPr>
-          <a:lstStyle/>
-          <a:p>
-            <a:pPr algn="ctr"/>
-            <a:r>
-              <a:rPr lang="en-US" altLang="ko-KR" sz="1400"/>
-              <a:t>Metric</a:t>
-            </a:r>
-          </a:p>
-        </p:txBody>
-      </p:sp>
-      <p:cxnSp>
-        <p:nvCxnSpPr>
-          <p:cNvPr id="41" name="직선 화살표 연결선 40">
-            <a:extLst>
-              <a:ext uri="{FF2B5EF4-FFF2-40B4-BE49-F238E27FC236}">
-                <a16:creationId xmlns:a16="http://schemas.microsoft.com/office/drawing/2014/main" id="{C3646514-DE27-4A8A-99C0-5FD9F73C34E2}"/>
-              </a:ext>
-            </a:extLst>
-          </p:cNvPr>
-          <p:cNvCxnSpPr>
-            <a:cxnSpLocks/>
-            <a:endCxn id="35" idx="0"/>
-          </p:cNvCxnSpPr>
-          <p:nvPr/>
-        </p:nvCxnSpPr>
-        <p:spPr>
-          <a:xfrm>
-            <a:off x="6595607" y="1059582"/>
-            <a:ext cx="0" cy="576064"/>
-          </a:xfrm>
-          <a:prstGeom prst="straightConnector1">
-            <a:avLst/>
-          </a:prstGeom>
-          <a:ln w="28575">
-            <a:solidFill>
-              <a:schemeClr val="tx1"/>
-            </a:solidFill>
-            <a:headEnd type="arrow" w="med" len="med"/>
-            <a:tailEnd type="none" w="med" len="med"/>
-          </a:ln>
-        </p:spPr>
-        <p:style>
-          <a:lnRef idx="1">
-            <a:schemeClr val="accent1"/>
-          </a:lnRef>
-          <a:fillRef idx="0">
-            <a:schemeClr val="accent1"/>
-          </a:fillRef>
-          <a:effectRef idx="0">
-            <a:schemeClr val="accent1"/>
-          </a:effectRef>
-          <a:fontRef idx="minor">
-            <a:schemeClr val="tx1"/>
-          </a:fontRef>
-        </p:style>
-      </p:cxnSp>
-      <p:sp>
-        <p:nvSpPr>
-          <p:cNvPr id="56" name="사각형: 둥근 모서리 55">
-            <a:extLst>
-              <a:ext uri="{FF2B5EF4-FFF2-40B4-BE49-F238E27FC236}">
-                <a16:creationId xmlns:a16="http://schemas.microsoft.com/office/drawing/2014/main" id="{B739F7F4-10B0-4B76-8FBF-E9786C204F30}"/>
-              </a:ext>
-            </a:extLst>
-          </p:cNvPr>
-          <p:cNvSpPr/>
-          <p:nvPr/>
-        </p:nvSpPr>
-        <p:spPr>
-          <a:xfrm>
-            <a:off x="1115616" y="1544726"/>
-            <a:ext cx="7236792" cy="3475296"/>
-          </a:xfrm>
-          <a:prstGeom prst="roundRect">
-            <a:avLst>
-              <a:gd name="adj" fmla="val 5497"/>
-            </a:avLst>
-          </a:prstGeom>
-          <a:noFill/>
-          <a:ln>
-            <a:solidFill>
-              <a:schemeClr val="tx1"/>
-            </a:solidFill>
-            <a:prstDash val="dash"/>
-          </a:ln>
-        </p:spPr>
-        <p:style>
-          <a:lnRef idx="2">
-            <a:schemeClr val="accent1">
-              <a:shade val="50000"/>
-            </a:schemeClr>
-          </a:lnRef>
-          <a:fillRef idx="1">
-            <a:schemeClr val="accent1"/>
-          </a:fillRef>
-          <a:effectRef idx="0">
-            <a:schemeClr val="accent1"/>
-          </a:effectRef>
-          <a:fontRef idx="minor">
-            <a:schemeClr val="lt1"/>
-          </a:fontRef>
-        </p:style>
-        <p:txBody>
-          <a:bodyPr rtlCol="0" anchor="b"/>
-          <a:lstStyle/>
-          <a:p>
-            <a:r>
-              <a:rPr lang="en-US" altLang="ko-KR" sz="1400" b="1">
-                <a:solidFill>
-                  <a:schemeClr val="tx1"/>
-                </a:solidFill>
-              </a:rPr>
-              <a:t>Controller Pod</a:t>
-            </a:r>
-            <a:endParaRPr lang="ko-KR" altLang="en-US" sz="1600" b="1">
-              <a:solidFill>
-                <a:schemeClr val="tx1"/>
-              </a:solidFill>
-            </a:endParaRPr>
+            <a:br>
+              <a:rPr lang="en-US" altLang="ko-KR" sz="1200"/>
+            </a:br>
+            <a:r>
+              <a:rPr lang="en-US" altLang="ko-KR" sz="1200"/>
+              <a:t>Object</a:t>
+            </a:r>
+            <a:endParaRPr lang="ko-KR" altLang="en-US" sz="1200"/>
           </a:p>
         </p:txBody>
       </p:sp>
     </p:spTree>
     <p:extLst>
       <p:ext uri="{BB962C8B-B14F-4D97-AF65-F5344CB8AC3E}">
-        <p14:creationId xmlns:p14="http://schemas.microsoft.com/office/powerpoint/2010/main" val="1521896078"/>
+        <p14:creationId xmlns:p14="http://schemas.microsoft.com/office/powerpoint/2010/main" val="107595356"/>
       </p:ext>
     </p:extLst>
   </p:cSld>
@@ -4768,8 +5226,8 @@
         </p:nvSpPr>
         <p:spPr>
           <a:xfrm>
-            <a:off x="2411760" y="1062270"/>
-            <a:ext cx="1569958" cy="1077432"/>
+            <a:off x="2937416" y="2649486"/>
+            <a:ext cx="1569958" cy="1239047"/>
           </a:xfrm>
           <a:prstGeom prst="roundRect">
             <a:avLst>
@@ -4796,6 +5254,21 @@
           <a:lstStyle/>
           <a:p>
             <a:pPr algn="ctr"/>
+            <a:endParaRPr lang="en-US" altLang="ko-KR" sz="1400" b="1"/>
+          </a:p>
+          <a:p>
+            <a:pPr algn="ctr"/>
+            <a:endParaRPr lang="en-US" altLang="ko-KR" sz="1400" b="1"/>
+          </a:p>
+          <a:p>
+            <a:pPr algn="ctr"/>
+            <a:r>
+              <a:rPr lang="en-US" altLang="ko-KR" sz="1400" b="1"/>
+              <a:t>Runtime</a:t>
+            </a:r>
+          </a:p>
+          <a:p>
+            <a:pPr algn="ctr"/>
             <a:r>
               <a:rPr lang="en-US" altLang="ko-KR" sz="1400" b="1"/>
               <a:t>Manager Pkg</a:t>
@@ -4832,7 +5305,7 @@
           <a:p>
             <a:r>
               <a:rPr lang="en-US" altLang="ko-KR"/>
-              <a:t>Controller, Reconciler</a:t>
+              <a:t>K8s Controller Component</a:t>
             </a:r>
             <a:endParaRPr lang="ko-KR" altLang="en-US"/>
           </a:p>
@@ -4852,7 +5325,7 @@
         </p:nvSpPr>
         <p:spPr>
           <a:xfrm>
-            <a:off x="5364088" y="1289828"/>
+            <a:off x="2195736" y="771550"/>
             <a:ext cx="1368152" cy="622315"/>
           </a:xfrm>
           <a:prstGeom prst="roundRect">
@@ -4907,8 +5380,8 @@
         </p:nvSpPr>
         <p:spPr>
           <a:xfrm>
-            <a:off x="4628758" y="2862470"/>
-            <a:ext cx="3039586" cy="1077432"/>
+            <a:off x="5163314" y="2649486"/>
+            <a:ext cx="3039586" cy="1239047"/>
           </a:xfrm>
           <a:prstGeom prst="roundRect">
             <a:avLst>
@@ -4937,9 +5410,15 @@
             <a:pPr algn="ctr"/>
             <a:r>
               <a:rPr lang="en-US" altLang="ko-KR" sz="1400" b="1"/>
-              <a:t>Reconciler Pkg</a:t>
-            </a:r>
-            <a:endParaRPr lang="ko-KR" altLang="en-US" sz="1400" b="1"/>
+              <a:t>Kubebuilder </a:t>
+            </a:r>
+          </a:p>
+          <a:p>
+            <a:pPr algn="ctr"/>
+            <a:r>
+              <a:rPr lang="en-US" altLang="ko-KR" sz="1400" b="1"/>
+              <a:t>Controller Pkg</a:t>
+            </a:r>
           </a:p>
         </p:txBody>
       </p:sp>
@@ -4957,7 +5436,7 @@
         </p:nvSpPr>
         <p:spPr>
           <a:xfrm>
-            <a:off x="6204637" y="2950321"/>
+            <a:off x="5263644" y="2737338"/>
             <a:ext cx="1368152" cy="622316"/>
           </a:xfrm>
           <a:prstGeom prst="roundRect">
@@ -5014,7 +5493,7 @@
         </p:nvSpPr>
         <p:spPr>
           <a:xfrm>
-            <a:off x="4725836" y="2950321"/>
+            <a:off x="6739622" y="2737338"/>
             <a:ext cx="1368152" cy="622316"/>
           </a:xfrm>
           <a:prstGeom prst="roundRect">
@@ -5064,8 +5543,8 @@
         </p:nvSpPr>
         <p:spPr>
           <a:xfrm>
-            <a:off x="1619672" y="2862470"/>
-            <a:ext cx="1569958" cy="1077432"/>
+            <a:off x="1259632" y="2649486"/>
+            <a:ext cx="1569958" cy="1239047"/>
           </a:xfrm>
           <a:prstGeom prst="roundRect">
             <a:avLst>
@@ -5094,6 +5573,13 @@
             <a:pPr algn="ctr"/>
             <a:r>
               <a:rPr lang="en-US" altLang="ko-KR" sz="1400" b="1"/>
+              <a:t>Runtime</a:t>
+            </a:r>
+          </a:p>
+          <a:p>
+            <a:pPr algn="ctr"/>
+            <a:r>
+              <a:rPr lang="en-US" altLang="ko-KR" sz="1400" b="1"/>
               <a:t>Controller Pkg</a:t>
             </a:r>
             <a:endParaRPr lang="ko-KR" altLang="en-US" sz="1400" b="1"/>
@@ -5114,7 +5600,7 @@
         </p:nvSpPr>
         <p:spPr>
           <a:xfrm>
-            <a:off x="1713652" y="2950321"/>
+            <a:off x="1353612" y="2737338"/>
             <a:ext cx="1368152" cy="622316"/>
           </a:xfrm>
           <a:prstGeom prst="roundRect">
@@ -5144,7 +5630,7 @@
             <a:pPr algn="ctr"/>
             <a:r>
               <a:rPr lang="en-US" altLang="ko-KR" sz="1400"/>
-              <a:t>Worker Queue</a:t>
+              <a:t>Work Queue</a:t>
             </a:r>
             <a:endParaRPr lang="ko-KR" altLang="en-US" sz="1400"/>
           </a:p>
@@ -5164,7 +5650,7 @@
         </p:nvSpPr>
         <p:spPr>
           <a:xfrm>
-            <a:off x="2513422" y="1150121"/>
+            <a:off x="3039078" y="2737338"/>
             <a:ext cx="1368152" cy="622316"/>
           </a:xfrm>
           <a:prstGeom prst="roundRect">
@@ -5210,6 +5696,7 @@
             </a:extLst>
           </p:cNvPr>
           <p:cNvCxnSpPr>
+            <a:cxnSpLocks/>
             <a:stCxn id="4" idx="2"/>
             <a:endCxn id="27" idx="0"/>
           </p:cNvCxnSpPr>
@@ -5217,8 +5704,8 @@
         </p:nvCxnSpPr>
         <p:spPr>
           <a:xfrm flipH="1">
-            <a:off x="2397728" y="1912143"/>
-            <a:ext cx="3650436" cy="1038178"/>
+            <a:off x="2037688" y="1393865"/>
+            <a:ext cx="842124" cy="1343473"/>
           </a:xfrm>
           <a:prstGeom prst="straightConnector1">
             <a:avLst/>
@@ -5257,15 +5744,15 @@
           </p:cNvPr>
           <p:cNvCxnSpPr>
             <a:cxnSpLocks/>
-            <a:stCxn id="4" idx="1"/>
-            <a:endCxn id="28" idx="3"/>
+            <a:stCxn id="4" idx="2"/>
+            <a:endCxn id="28" idx="0"/>
           </p:cNvCxnSpPr>
           <p:nvPr/>
         </p:nvCxnSpPr>
         <p:spPr>
-          <a:xfrm flipH="1" flipV="1">
-            <a:off x="3881574" y="1461279"/>
-            <a:ext cx="1482514" cy="139707"/>
+          <a:xfrm>
+            <a:off x="2879812" y="1393865"/>
+            <a:ext cx="843342" cy="1343473"/>
           </a:xfrm>
           <a:prstGeom prst="straightConnector1">
             <a:avLst/>
@@ -5304,15 +5791,15 @@
           </p:cNvPr>
           <p:cNvCxnSpPr>
             <a:cxnSpLocks/>
-            <a:stCxn id="28" idx="2"/>
-            <a:endCxn id="21" idx="0"/>
+            <a:stCxn id="28" idx="3"/>
+            <a:endCxn id="21" idx="1"/>
           </p:cNvCxnSpPr>
           <p:nvPr/>
         </p:nvCxnSpPr>
         <p:spPr>
           <a:xfrm>
-            <a:off x="3197498" y="1772437"/>
-            <a:ext cx="3691215" cy="1177884"/>
+            <a:off x="4407230" y="3048496"/>
+            <a:ext cx="856414" cy="0"/>
           </a:xfrm>
           <a:prstGeom prst="straightConnector1">
             <a:avLst/>
@@ -5358,8 +5845,8 @@
         </p:nvCxnSpPr>
         <p:spPr>
           <a:xfrm flipH="1" flipV="1">
-            <a:off x="6048164" y="1912143"/>
-            <a:ext cx="840549" cy="1038178"/>
+            <a:off x="2879812" y="1393865"/>
+            <a:ext cx="3067908" cy="1343473"/>
           </a:xfrm>
           <a:prstGeom prst="straightConnector1">
             <a:avLst/>
@@ -5389,200 +5876,26 @@
       </p:cxnSp>
       <p:sp>
         <p:nvSpPr>
-          <p:cNvPr id="54" name="TextBox 53">
-            <a:extLst>
-              <a:ext uri="{FF2B5EF4-FFF2-40B4-BE49-F238E27FC236}">
-                <a16:creationId xmlns:a16="http://schemas.microsoft.com/office/drawing/2014/main" id="{B83FB188-BED9-4F86-8DB3-C1A258FD1710}"/>
-              </a:ext>
-            </a:extLst>
-          </p:cNvPr>
-          <p:cNvSpPr txBox="1"/>
-          <p:nvPr/>
-        </p:nvSpPr>
-        <p:spPr>
-          <a:xfrm>
-            <a:off x="3185232" y="2631058"/>
-            <a:ext cx="1464888" cy="461665"/>
-          </a:xfrm>
-          <a:prstGeom prst="rect">
-            <a:avLst/>
-          </a:prstGeom>
-          <a:noFill/>
-        </p:spPr>
-        <p:txBody>
-          <a:bodyPr wrap="none" rtlCol="0">
-            <a:spAutoFit/>
-          </a:bodyPr>
-          <a:lstStyle/>
-          <a:p>
-            <a:pPr algn="ctr"/>
-            <a:r>
-              <a:rPr lang="en-US" altLang="ko-KR" sz="1200"/>
-              <a:t>Send CR </a:t>
-            </a:r>
-          </a:p>
-          <a:p>
-            <a:pPr algn="ctr"/>
-            <a:r>
-              <a:rPr lang="en-US" altLang="ko-KR" sz="1200"/>
-              <a:t>Name/Namespace</a:t>
-            </a:r>
-            <a:endParaRPr lang="ko-KR" altLang="en-US" sz="1200"/>
-          </a:p>
-        </p:txBody>
-      </p:sp>
-      <p:sp>
-        <p:nvSpPr>
-          <p:cNvPr id="57" name="TextBox 56">
-            <a:extLst>
-              <a:ext uri="{FF2B5EF4-FFF2-40B4-BE49-F238E27FC236}">
-                <a16:creationId xmlns:a16="http://schemas.microsoft.com/office/drawing/2014/main" id="{2087AD6B-8771-41A9-9952-B3AA7628C1EC}"/>
-              </a:ext>
-            </a:extLst>
-          </p:cNvPr>
-          <p:cNvSpPr txBox="1"/>
-          <p:nvPr/>
-        </p:nvSpPr>
-        <p:spPr>
-          <a:xfrm>
-            <a:off x="3170580" y="3416796"/>
-            <a:ext cx="1464888" cy="461665"/>
-          </a:xfrm>
-          <a:prstGeom prst="rect">
-            <a:avLst/>
-          </a:prstGeom>
-          <a:noFill/>
-        </p:spPr>
-        <p:txBody>
-          <a:bodyPr wrap="none" rtlCol="0">
-            <a:spAutoFit/>
-          </a:bodyPr>
-          <a:lstStyle/>
-          <a:p>
-            <a:pPr algn="ctr"/>
-            <a:r>
-              <a:rPr lang="en-US" altLang="ko-KR" sz="1200"/>
-              <a:t>Requeue CR </a:t>
-            </a:r>
-          </a:p>
-          <a:p>
-            <a:pPr algn="ctr"/>
-            <a:r>
-              <a:rPr lang="en-US" altLang="ko-KR" sz="1200"/>
-              <a:t>Name/Namespace</a:t>
-            </a:r>
-            <a:endParaRPr lang="ko-KR" altLang="en-US" sz="1200"/>
-          </a:p>
-        </p:txBody>
-      </p:sp>
-      <p:cxnSp>
-        <p:nvCxnSpPr>
-          <p:cNvPr id="5" name="직선 연결선 4">
-            <a:extLst>
-              <a:ext uri="{FF2B5EF4-FFF2-40B4-BE49-F238E27FC236}">
-                <a16:creationId xmlns:a16="http://schemas.microsoft.com/office/drawing/2014/main" id="{79057BA3-7878-4874-9872-862604216170}"/>
-              </a:ext>
-            </a:extLst>
-          </p:cNvPr>
-          <p:cNvCxnSpPr>
-            <a:cxnSpLocks/>
-          </p:cNvCxnSpPr>
-          <p:nvPr/>
-        </p:nvCxnSpPr>
-        <p:spPr>
-          <a:xfrm>
-            <a:off x="327835" y="2571750"/>
-            <a:ext cx="8132597" cy="0"/>
-          </a:xfrm>
-          <a:prstGeom prst="line">
-            <a:avLst/>
-          </a:prstGeom>
-          <a:ln w="28575">
-            <a:solidFill>
-              <a:schemeClr val="tx1"/>
-            </a:solidFill>
-            <a:prstDash val="dash"/>
-          </a:ln>
-        </p:spPr>
-        <p:style>
-          <a:lnRef idx="1">
-            <a:schemeClr val="accent1"/>
-          </a:lnRef>
-          <a:fillRef idx="0">
-            <a:schemeClr val="accent1"/>
-          </a:fillRef>
-          <a:effectRef idx="0">
-            <a:schemeClr val="accent1"/>
-          </a:effectRef>
-          <a:fontRef idx="minor">
-            <a:schemeClr val="tx1"/>
-          </a:fontRef>
-        </p:style>
-      </p:cxnSp>
-      <p:sp>
-        <p:nvSpPr>
-          <p:cNvPr id="25" name="TextBox 24">
-            <a:extLst>
-              <a:ext uri="{FF2B5EF4-FFF2-40B4-BE49-F238E27FC236}">
-                <a16:creationId xmlns:a16="http://schemas.microsoft.com/office/drawing/2014/main" id="{86EBF743-A613-40CD-A4ED-EFBBDAE527CA}"/>
-              </a:ext>
-            </a:extLst>
-          </p:cNvPr>
-          <p:cNvSpPr txBox="1"/>
-          <p:nvPr/>
-        </p:nvSpPr>
-        <p:spPr>
-          <a:xfrm>
-            <a:off x="665180" y="2643758"/>
-            <a:ext cx="991618" cy="523220"/>
-          </a:xfrm>
-          <a:prstGeom prst="rect">
-            <a:avLst/>
-          </a:prstGeom>
-          <a:noFill/>
-        </p:spPr>
-        <p:txBody>
-          <a:bodyPr wrap="none" rtlCol="0" anchor="ctr">
-            <a:spAutoFit/>
-          </a:bodyPr>
-          <a:lstStyle/>
-          <a:p>
-            <a:pPr algn="ctr"/>
-            <a:r>
-              <a:rPr lang="en-US" altLang="ko-KR" sz="1400"/>
-              <a:t>K8s</a:t>
-            </a:r>
-          </a:p>
-          <a:p>
-            <a:pPr algn="ctr"/>
-            <a:r>
-              <a:rPr lang="en-US" altLang="ko-KR" sz="1400"/>
-              <a:t>Controller</a:t>
-            </a:r>
-          </a:p>
-        </p:txBody>
-      </p:sp>
-      <p:cxnSp>
-        <p:nvCxnSpPr>
-          <p:cNvPr id="43" name="직선 화살표 연결선 42">
-            <a:extLst>
-              <a:ext uri="{FF2B5EF4-FFF2-40B4-BE49-F238E27FC236}">
-                <a16:creationId xmlns:a16="http://schemas.microsoft.com/office/drawing/2014/main" id="{C91A1A8C-888B-4048-AD8F-18B731C301A1}"/>
-              </a:ext>
-            </a:extLst>
-          </p:cNvPr>
-          <p:cNvCxnSpPr>
-            <a:cxnSpLocks/>
-          </p:cNvCxnSpPr>
-          <p:nvPr/>
-        </p:nvCxnSpPr>
-        <p:spPr>
-          <a:xfrm flipH="1">
-            <a:off x="3081804" y="3101563"/>
-            <a:ext cx="1644032" cy="0"/>
-          </a:xfrm>
-          <a:prstGeom prst="straightConnector1">
-            <a:avLst/>
+          <p:cNvPr id="47" name="원호 46">
+            <a:extLst>
+              <a:ext uri="{FF2B5EF4-FFF2-40B4-BE49-F238E27FC236}">
+                <a16:creationId xmlns:a16="http://schemas.microsoft.com/office/drawing/2014/main" id="{0034C7D1-EF2C-4CBD-A08C-E36A1D8C808C}"/>
+              </a:ext>
+            </a:extLst>
+          </p:cNvPr>
+          <p:cNvSpPr/>
+          <p:nvPr/>
+        </p:nvSpPr>
+        <p:spPr>
+          <a:xfrm flipV="1">
+            <a:off x="2586276" y="2748696"/>
+            <a:ext cx="4289980" cy="1239054"/>
+          </a:xfrm>
+          <a:prstGeom prst="arc">
+            <a:avLst>
+              <a:gd name="adj1" fmla="val 10787348"/>
+              <a:gd name="adj2" fmla="val 27559"/>
+            </a:avLst>
           </a:prstGeom>
           <a:ln w="28575">
             <a:solidFill>
@@ -5606,28 +5919,37 @@
             <a:schemeClr val="tx1"/>
           </a:fontRef>
         </p:style>
-      </p:cxnSp>
-      <p:cxnSp>
-        <p:nvCxnSpPr>
-          <p:cNvPr id="45" name="직선 화살표 연결선 44">
-            <a:extLst>
-              <a:ext uri="{FF2B5EF4-FFF2-40B4-BE49-F238E27FC236}">
-                <a16:creationId xmlns:a16="http://schemas.microsoft.com/office/drawing/2014/main" id="{81ECE741-BEE6-4049-BF20-41207C1D4BAB}"/>
-              </a:ext>
-            </a:extLst>
-          </p:cNvPr>
-          <p:cNvCxnSpPr>
-            <a:cxnSpLocks/>
-          </p:cNvCxnSpPr>
-          <p:nvPr/>
-        </p:nvCxnSpPr>
-        <p:spPr>
-          <a:xfrm flipH="1">
-            <a:off x="3081804" y="3401186"/>
-            <a:ext cx="1644032" cy="0"/>
-          </a:xfrm>
-          <a:prstGeom prst="straightConnector1">
-            <a:avLst/>
+        <p:txBody>
+          <a:bodyPr rtlCol="0" anchor="ctr"/>
+          <a:lstStyle/>
+          <a:p>
+            <a:pPr algn="ctr"/>
+            <a:endParaRPr lang="ko-KR" altLang="en-US"/>
+          </a:p>
+        </p:txBody>
+      </p:sp>
+      <p:sp>
+        <p:nvSpPr>
+          <p:cNvPr id="48" name="원호 47">
+            <a:extLst>
+              <a:ext uri="{FF2B5EF4-FFF2-40B4-BE49-F238E27FC236}">
+                <a16:creationId xmlns:a16="http://schemas.microsoft.com/office/drawing/2014/main" id="{F159D891-E03C-4A4E-A5FD-628D136561B6}"/>
+              </a:ext>
+            </a:extLst>
+          </p:cNvPr>
+          <p:cNvSpPr/>
+          <p:nvPr/>
+        </p:nvSpPr>
+        <p:spPr>
+          <a:xfrm flipV="1">
+            <a:off x="1475656" y="2341201"/>
+            <a:ext cx="6480720" cy="1987527"/>
+          </a:xfrm>
+          <a:prstGeom prst="arc">
+            <a:avLst>
+              <a:gd name="adj1" fmla="val 10797061"/>
+              <a:gd name="adj2" fmla="val 6830"/>
+            </a:avLst>
           </a:prstGeom>
           <a:ln w="28575">
             <a:solidFill>
@@ -5651,27 +5973,373 @@
             <a:schemeClr val="tx1"/>
           </a:fontRef>
         </p:style>
-      </p:cxnSp>
+        <p:txBody>
+          <a:bodyPr rtlCol="0" anchor="ctr"/>
+          <a:lstStyle/>
+          <a:p>
+            <a:pPr algn="ctr"/>
+            <a:endParaRPr lang="ko-KR" altLang="en-US"/>
+          </a:p>
+        </p:txBody>
+      </p:sp>
+      <p:sp>
+        <p:nvSpPr>
+          <p:cNvPr id="51" name="TextBox 50">
+            <a:extLst>
+              <a:ext uri="{FF2B5EF4-FFF2-40B4-BE49-F238E27FC236}">
+                <a16:creationId xmlns:a16="http://schemas.microsoft.com/office/drawing/2014/main" id="{3DB123B9-D0C8-4BE2-98C1-96E2D53E63B7}"/>
+              </a:ext>
+            </a:extLst>
+          </p:cNvPr>
+          <p:cNvSpPr txBox="1"/>
+          <p:nvPr/>
+        </p:nvSpPr>
+        <p:spPr>
+          <a:xfrm>
+            <a:off x="2771800" y="1923678"/>
+            <a:ext cx="555280" cy="307777"/>
+          </a:xfrm>
+          <a:prstGeom prst="rect">
+            <a:avLst/>
+          </a:prstGeom>
+          <a:noFill/>
+        </p:spPr>
+        <p:txBody>
+          <a:bodyPr wrap="none" rtlCol="0">
+            <a:spAutoFit/>
+          </a:bodyPr>
+          <a:lstStyle/>
+          <a:p>
+            <a:r>
+              <a:rPr lang="en-US" altLang="ko-KR" sz="1400"/>
+              <a:t>Sync</a:t>
+            </a:r>
+            <a:endParaRPr lang="ko-KR" altLang="en-US" sz="1400"/>
+          </a:p>
+        </p:txBody>
+      </p:sp>
+      <p:sp>
+        <p:nvSpPr>
+          <p:cNvPr id="52" name="TextBox 51">
+            <a:extLst>
+              <a:ext uri="{FF2B5EF4-FFF2-40B4-BE49-F238E27FC236}">
+                <a16:creationId xmlns:a16="http://schemas.microsoft.com/office/drawing/2014/main" id="{E4C2FABD-15BD-44C1-8FA1-6D70BE8D1034}"/>
+              </a:ext>
+            </a:extLst>
+          </p:cNvPr>
+          <p:cNvSpPr txBox="1"/>
+          <p:nvPr/>
+        </p:nvSpPr>
+        <p:spPr>
+          <a:xfrm>
+            <a:off x="4555091" y="2753343"/>
+            <a:ext cx="584775" cy="307777"/>
+          </a:xfrm>
+          <a:prstGeom prst="rect">
+            <a:avLst/>
+          </a:prstGeom>
+          <a:noFill/>
+        </p:spPr>
+        <p:txBody>
+          <a:bodyPr wrap="none" rtlCol="0">
+            <a:spAutoFit/>
+          </a:bodyPr>
+          <a:lstStyle/>
+          <a:p>
+            <a:r>
+              <a:rPr lang="en-US" altLang="ko-KR" sz="1400"/>
+              <a:t>Read</a:t>
+            </a:r>
+            <a:endParaRPr lang="ko-KR" altLang="en-US" sz="1400"/>
+          </a:p>
+        </p:txBody>
+      </p:sp>
+      <p:sp>
+        <p:nvSpPr>
+          <p:cNvPr id="53" name="TextBox 52">
+            <a:extLst>
+              <a:ext uri="{FF2B5EF4-FFF2-40B4-BE49-F238E27FC236}">
+                <a16:creationId xmlns:a16="http://schemas.microsoft.com/office/drawing/2014/main" id="{ACE18D3D-EF44-47E7-BBDE-D95699AB0CAD}"/>
+              </a:ext>
+            </a:extLst>
+          </p:cNvPr>
+          <p:cNvSpPr txBox="1"/>
+          <p:nvPr/>
+        </p:nvSpPr>
+        <p:spPr>
+          <a:xfrm>
+            <a:off x="3733562" y="1903933"/>
+            <a:ext cx="622414" cy="307777"/>
+          </a:xfrm>
+          <a:prstGeom prst="rect">
+            <a:avLst/>
+          </a:prstGeom>
+          <a:noFill/>
+        </p:spPr>
+        <p:txBody>
+          <a:bodyPr wrap="none" rtlCol="0">
+            <a:spAutoFit/>
+          </a:bodyPr>
+          <a:lstStyle/>
+          <a:p>
+            <a:r>
+              <a:rPr lang="en-US" altLang="ko-KR" sz="1400"/>
+              <a:t>Write</a:t>
+            </a:r>
+            <a:endParaRPr lang="ko-KR" altLang="en-US" sz="1400"/>
+          </a:p>
+        </p:txBody>
+      </p:sp>
+      <p:sp>
+        <p:nvSpPr>
+          <p:cNvPr id="54" name="TextBox 53">
+            <a:extLst>
+              <a:ext uri="{FF2B5EF4-FFF2-40B4-BE49-F238E27FC236}">
+                <a16:creationId xmlns:a16="http://schemas.microsoft.com/office/drawing/2014/main" id="{B83FB188-BED9-4F86-8DB3-C1A258FD1710}"/>
+              </a:ext>
+            </a:extLst>
+          </p:cNvPr>
+          <p:cNvSpPr txBox="1"/>
+          <p:nvPr/>
+        </p:nvSpPr>
+        <p:spPr>
+          <a:xfrm>
+            <a:off x="3613462" y="4328740"/>
+            <a:ext cx="2437527" cy="307777"/>
+          </a:xfrm>
+          <a:prstGeom prst="rect">
+            <a:avLst/>
+          </a:prstGeom>
+          <a:noFill/>
+        </p:spPr>
+        <p:txBody>
+          <a:bodyPr wrap="none" rtlCol="0">
+            <a:spAutoFit/>
+          </a:bodyPr>
+          <a:lstStyle/>
+          <a:p>
+            <a:pPr algn="ctr"/>
+            <a:r>
+              <a:rPr lang="en-US" altLang="ko-KR" sz="1400"/>
+              <a:t>Send CR Name/Namespace</a:t>
+            </a:r>
+            <a:endParaRPr lang="ko-KR" altLang="en-US" sz="1400"/>
+          </a:p>
+        </p:txBody>
+      </p:sp>
+      <p:sp>
+        <p:nvSpPr>
+          <p:cNvPr id="55" name="TextBox 54">
+            <a:extLst>
+              <a:ext uri="{FF2B5EF4-FFF2-40B4-BE49-F238E27FC236}">
+                <a16:creationId xmlns:a16="http://schemas.microsoft.com/office/drawing/2014/main" id="{D07D57EB-3F9B-44E6-A50A-3932AEB297C2}"/>
+              </a:ext>
+            </a:extLst>
+          </p:cNvPr>
+          <p:cNvSpPr txBox="1"/>
+          <p:nvPr/>
+        </p:nvSpPr>
+        <p:spPr>
+          <a:xfrm>
+            <a:off x="1403648" y="1923678"/>
+            <a:ext cx="969341" cy="307777"/>
+          </a:xfrm>
+          <a:prstGeom prst="rect">
+            <a:avLst/>
+          </a:prstGeom>
+          <a:noFill/>
+        </p:spPr>
+        <p:txBody>
+          <a:bodyPr wrap="square" rtlCol="0" anchor="ctr">
+            <a:spAutoFit/>
+          </a:bodyPr>
+          <a:lstStyle/>
+          <a:p>
+            <a:pPr algn="ctr"/>
+            <a:r>
+              <a:rPr lang="en-US" altLang="ko-KR" sz="1400"/>
+              <a:t>Watch CR</a:t>
+            </a:r>
+          </a:p>
+        </p:txBody>
+      </p:sp>
+      <p:sp>
+        <p:nvSpPr>
+          <p:cNvPr id="57" name="TextBox 56">
+            <a:extLst>
+              <a:ext uri="{FF2B5EF4-FFF2-40B4-BE49-F238E27FC236}">
+                <a16:creationId xmlns:a16="http://schemas.microsoft.com/office/drawing/2014/main" id="{2087AD6B-8771-41A9-9952-B3AA7628C1EC}"/>
+              </a:ext>
+            </a:extLst>
+          </p:cNvPr>
+          <p:cNvSpPr txBox="1"/>
+          <p:nvPr/>
+        </p:nvSpPr>
+        <p:spPr>
+          <a:xfrm>
+            <a:off x="3446269" y="3948955"/>
+            <a:ext cx="2771914" cy="307777"/>
+          </a:xfrm>
+          <a:prstGeom prst="rect">
+            <a:avLst/>
+          </a:prstGeom>
+          <a:noFill/>
+        </p:spPr>
+        <p:txBody>
+          <a:bodyPr wrap="none" rtlCol="0">
+            <a:spAutoFit/>
+          </a:bodyPr>
+          <a:lstStyle/>
+          <a:p>
+            <a:pPr algn="ctr"/>
+            <a:r>
+              <a:rPr lang="en-US" altLang="ko-KR" sz="1400"/>
+              <a:t>Requeue CR Name/Namespace</a:t>
+            </a:r>
+            <a:endParaRPr lang="ko-KR" altLang="en-US" sz="1400"/>
+          </a:p>
+        </p:txBody>
+      </p:sp>
+      <p:sp>
+        <p:nvSpPr>
+          <p:cNvPr id="31" name="사각형: 둥근 모서리 30">
+            <a:extLst>
+              <a:ext uri="{FF2B5EF4-FFF2-40B4-BE49-F238E27FC236}">
+                <a16:creationId xmlns:a16="http://schemas.microsoft.com/office/drawing/2014/main" id="{2776D55E-D231-41A0-B6A8-4E1BA238D8C5}"/>
+              </a:ext>
+            </a:extLst>
+          </p:cNvPr>
+          <p:cNvSpPr/>
+          <p:nvPr/>
+        </p:nvSpPr>
+        <p:spPr>
+          <a:xfrm>
+            <a:off x="1187624" y="2583395"/>
+            <a:ext cx="7092776" cy="2076587"/>
+          </a:xfrm>
+          <a:prstGeom prst="roundRect">
+            <a:avLst>
+              <a:gd name="adj" fmla="val 6714"/>
+            </a:avLst>
+          </a:prstGeom>
+          <a:noFill/>
+          <a:ln>
+            <a:solidFill>
+              <a:schemeClr val="tx1"/>
+            </a:solidFill>
+          </a:ln>
+        </p:spPr>
+        <p:style>
+          <a:lnRef idx="2">
+            <a:schemeClr val="accent1">
+              <a:shade val="50000"/>
+            </a:schemeClr>
+          </a:lnRef>
+          <a:fillRef idx="1">
+            <a:schemeClr val="accent1"/>
+          </a:fillRef>
+          <a:effectRef idx="0">
+            <a:schemeClr val="accent1"/>
+          </a:effectRef>
+          <a:fontRef idx="minor">
+            <a:schemeClr val="lt1"/>
+          </a:fontRef>
+        </p:style>
+        <p:txBody>
+          <a:bodyPr rtlCol="0" anchor="b"/>
+          <a:lstStyle/>
+          <a:p>
+            <a:r>
+              <a:rPr lang="en-US" altLang="ko-KR" sz="1400" b="1">
+                <a:solidFill>
+                  <a:schemeClr val="tx1"/>
+                </a:solidFill>
+              </a:rPr>
+              <a:t>Controller</a:t>
+            </a:r>
+            <a:endParaRPr lang="ko-KR" altLang="en-US" sz="1600" b="1">
+              <a:solidFill>
+                <a:schemeClr val="tx1"/>
+              </a:solidFill>
+            </a:endParaRPr>
+          </a:p>
+        </p:txBody>
+      </p:sp>
+      <p:sp>
+        <p:nvSpPr>
+          <p:cNvPr id="35" name="사각형: 둥근 모서리 34">
+            <a:extLst>
+              <a:ext uri="{FF2B5EF4-FFF2-40B4-BE49-F238E27FC236}">
+                <a16:creationId xmlns:a16="http://schemas.microsoft.com/office/drawing/2014/main" id="{C2599EB8-3D7B-44BF-8FD5-7913897BF51E}"/>
+              </a:ext>
+            </a:extLst>
+          </p:cNvPr>
+          <p:cNvSpPr/>
+          <p:nvPr/>
+        </p:nvSpPr>
+        <p:spPr>
+          <a:xfrm>
+            <a:off x="5767516" y="1635646"/>
+            <a:ext cx="1656182" cy="622315"/>
+          </a:xfrm>
+          <a:prstGeom prst="roundRect">
+            <a:avLst/>
+          </a:prstGeom>
+        </p:spPr>
+        <p:style>
+          <a:lnRef idx="2">
+            <a:schemeClr val="dk1"/>
+          </a:lnRef>
+          <a:fillRef idx="1">
+            <a:schemeClr val="lt1"/>
+          </a:fillRef>
+          <a:effectRef idx="0">
+            <a:schemeClr val="dk1"/>
+          </a:effectRef>
+          <a:fontRef idx="minor">
+            <a:schemeClr val="dk1"/>
+          </a:fontRef>
+        </p:style>
+        <p:txBody>
+          <a:bodyPr rtlCol="0" anchor="ctr"/>
+          <a:lstStyle/>
+          <a:p>
+            <a:pPr algn="ctr"/>
+            <a:r>
+              <a:rPr lang="en-US" altLang="ko-KR" sz="1400">
+                <a:solidFill>
+                  <a:schemeClr val="tx1"/>
+                </a:solidFill>
+              </a:rPr>
+              <a:t>kube-rbac-proxy</a:t>
+            </a:r>
+            <a:endParaRPr lang="ko-KR" altLang="en-US" sz="1600">
+              <a:solidFill>
+                <a:schemeClr val="tx1"/>
+              </a:solidFill>
+            </a:endParaRPr>
+          </a:p>
+        </p:txBody>
+      </p:sp>
       <p:cxnSp>
         <p:nvCxnSpPr>
-          <p:cNvPr id="56" name="직선 화살표 연결선 55">
-            <a:extLst>
-              <a:ext uri="{FF2B5EF4-FFF2-40B4-BE49-F238E27FC236}">
-                <a16:creationId xmlns:a16="http://schemas.microsoft.com/office/drawing/2014/main" id="{A5693673-5567-415E-99D4-BEE3DA975698}"/>
+          <p:cNvPr id="36" name="직선 화살표 연결선 35">
+            <a:extLst>
+              <a:ext uri="{FF2B5EF4-FFF2-40B4-BE49-F238E27FC236}">
+                <a16:creationId xmlns:a16="http://schemas.microsoft.com/office/drawing/2014/main" id="{416FEA27-8521-4605-B12D-D78C1031A956}"/>
               </a:ext>
             </a:extLst>
           </p:cNvPr>
           <p:cNvCxnSpPr>
             <a:cxnSpLocks/>
-            <a:stCxn id="26" idx="0"/>
-            <a:endCxn id="29" idx="2"/>
+            <a:stCxn id="35" idx="2"/>
           </p:cNvCxnSpPr>
           <p:nvPr/>
         </p:nvCxnSpPr>
         <p:spPr>
-          <a:xfrm flipV="1">
-            <a:off x="2404651" y="2139702"/>
-            <a:ext cx="792088" cy="722768"/>
+          <a:xfrm>
+            <a:off x="6595607" y="2257961"/>
+            <a:ext cx="0" cy="313789"/>
           </a:xfrm>
           <a:prstGeom prst="straightConnector1">
             <a:avLst/>
@@ -5680,8 +6348,8 @@
             <a:solidFill>
               <a:schemeClr val="tx1"/>
             </a:solidFill>
-            <a:headEnd type="none" w="med" len="med"/>
-            <a:tailEnd type="arrow" w="med" len="med"/>
+            <a:headEnd type="arrow" w="med" len="med"/>
+            <a:tailEnd type="none" w="med" len="med"/>
           </a:ln>
         </p:spPr>
         <p:style>
@@ -5701,10 +6369,10 @@
       </p:cxnSp>
       <p:sp>
         <p:nvSpPr>
-          <p:cNvPr id="59" name="TextBox 58">
-            <a:extLst>
-              <a:ext uri="{FF2B5EF4-FFF2-40B4-BE49-F238E27FC236}">
-                <a16:creationId xmlns:a16="http://schemas.microsoft.com/office/drawing/2014/main" id="{177D8963-3ED7-4F81-A792-7125D6E9239A}"/>
+          <p:cNvPr id="40" name="TextBox 39">
+            <a:extLst>
+              <a:ext uri="{FF2B5EF4-FFF2-40B4-BE49-F238E27FC236}">
+                <a16:creationId xmlns:a16="http://schemas.microsoft.com/office/drawing/2014/main" id="{95C263B4-FDA7-4FEF-890E-D49C35CA66F0}"/>
               </a:ext>
             </a:extLst>
           </p:cNvPr>
@@ -5713,8 +6381,8 @@
         </p:nvSpPr>
         <p:spPr>
           <a:xfrm>
-            <a:off x="4427984" y="1254931"/>
-            <a:ext cx="501419" cy="276999"/>
+            <a:off x="6482979" y="2263973"/>
+            <a:ext cx="969341" cy="307777"/>
           </a:xfrm>
           <a:prstGeom prst="rect">
             <a:avLst/>
@@ -5722,167 +6390,135 @@
           <a:noFill/>
         </p:spPr>
         <p:txBody>
-          <a:bodyPr wrap="none" rtlCol="0">
+          <a:bodyPr wrap="square" rtlCol="0" anchor="ctr">
             <a:spAutoFit/>
           </a:bodyPr>
           <a:lstStyle/>
           <a:p>
-            <a:r>
-              <a:rPr lang="en-US" altLang="ko-KR" sz="1200"/>
-              <a:t>Sync</a:t>
-            </a:r>
-            <a:endParaRPr lang="ko-KR" altLang="en-US" sz="1200"/>
-          </a:p>
-        </p:txBody>
-      </p:sp>
-      <p:sp>
-        <p:nvSpPr>
-          <p:cNvPr id="60" name="TextBox 59">
-            <a:extLst>
-              <a:ext uri="{FF2B5EF4-FFF2-40B4-BE49-F238E27FC236}">
-                <a16:creationId xmlns:a16="http://schemas.microsoft.com/office/drawing/2014/main" id="{68C3E641-9056-4F35-AEE1-AE42546353EC}"/>
-              </a:ext>
-            </a:extLst>
-          </p:cNvPr>
-          <p:cNvSpPr txBox="1"/>
-          <p:nvPr/>
-        </p:nvSpPr>
-        <p:spPr>
-          <a:xfrm>
-            <a:off x="2172856" y="2255843"/>
-            <a:ext cx="742960" cy="276999"/>
-          </a:xfrm>
-          <a:prstGeom prst="rect">
+            <a:pPr algn="ctr"/>
+            <a:r>
+              <a:rPr lang="en-US" altLang="ko-KR" sz="1400"/>
+              <a:t>Metric</a:t>
+            </a:r>
+          </a:p>
+        </p:txBody>
+      </p:sp>
+      <p:cxnSp>
+        <p:nvCxnSpPr>
+          <p:cNvPr id="41" name="직선 화살표 연결선 40">
+            <a:extLst>
+              <a:ext uri="{FF2B5EF4-FFF2-40B4-BE49-F238E27FC236}">
+                <a16:creationId xmlns:a16="http://schemas.microsoft.com/office/drawing/2014/main" id="{C3646514-DE27-4A8A-99C0-5FD9F73C34E2}"/>
+              </a:ext>
+            </a:extLst>
+          </p:cNvPr>
+          <p:cNvCxnSpPr>
+            <a:cxnSpLocks/>
+            <a:endCxn id="35" idx="0"/>
+          </p:cNvCxnSpPr>
+          <p:nvPr/>
+        </p:nvCxnSpPr>
+        <p:spPr>
+          <a:xfrm>
+            <a:off x="6595607" y="1059582"/>
+            <a:ext cx="0" cy="576064"/>
+          </a:xfrm>
+          <a:prstGeom prst="straightConnector1">
             <a:avLst/>
           </a:prstGeom>
+          <a:ln w="28575">
+            <a:solidFill>
+              <a:schemeClr val="tx1"/>
+            </a:solidFill>
+            <a:headEnd type="arrow" w="med" len="med"/>
+            <a:tailEnd type="none" w="med" len="med"/>
+          </a:ln>
+        </p:spPr>
+        <p:style>
+          <a:lnRef idx="1">
+            <a:schemeClr val="accent1"/>
+          </a:lnRef>
+          <a:fillRef idx="0">
+            <a:schemeClr val="accent1"/>
+          </a:fillRef>
+          <a:effectRef idx="0">
+            <a:schemeClr val="accent1"/>
+          </a:effectRef>
+          <a:fontRef idx="minor">
+            <a:schemeClr val="tx1"/>
+          </a:fontRef>
+        </p:style>
+      </p:cxnSp>
+      <p:sp>
+        <p:nvSpPr>
+          <p:cNvPr id="56" name="사각형: 둥근 모서리 55">
+            <a:extLst>
+              <a:ext uri="{FF2B5EF4-FFF2-40B4-BE49-F238E27FC236}">
+                <a16:creationId xmlns:a16="http://schemas.microsoft.com/office/drawing/2014/main" id="{B739F7F4-10B0-4B76-8FBF-E9786C204F30}"/>
+              </a:ext>
+            </a:extLst>
+          </p:cNvPr>
+          <p:cNvSpPr/>
+          <p:nvPr/>
+        </p:nvSpPr>
+        <p:spPr>
+          <a:xfrm>
+            <a:off x="1115616" y="1544726"/>
+            <a:ext cx="7236792" cy="3475296"/>
+          </a:xfrm>
+          <a:prstGeom prst="roundRect">
+            <a:avLst>
+              <a:gd name="adj" fmla="val 5497"/>
+            </a:avLst>
+          </a:prstGeom>
           <a:noFill/>
-        </p:spPr>
-        <p:txBody>
-          <a:bodyPr wrap="none" rtlCol="0">
-            <a:spAutoFit/>
-          </a:bodyPr>
-          <a:lstStyle/>
-          <a:p>
-            <a:r>
-              <a:rPr lang="en-US" altLang="ko-KR" sz="1200"/>
-              <a:t>Register</a:t>
-            </a:r>
-            <a:endParaRPr lang="ko-KR" altLang="en-US" sz="1200"/>
-          </a:p>
-        </p:txBody>
-      </p:sp>
-      <p:sp>
-        <p:nvSpPr>
-          <p:cNvPr id="61" name="TextBox 60">
-            <a:extLst>
-              <a:ext uri="{FF2B5EF4-FFF2-40B4-BE49-F238E27FC236}">
-                <a16:creationId xmlns:a16="http://schemas.microsoft.com/office/drawing/2014/main" id="{CDD0CA14-C561-4491-97B4-355D550EE7AB}"/>
-              </a:ext>
-            </a:extLst>
-          </p:cNvPr>
-          <p:cNvSpPr txBox="1"/>
-          <p:nvPr/>
-        </p:nvSpPr>
-        <p:spPr>
-          <a:xfrm>
-            <a:off x="3970552" y="1790623"/>
-            <a:ext cx="529440" cy="276999"/>
-          </a:xfrm>
-          <a:prstGeom prst="rect">
-            <a:avLst/>
-          </a:prstGeom>
-          <a:noFill/>
-        </p:spPr>
-        <p:txBody>
-          <a:bodyPr wrap="none" rtlCol="0">
-            <a:spAutoFit/>
-          </a:bodyPr>
-          <a:lstStyle/>
-          <a:p>
-            <a:r>
-              <a:rPr lang="en-US" altLang="ko-KR" sz="1200"/>
-              <a:t>Read</a:t>
-            </a:r>
-            <a:endParaRPr lang="ko-KR" altLang="en-US" sz="1200"/>
-          </a:p>
-        </p:txBody>
-      </p:sp>
-      <p:sp>
-        <p:nvSpPr>
-          <p:cNvPr id="62" name="TextBox 61">
-            <a:extLst>
-              <a:ext uri="{FF2B5EF4-FFF2-40B4-BE49-F238E27FC236}">
-                <a16:creationId xmlns:a16="http://schemas.microsoft.com/office/drawing/2014/main" id="{CCF50FF6-2288-4B7E-B12A-45F0BA97809C}"/>
-              </a:ext>
-            </a:extLst>
-          </p:cNvPr>
-          <p:cNvSpPr txBox="1"/>
-          <p:nvPr/>
-        </p:nvSpPr>
-        <p:spPr>
-          <a:xfrm>
-            <a:off x="6393022" y="2191946"/>
-            <a:ext cx="558486" cy="276999"/>
-          </a:xfrm>
-          <a:prstGeom prst="rect">
-            <a:avLst/>
-          </a:prstGeom>
-          <a:noFill/>
-        </p:spPr>
-        <p:txBody>
-          <a:bodyPr wrap="none" rtlCol="0">
-            <a:spAutoFit/>
-          </a:bodyPr>
-          <a:lstStyle/>
-          <a:p>
-            <a:r>
-              <a:rPr lang="en-US" altLang="ko-KR" sz="1200"/>
-              <a:t>Write</a:t>
-            </a:r>
-            <a:endParaRPr lang="ko-KR" altLang="en-US" sz="1200"/>
-          </a:p>
-        </p:txBody>
-      </p:sp>
-      <p:sp>
-        <p:nvSpPr>
-          <p:cNvPr id="63" name="TextBox 62">
-            <a:extLst>
-              <a:ext uri="{FF2B5EF4-FFF2-40B4-BE49-F238E27FC236}">
-                <a16:creationId xmlns:a16="http://schemas.microsoft.com/office/drawing/2014/main" id="{C1696F7D-C396-4767-819A-A0D88E0C01A3}"/>
-              </a:ext>
-            </a:extLst>
-          </p:cNvPr>
-          <p:cNvSpPr txBox="1"/>
-          <p:nvPr/>
-        </p:nvSpPr>
-        <p:spPr>
-          <a:xfrm>
-            <a:off x="3346338" y="2211710"/>
-            <a:ext cx="865622" cy="276999"/>
-          </a:xfrm>
-          <a:prstGeom prst="rect">
-            <a:avLst/>
-          </a:prstGeom>
-          <a:noFill/>
-        </p:spPr>
-        <p:txBody>
-          <a:bodyPr wrap="none" rtlCol="0">
-            <a:spAutoFit/>
-          </a:bodyPr>
-          <a:lstStyle/>
-          <a:p>
-            <a:r>
-              <a:rPr lang="en-US" altLang="ko-KR" sz="1200"/>
-              <a:t>Watch CR</a:t>
-            </a:r>
-            <a:endParaRPr lang="ko-KR" altLang="en-US" sz="1200"/>
+          <a:ln>
+            <a:solidFill>
+              <a:schemeClr val="tx1"/>
+            </a:solidFill>
+            <a:prstDash val="dash"/>
+          </a:ln>
+        </p:spPr>
+        <p:style>
+          <a:lnRef idx="2">
+            <a:schemeClr val="accent1">
+              <a:shade val="50000"/>
+            </a:schemeClr>
+          </a:lnRef>
+          <a:fillRef idx="1">
+            <a:schemeClr val="accent1"/>
+          </a:fillRef>
+          <a:effectRef idx="0">
+            <a:schemeClr val="accent1"/>
+          </a:effectRef>
+          <a:fontRef idx="minor">
+            <a:schemeClr val="lt1"/>
+          </a:fontRef>
+        </p:style>
+        <p:txBody>
+          <a:bodyPr rtlCol="0" anchor="b"/>
+          <a:lstStyle/>
+          <a:p>
+            <a:r>
+              <a:rPr lang="en-US" altLang="ko-KR" sz="1400" b="1">
+                <a:solidFill>
+                  <a:schemeClr val="tx1"/>
+                </a:solidFill>
+              </a:rPr>
+              <a:t>Controller Pod</a:t>
+            </a:r>
+            <a:endParaRPr lang="ko-KR" altLang="en-US" sz="1600" b="1">
+              <a:solidFill>
+                <a:schemeClr val="tx1"/>
+              </a:solidFill>
+            </a:endParaRPr>
           </a:p>
         </p:txBody>
       </p:sp>
     </p:spTree>
     <p:extLst>
       <p:ext uri="{BB962C8B-B14F-4D97-AF65-F5344CB8AC3E}">
-        <p14:creationId xmlns:p14="http://schemas.microsoft.com/office/powerpoint/2010/main" val="3828610783"/>
+        <p14:creationId xmlns:p14="http://schemas.microsoft.com/office/powerpoint/2010/main" val="1521896078"/>
       </p:ext>
     </p:extLst>
   </p:cSld>
@@ -5923,7 +6559,7 @@
         </p:nvSpPr>
         <p:spPr>
           <a:xfrm>
-            <a:off x="2937416" y="2764705"/>
+            <a:off x="2411760" y="1062270"/>
             <a:ext cx="1569958" cy="1077432"/>
           </a:xfrm>
           <a:prstGeom prst="roundRect">
@@ -5953,7 +6589,7 @@
             <a:pPr algn="ctr"/>
             <a:r>
               <a:rPr lang="en-US" altLang="ko-KR" sz="1400" b="1"/>
-              <a:t>Manager</a:t>
+              <a:t>Manager Pkg</a:t>
             </a:r>
             <a:endParaRPr lang="ko-KR" altLang="en-US" sz="1400" b="1"/>
           </a:p>
@@ -6007,7 +6643,7 @@
         </p:nvSpPr>
         <p:spPr>
           <a:xfrm>
-            <a:off x="4148150" y="987574"/>
+            <a:off x="5364088" y="1289828"/>
             <a:ext cx="1368152" cy="622315"/>
           </a:xfrm>
           <a:prstGeom prst="roundRect">
@@ -6035,7 +6671,7 @@
             <a:pPr algn="ctr"/>
             <a:r>
               <a:rPr lang="en-US" altLang="ko-KR" sz="1400"/>
-              <a:t>Kubernetes</a:t>
+              <a:t>K8s</a:t>
             </a:r>
           </a:p>
           <a:p>
@@ -6062,7 +6698,7 @@
         </p:nvSpPr>
         <p:spPr>
           <a:xfrm>
-            <a:off x="5163314" y="2764705"/>
+            <a:off x="4628758" y="2862470"/>
             <a:ext cx="3039586" cy="1077432"/>
           </a:xfrm>
           <a:prstGeom prst="roundRect">
@@ -6092,7 +6728,7 @@
             <a:pPr algn="ctr"/>
             <a:r>
               <a:rPr lang="en-US" altLang="ko-KR" sz="1400" b="1"/>
-              <a:t>Reconciler</a:t>
+              <a:t>Reconciler Pkg</a:t>
             </a:r>
             <a:endParaRPr lang="ko-KR" altLang="en-US" sz="1400" b="1"/>
           </a:p>
@@ -6112,7 +6748,7 @@
         </p:nvSpPr>
         <p:spPr>
           <a:xfrm>
-            <a:off x="5263644" y="2852556"/>
+            <a:off x="6204637" y="2950321"/>
             <a:ext cx="1368152" cy="622316"/>
           </a:xfrm>
           <a:prstGeom prst="roundRect">
@@ -6142,14 +6778,14 @@
             <a:pPr algn="ctr"/>
             <a:r>
               <a:rPr lang="en-US" altLang="ko-KR" sz="1400"/>
-              <a:t>Manager</a:t>
+              <a:t>Manager’s</a:t>
             </a:r>
           </a:p>
           <a:p>
             <a:pPr algn="ctr"/>
             <a:r>
               <a:rPr lang="en-US" altLang="ko-KR" sz="1400"/>
-              <a:t>Client</a:t>
+              <a:t>K8s Client</a:t>
             </a:r>
             <a:endParaRPr lang="ko-KR" altLang="en-US" sz="1400"/>
           </a:p>
@@ -6169,7 +6805,7 @@
         </p:nvSpPr>
         <p:spPr>
           <a:xfrm>
-            <a:off x="6739622" y="2852556"/>
+            <a:off x="4725836" y="2950321"/>
             <a:ext cx="1368152" cy="622316"/>
           </a:xfrm>
           <a:prstGeom prst="roundRect">
@@ -6219,7 +6855,7 @@
         </p:nvSpPr>
         <p:spPr>
           <a:xfrm>
-            <a:off x="1259632" y="2764705"/>
+            <a:off x="1619672" y="2862470"/>
             <a:ext cx="1569958" cy="1077432"/>
           </a:xfrm>
           <a:prstGeom prst="roundRect">
@@ -6249,7 +6885,7 @@
             <a:pPr algn="ctr"/>
             <a:r>
               <a:rPr lang="en-US" altLang="ko-KR" sz="1400" b="1"/>
-              <a:t>Controller</a:t>
+              <a:t>Controller Pkg</a:t>
             </a:r>
             <a:endParaRPr lang="ko-KR" altLang="en-US" sz="1400" b="1"/>
           </a:p>
@@ -6269,7 +6905,7 @@
         </p:nvSpPr>
         <p:spPr>
           <a:xfrm>
-            <a:off x="1353612" y="2852556"/>
+            <a:off x="1713652" y="2950321"/>
             <a:ext cx="1368152" cy="622316"/>
           </a:xfrm>
           <a:prstGeom prst="roundRect">
@@ -6319,7 +6955,7 @@
         </p:nvSpPr>
         <p:spPr>
           <a:xfrm>
-            <a:off x="3039078" y="2852556"/>
+            <a:off x="2513422" y="1150121"/>
             <a:ext cx="1368152" cy="622316"/>
           </a:xfrm>
           <a:prstGeom prst="roundRect">
@@ -6372,6 +7008,1161 @@
         </p:nvCxnSpPr>
         <p:spPr>
           <a:xfrm flipH="1">
+            <a:off x="2397728" y="1912143"/>
+            <a:ext cx="3650436" cy="1038178"/>
+          </a:xfrm>
+          <a:prstGeom prst="straightConnector1">
+            <a:avLst/>
+          </a:prstGeom>
+          <a:ln w="28575">
+            <a:solidFill>
+              <a:schemeClr val="tx1"/>
+            </a:solidFill>
+            <a:headEnd type="arrow" w="med" len="med"/>
+            <a:tailEnd type="none" w="med" len="med"/>
+          </a:ln>
+        </p:spPr>
+        <p:style>
+          <a:lnRef idx="1">
+            <a:schemeClr val="accent1"/>
+          </a:lnRef>
+          <a:fillRef idx="0">
+            <a:schemeClr val="accent1"/>
+          </a:fillRef>
+          <a:effectRef idx="0">
+            <a:schemeClr val="accent1"/>
+          </a:effectRef>
+          <a:fontRef idx="minor">
+            <a:schemeClr val="tx1"/>
+          </a:fontRef>
+        </p:style>
+      </p:cxnSp>
+      <p:cxnSp>
+        <p:nvCxnSpPr>
+          <p:cNvPr id="34" name="직선 화살표 연결선 33">
+            <a:extLst>
+              <a:ext uri="{FF2B5EF4-FFF2-40B4-BE49-F238E27FC236}">
+                <a16:creationId xmlns:a16="http://schemas.microsoft.com/office/drawing/2014/main" id="{2FE0317D-98E0-494C-8F9F-139D32C85980}"/>
+              </a:ext>
+            </a:extLst>
+          </p:cNvPr>
+          <p:cNvCxnSpPr>
+            <a:cxnSpLocks/>
+            <a:stCxn id="4" idx="1"/>
+            <a:endCxn id="28" idx="3"/>
+          </p:cNvCxnSpPr>
+          <p:nvPr/>
+        </p:nvCxnSpPr>
+        <p:spPr>
+          <a:xfrm flipH="1" flipV="1">
+            <a:off x="3881574" y="1461279"/>
+            <a:ext cx="1482514" cy="139707"/>
+          </a:xfrm>
+          <a:prstGeom prst="straightConnector1">
+            <a:avLst/>
+          </a:prstGeom>
+          <a:ln w="28575">
+            <a:solidFill>
+              <a:schemeClr val="tx1"/>
+            </a:solidFill>
+            <a:headEnd type="none" w="med" len="med"/>
+            <a:tailEnd type="arrow" w="med" len="med"/>
+          </a:ln>
+        </p:spPr>
+        <p:style>
+          <a:lnRef idx="1">
+            <a:schemeClr val="accent1"/>
+          </a:lnRef>
+          <a:fillRef idx="0">
+            <a:schemeClr val="accent1"/>
+          </a:fillRef>
+          <a:effectRef idx="0">
+            <a:schemeClr val="accent1"/>
+          </a:effectRef>
+          <a:fontRef idx="minor">
+            <a:schemeClr val="tx1"/>
+          </a:fontRef>
+        </p:style>
+      </p:cxnSp>
+      <p:cxnSp>
+        <p:nvCxnSpPr>
+          <p:cNvPr id="39" name="직선 화살표 연결선 38">
+            <a:extLst>
+              <a:ext uri="{FF2B5EF4-FFF2-40B4-BE49-F238E27FC236}">
+                <a16:creationId xmlns:a16="http://schemas.microsoft.com/office/drawing/2014/main" id="{191C310B-7535-4349-8BA0-01D65A988EE2}"/>
+              </a:ext>
+            </a:extLst>
+          </p:cNvPr>
+          <p:cNvCxnSpPr>
+            <a:cxnSpLocks/>
+            <a:stCxn id="28" idx="2"/>
+            <a:endCxn id="21" idx="0"/>
+          </p:cNvCxnSpPr>
+          <p:nvPr/>
+        </p:nvCxnSpPr>
+        <p:spPr>
+          <a:xfrm>
+            <a:off x="3197498" y="1772437"/>
+            <a:ext cx="3691215" cy="1177884"/>
+          </a:xfrm>
+          <a:prstGeom prst="straightConnector1">
+            <a:avLst/>
+          </a:prstGeom>
+          <a:ln w="28575">
+            <a:solidFill>
+              <a:schemeClr val="tx1"/>
+            </a:solidFill>
+            <a:headEnd type="none" w="med" len="med"/>
+            <a:tailEnd type="arrow" w="med" len="med"/>
+          </a:ln>
+        </p:spPr>
+        <p:style>
+          <a:lnRef idx="1">
+            <a:schemeClr val="accent1"/>
+          </a:lnRef>
+          <a:fillRef idx="0">
+            <a:schemeClr val="accent1"/>
+          </a:fillRef>
+          <a:effectRef idx="0">
+            <a:schemeClr val="accent1"/>
+          </a:effectRef>
+          <a:fontRef idx="minor">
+            <a:schemeClr val="tx1"/>
+          </a:fontRef>
+        </p:style>
+      </p:cxnSp>
+      <p:cxnSp>
+        <p:nvCxnSpPr>
+          <p:cNvPr id="42" name="직선 화살표 연결선 41">
+            <a:extLst>
+              <a:ext uri="{FF2B5EF4-FFF2-40B4-BE49-F238E27FC236}">
+                <a16:creationId xmlns:a16="http://schemas.microsoft.com/office/drawing/2014/main" id="{6F4BDF7D-B7CC-4AB2-9614-34D3B7939B45}"/>
+              </a:ext>
+            </a:extLst>
+          </p:cNvPr>
+          <p:cNvCxnSpPr>
+            <a:cxnSpLocks/>
+            <a:stCxn id="21" idx="0"/>
+            <a:endCxn id="4" idx="2"/>
+          </p:cNvCxnSpPr>
+          <p:nvPr/>
+        </p:nvCxnSpPr>
+        <p:spPr>
+          <a:xfrm flipH="1" flipV="1">
+            <a:off x="6048164" y="1912143"/>
+            <a:ext cx="840549" cy="1038178"/>
+          </a:xfrm>
+          <a:prstGeom prst="straightConnector1">
+            <a:avLst/>
+          </a:prstGeom>
+          <a:ln w="28575">
+            <a:solidFill>
+              <a:schemeClr val="tx1"/>
+            </a:solidFill>
+            <a:headEnd type="none" w="med" len="med"/>
+            <a:tailEnd type="arrow" w="med" len="med"/>
+          </a:ln>
+        </p:spPr>
+        <p:style>
+          <a:lnRef idx="1">
+            <a:schemeClr val="accent1"/>
+          </a:lnRef>
+          <a:fillRef idx="0">
+            <a:schemeClr val="accent1"/>
+          </a:fillRef>
+          <a:effectRef idx="0">
+            <a:schemeClr val="accent1"/>
+          </a:effectRef>
+          <a:fontRef idx="minor">
+            <a:schemeClr val="tx1"/>
+          </a:fontRef>
+        </p:style>
+      </p:cxnSp>
+      <p:sp>
+        <p:nvSpPr>
+          <p:cNvPr id="54" name="TextBox 53">
+            <a:extLst>
+              <a:ext uri="{FF2B5EF4-FFF2-40B4-BE49-F238E27FC236}">
+                <a16:creationId xmlns:a16="http://schemas.microsoft.com/office/drawing/2014/main" id="{B83FB188-BED9-4F86-8DB3-C1A258FD1710}"/>
+              </a:ext>
+            </a:extLst>
+          </p:cNvPr>
+          <p:cNvSpPr txBox="1"/>
+          <p:nvPr/>
+        </p:nvSpPr>
+        <p:spPr>
+          <a:xfrm>
+            <a:off x="3185232" y="2631058"/>
+            <a:ext cx="1464888" cy="461665"/>
+          </a:xfrm>
+          <a:prstGeom prst="rect">
+            <a:avLst/>
+          </a:prstGeom>
+          <a:noFill/>
+        </p:spPr>
+        <p:txBody>
+          <a:bodyPr wrap="none" rtlCol="0">
+            <a:spAutoFit/>
+          </a:bodyPr>
+          <a:lstStyle/>
+          <a:p>
+            <a:pPr algn="ctr"/>
+            <a:r>
+              <a:rPr lang="en-US" altLang="ko-KR" sz="1200"/>
+              <a:t>Send CR </a:t>
+            </a:r>
+          </a:p>
+          <a:p>
+            <a:pPr algn="ctr"/>
+            <a:r>
+              <a:rPr lang="en-US" altLang="ko-KR" sz="1200"/>
+              <a:t>Name/Namespace</a:t>
+            </a:r>
+            <a:endParaRPr lang="ko-KR" altLang="en-US" sz="1200"/>
+          </a:p>
+        </p:txBody>
+      </p:sp>
+      <p:sp>
+        <p:nvSpPr>
+          <p:cNvPr id="57" name="TextBox 56">
+            <a:extLst>
+              <a:ext uri="{FF2B5EF4-FFF2-40B4-BE49-F238E27FC236}">
+                <a16:creationId xmlns:a16="http://schemas.microsoft.com/office/drawing/2014/main" id="{2087AD6B-8771-41A9-9952-B3AA7628C1EC}"/>
+              </a:ext>
+            </a:extLst>
+          </p:cNvPr>
+          <p:cNvSpPr txBox="1"/>
+          <p:nvPr/>
+        </p:nvSpPr>
+        <p:spPr>
+          <a:xfrm>
+            <a:off x="3170580" y="3416796"/>
+            <a:ext cx="1464888" cy="461665"/>
+          </a:xfrm>
+          <a:prstGeom prst="rect">
+            <a:avLst/>
+          </a:prstGeom>
+          <a:noFill/>
+        </p:spPr>
+        <p:txBody>
+          <a:bodyPr wrap="none" rtlCol="0">
+            <a:spAutoFit/>
+          </a:bodyPr>
+          <a:lstStyle/>
+          <a:p>
+            <a:pPr algn="ctr"/>
+            <a:r>
+              <a:rPr lang="en-US" altLang="ko-KR" sz="1200"/>
+              <a:t>Requeue CR </a:t>
+            </a:r>
+          </a:p>
+          <a:p>
+            <a:pPr algn="ctr"/>
+            <a:r>
+              <a:rPr lang="en-US" altLang="ko-KR" sz="1200"/>
+              <a:t>Name/Namespace</a:t>
+            </a:r>
+            <a:endParaRPr lang="ko-KR" altLang="en-US" sz="1200"/>
+          </a:p>
+        </p:txBody>
+      </p:sp>
+      <p:cxnSp>
+        <p:nvCxnSpPr>
+          <p:cNvPr id="5" name="직선 연결선 4">
+            <a:extLst>
+              <a:ext uri="{FF2B5EF4-FFF2-40B4-BE49-F238E27FC236}">
+                <a16:creationId xmlns:a16="http://schemas.microsoft.com/office/drawing/2014/main" id="{79057BA3-7878-4874-9872-862604216170}"/>
+              </a:ext>
+            </a:extLst>
+          </p:cNvPr>
+          <p:cNvCxnSpPr>
+            <a:cxnSpLocks/>
+          </p:cNvCxnSpPr>
+          <p:nvPr/>
+        </p:nvCxnSpPr>
+        <p:spPr>
+          <a:xfrm>
+            <a:off x="327835" y="2571750"/>
+            <a:ext cx="8132597" cy="0"/>
+          </a:xfrm>
+          <a:prstGeom prst="line">
+            <a:avLst/>
+          </a:prstGeom>
+          <a:ln w="28575">
+            <a:solidFill>
+              <a:schemeClr val="tx1"/>
+            </a:solidFill>
+            <a:prstDash val="dash"/>
+          </a:ln>
+        </p:spPr>
+        <p:style>
+          <a:lnRef idx="1">
+            <a:schemeClr val="accent1"/>
+          </a:lnRef>
+          <a:fillRef idx="0">
+            <a:schemeClr val="accent1"/>
+          </a:fillRef>
+          <a:effectRef idx="0">
+            <a:schemeClr val="accent1"/>
+          </a:effectRef>
+          <a:fontRef idx="minor">
+            <a:schemeClr val="tx1"/>
+          </a:fontRef>
+        </p:style>
+      </p:cxnSp>
+      <p:sp>
+        <p:nvSpPr>
+          <p:cNvPr id="25" name="TextBox 24">
+            <a:extLst>
+              <a:ext uri="{FF2B5EF4-FFF2-40B4-BE49-F238E27FC236}">
+                <a16:creationId xmlns:a16="http://schemas.microsoft.com/office/drawing/2014/main" id="{86EBF743-A613-40CD-A4ED-EFBBDAE527CA}"/>
+              </a:ext>
+            </a:extLst>
+          </p:cNvPr>
+          <p:cNvSpPr txBox="1"/>
+          <p:nvPr/>
+        </p:nvSpPr>
+        <p:spPr>
+          <a:xfrm>
+            <a:off x="665180" y="2643758"/>
+            <a:ext cx="991618" cy="523220"/>
+          </a:xfrm>
+          <a:prstGeom prst="rect">
+            <a:avLst/>
+          </a:prstGeom>
+          <a:noFill/>
+        </p:spPr>
+        <p:txBody>
+          <a:bodyPr wrap="none" rtlCol="0" anchor="ctr">
+            <a:spAutoFit/>
+          </a:bodyPr>
+          <a:lstStyle/>
+          <a:p>
+            <a:pPr algn="ctr"/>
+            <a:r>
+              <a:rPr lang="en-US" altLang="ko-KR" sz="1400"/>
+              <a:t>K8s</a:t>
+            </a:r>
+          </a:p>
+          <a:p>
+            <a:pPr algn="ctr"/>
+            <a:r>
+              <a:rPr lang="en-US" altLang="ko-KR" sz="1400"/>
+              <a:t>Controller</a:t>
+            </a:r>
+          </a:p>
+        </p:txBody>
+      </p:sp>
+      <p:cxnSp>
+        <p:nvCxnSpPr>
+          <p:cNvPr id="43" name="직선 화살표 연결선 42">
+            <a:extLst>
+              <a:ext uri="{FF2B5EF4-FFF2-40B4-BE49-F238E27FC236}">
+                <a16:creationId xmlns:a16="http://schemas.microsoft.com/office/drawing/2014/main" id="{C91A1A8C-888B-4048-AD8F-18B731C301A1}"/>
+              </a:ext>
+            </a:extLst>
+          </p:cNvPr>
+          <p:cNvCxnSpPr>
+            <a:cxnSpLocks/>
+          </p:cNvCxnSpPr>
+          <p:nvPr/>
+        </p:nvCxnSpPr>
+        <p:spPr>
+          <a:xfrm flipH="1">
+            <a:off x="3081804" y="3101563"/>
+            <a:ext cx="1644032" cy="0"/>
+          </a:xfrm>
+          <a:prstGeom prst="straightConnector1">
+            <a:avLst/>
+          </a:prstGeom>
+          <a:ln w="28575">
+            <a:solidFill>
+              <a:schemeClr val="tx1"/>
+            </a:solidFill>
+            <a:headEnd type="arrow" w="med" len="med"/>
+            <a:tailEnd type="none" w="med" len="med"/>
+          </a:ln>
+        </p:spPr>
+        <p:style>
+          <a:lnRef idx="1">
+            <a:schemeClr val="accent1"/>
+          </a:lnRef>
+          <a:fillRef idx="0">
+            <a:schemeClr val="accent1"/>
+          </a:fillRef>
+          <a:effectRef idx="0">
+            <a:schemeClr val="accent1"/>
+          </a:effectRef>
+          <a:fontRef idx="minor">
+            <a:schemeClr val="tx1"/>
+          </a:fontRef>
+        </p:style>
+      </p:cxnSp>
+      <p:cxnSp>
+        <p:nvCxnSpPr>
+          <p:cNvPr id="45" name="직선 화살표 연결선 44">
+            <a:extLst>
+              <a:ext uri="{FF2B5EF4-FFF2-40B4-BE49-F238E27FC236}">
+                <a16:creationId xmlns:a16="http://schemas.microsoft.com/office/drawing/2014/main" id="{81ECE741-BEE6-4049-BF20-41207C1D4BAB}"/>
+              </a:ext>
+            </a:extLst>
+          </p:cNvPr>
+          <p:cNvCxnSpPr>
+            <a:cxnSpLocks/>
+          </p:cNvCxnSpPr>
+          <p:nvPr/>
+        </p:nvCxnSpPr>
+        <p:spPr>
+          <a:xfrm flipH="1">
+            <a:off x="3081804" y="3401186"/>
+            <a:ext cx="1644032" cy="0"/>
+          </a:xfrm>
+          <a:prstGeom prst="straightConnector1">
+            <a:avLst/>
+          </a:prstGeom>
+          <a:ln w="28575">
+            <a:solidFill>
+              <a:schemeClr val="tx1"/>
+            </a:solidFill>
+            <a:headEnd type="none" w="med" len="med"/>
+            <a:tailEnd type="arrow" w="med" len="med"/>
+          </a:ln>
+        </p:spPr>
+        <p:style>
+          <a:lnRef idx="1">
+            <a:schemeClr val="accent1"/>
+          </a:lnRef>
+          <a:fillRef idx="0">
+            <a:schemeClr val="accent1"/>
+          </a:fillRef>
+          <a:effectRef idx="0">
+            <a:schemeClr val="accent1"/>
+          </a:effectRef>
+          <a:fontRef idx="minor">
+            <a:schemeClr val="tx1"/>
+          </a:fontRef>
+        </p:style>
+      </p:cxnSp>
+      <p:cxnSp>
+        <p:nvCxnSpPr>
+          <p:cNvPr id="56" name="직선 화살표 연결선 55">
+            <a:extLst>
+              <a:ext uri="{FF2B5EF4-FFF2-40B4-BE49-F238E27FC236}">
+                <a16:creationId xmlns:a16="http://schemas.microsoft.com/office/drawing/2014/main" id="{A5693673-5567-415E-99D4-BEE3DA975698}"/>
+              </a:ext>
+            </a:extLst>
+          </p:cNvPr>
+          <p:cNvCxnSpPr>
+            <a:cxnSpLocks/>
+            <a:stCxn id="26" idx="0"/>
+            <a:endCxn id="29" idx="2"/>
+          </p:cNvCxnSpPr>
+          <p:nvPr/>
+        </p:nvCxnSpPr>
+        <p:spPr>
+          <a:xfrm flipV="1">
+            <a:off x="2404651" y="2139702"/>
+            <a:ext cx="792088" cy="722768"/>
+          </a:xfrm>
+          <a:prstGeom prst="straightConnector1">
+            <a:avLst/>
+          </a:prstGeom>
+          <a:ln w="28575">
+            <a:solidFill>
+              <a:schemeClr val="tx1"/>
+            </a:solidFill>
+            <a:headEnd type="none" w="med" len="med"/>
+            <a:tailEnd type="arrow" w="med" len="med"/>
+          </a:ln>
+        </p:spPr>
+        <p:style>
+          <a:lnRef idx="1">
+            <a:schemeClr val="accent1"/>
+          </a:lnRef>
+          <a:fillRef idx="0">
+            <a:schemeClr val="accent1"/>
+          </a:fillRef>
+          <a:effectRef idx="0">
+            <a:schemeClr val="accent1"/>
+          </a:effectRef>
+          <a:fontRef idx="minor">
+            <a:schemeClr val="tx1"/>
+          </a:fontRef>
+        </p:style>
+      </p:cxnSp>
+      <p:sp>
+        <p:nvSpPr>
+          <p:cNvPr id="59" name="TextBox 58">
+            <a:extLst>
+              <a:ext uri="{FF2B5EF4-FFF2-40B4-BE49-F238E27FC236}">
+                <a16:creationId xmlns:a16="http://schemas.microsoft.com/office/drawing/2014/main" id="{177D8963-3ED7-4F81-A792-7125D6E9239A}"/>
+              </a:ext>
+            </a:extLst>
+          </p:cNvPr>
+          <p:cNvSpPr txBox="1"/>
+          <p:nvPr/>
+        </p:nvSpPr>
+        <p:spPr>
+          <a:xfrm>
+            <a:off x="4427984" y="1254931"/>
+            <a:ext cx="501419" cy="276999"/>
+          </a:xfrm>
+          <a:prstGeom prst="rect">
+            <a:avLst/>
+          </a:prstGeom>
+          <a:noFill/>
+        </p:spPr>
+        <p:txBody>
+          <a:bodyPr wrap="none" rtlCol="0">
+            <a:spAutoFit/>
+          </a:bodyPr>
+          <a:lstStyle/>
+          <a:p>
+            <a:r>
+              <a:rPr lang="en-US" altLang="ko-KR" sz="1200"/>
+              <a:t>Sync</a:t>
+            </a:r>
+            <a:endParaRPr lang="ko-KR" altLang="en-US" sz="1200"/>
+          </a:p>
+        </p:txBody>
+      </p:sp>
+      <p:sp>
+        <p:nvSpPr>
+          <p:cNvPr id="60" name="TextBox 59">
+            <a:extLst>
+              <a:ext uri="{FF2B5EF4-FFF2-40B4-BE49-F238E27FC236}">
+                <a16:creationId xmlns:a16="http://schemas.microsoft.com/office/drawing/2014/main" id="{68C3E641-9056-4F35-AEE1-AE42546353EC}"/>
+              </a:ext>
+            </a:extLst>
+          </p:cNvPr>
+          <p:cNvSpPr txBox="1"/>
+          <p:nvPr/>
+        </p:nvSpPr>
+        <p:spPr>
+          <a:xfrm>
+            <a:off x="2172856" y="2255843"/>
+            <a:ext cx="742960" cy="276999"/>
+          </a:xfrm>
+          <a:prstGeom prst="rect">
+            <a:avLst/>
+          </a:prstGeom>
+          <a:noFill/>
+        </p:spPr>
+        <p:txBody>
+          <a:bodyPr wrap="none" rtlCol="0">
+            <a:spAutoFit/>
+          </a:bodyPr>
+          <a:lstStyle/>
+          <a:p>
+            <a:r>
+              <a:rPr lang="en-US" altLang="ko-KR" sz="1200"/>
+              <a:t>Register</a:t>
+            </a:r>
+            <a:endParaRPr lang="ko-KR" altLang="en-US" sz="1200"/>
+          </a:p>
+        </p:txBody>
+      </p:sp>
+      <p:sp>
+        <p:nvSpPr>
+          <p:cNvPr id="61" name="TextBox 60">
+            <a:extLst>
+              <a:ext uri="{FF2B5EF4-FFF2-40B4-BE49-F238E27FC236}">
+                <a16:creationId xmlns:a16="http://schemas.microsoft.com/office/drawing/2014/main" id="{CDD0CA14-C561-4491-97B4-355D550EE7AB}"/>
+              </a:ext>
+            </a:extLst>
+          </p:cNvPr>
+          <p:cNvSpPr txBox="1"/>
+          <p:nvPr/>
+        </p:nvSpPr>
+        <p:spPr>
+          <a:xfrm>
+            <a:off x="3970552" y="1790623"/>
+            <a:ext cx="529440" cy="276999"/>
+          </a:xfrm>
+          <a:prstGeom prst="rect">
+            <a:avLst/>
+          </a:prstGeom>
+          <a:noFill/>
+        </p:spPr>
+        <p:txBody>
+          <a:bodyPr wrap="none" rtlCol="0">
+            <a:spAutoFit/>
+          </a:bodyPr>
+          <a:lstStyle/>
+          <a:p>
+            <a:r>
+              <a:rPr lang="en-US" altLang="ko-KR" sz="1200"/>
+              <a:t>Read</a:t>
+            </a:r>
+            <a:endParaRPr lang="ko-KR" altLang="en-US" sz="1200"/>
+          </a:p>
+        </p:txBody>
+      </p:sp>
+      <p:sp>
+        <p:nvSpPr>
+          <p:cNvPr id="62" name="TextBox 61">
+            <a:extLst>
+              <a:ext uri="{FF2B5EF4-FFF2-40B4-BE49-F238E27FC236}">
+                <a16:creationId xmlns:a16="http://schemas.microsoft.com/office/drawing/2014/main" id="{CCF50FF6-2288-4B7E-B12A-45F0BA97809C}"/>
+              </a:ext>
+            </a:extLst>
+          </p:cNvPr>
+          <p:cNvSpPr txBox="1"/>
+          <p:nvPr/>
+        </p:nvSpPr>
+        <p:spPr>
+          <a:xfrm>
+            <a:off x="6393022" y="2191946"/>
+            <a:ext cx="558486" cy="276999"/>
+          </a:xfrm>
+          <a:prstGeom prst="rect">
+            <a:avLst/>
+          </a:prstGeom>
+          <a:noFill/>
+        </p:spPr>
+        <p:txBody>
+          <a:bodyPr wrap="none" rtlCol="0">
+            <a:spAutoFit/>
+          </a:bodyPr>
+          <a:lstStyle/>
+          <a:p>
+            <a:r>
+              <a:rPr lang="en-US" altLang="ko-KR" sz="1200"/>
+              <a:t>Write</a:t>
+            </a:r>
+            <a:endParaRPr lang="ko-KR" altLang="en-US" sz="1200"/>
+          </a:p>
+        </p:txBody>
+      </p:sp>
+      <p:sp>
+        <p:nvSpPr>
+          <p:cNvPr id="63" name="TextBox 62">
+            <a:extLst>
+              <a:ext uri="{FF2B5EF4-FFF2-40B4-BE49-F238E27FC236}">
+                <a16:creationId xmlns:a16="http://schemas.microsoft.com/office/drawing/2014/main" id="{C1696F7D-C396-4767-819A-A0D88E0C01A3}"/>
+              </a:ext>
+            </a:extLst>
+          </p:cNvPr>
+          <p:cNvSpPr txBox="1"/>
+          <p:nvPr/>
+        </p:nvSpPr>
+        <p:spPr>
+          <a:xfrm>
+            <a:off x="3346338" y="2211710"/>
+            <a:ext cx="865622" cy="276999"/>
+          </a:xfrm>
+          <a:prstGeom prst="rect">
+            <a:avLst/>
+          </a:prstGeom>
+          <a:noFill/>
+        </p:spPr>
+        <p:txBody>
+          <a:bodyPr wrap="none" rtlCol="0">
+            <a:spAutoFit/>
+          </a:bodyPr>
+          <a:lstStyle/>
+          <a:p>
+            <a:r>
+              <a:rPr lang="en-US" altLang="ko-KR" sz="1200"/>
+              <a:t>Watch CR</a:t>
+            </a:r>
+            <a:endParaRPr lang="ko-KR" altLang="en-US" sz="1200"/>
+          </a:p>
+        </p:txBody>
+      </p:sp>
+    </p:spTree>
+    <p:extLst>
+      <p:ext uri="{BB962C8B-B14F-4D97-AF65-F5344CB8AC3E}">
+        <p14:creationId xmlns:p14="http://schemas.microsoft.com/office/powerpoint/2010/main" val="3828610783"/>
+      </p:ext>
+    </p:extLst>
+  </p:cSld>
+  <p:clrMapOvr>
+    <a:masterClrMapping/>
+  </p:clrMapOvr>
+</p:sld>
+</file>
+
+<file path=ppt/slides/slide5.xml><?xml version="1.0" encoding="utf-8"?>
+<p:sld xmlns:a="http://schemas.openxmlformats.org/drawingml/2006/main" xmlns:r="http://schemas.openxmlformats.org/officeDocument/2006/relationships" xmlns:p="http://schemas.openxmlformats.org/presentationml/2006/main">
+  <p:cSld>
+    <p:spTree>
+      <p:nvGrpSpPr>
+        <p:cNvPr id="1" name=""/>
+        <p:cNvGrpSpPr/>
+        <p:nvPr/>
+      </p:nvGrpSpPr>
+      <p:grpSpPr>
+        <a:xfrm>
+          <a:off x="0" y="0"/>
+          <a:ext cx="0" cy="0"/>
+          <a:chOff x="0" y="0"/>
+          <a:chExt cx="0" cy="0"/>
+        </a:xfrm>
+      </p:grpSpPr>
+      <p:sp>
+        <p:nvSpPr>
+          <p:cNvPr id="29" name="사각형: 둥근 모서리 28">
+            <a:extLst>
+              <a:ext uri="{FF2B5EF4-FFF2-40B4-BE49-F238E27FC236}">
+                <a16:creationId xmlns:a16="http://schemas.microsoft.com/office/drawing/2014/main" id="{EC9F67C7-1015-40C8-85B1-1349F483D2AB}"/>
+              </a:ext>
+            </a:extLst>
+          </p:cNvPr>
+          <p:cNvSpPr/>
+          <p:nvPr/>
+        </p:nvSpPr>
+        <p:spPr>
+          <a:xfrm>
+            <a:off x="2937416" y="2764705"/>
+            <a:ext cx="1569958" cy="1077432"/>
+          </a:xfrm>
+          <a:prstGeom prst="roundRect">
+            <a:avLst>
+              <a:gd name="adj" fmla="val 7564"/>
+            </a:avLst>
+          </a:prstGeom>
+        </p:spPr>
+        <p:style>
+          <a:lnRef idx="2">
+            <a:schemeClr val="dk1"/>
+          </a:lnRef>
+          <a:fillRef idx="1">
+            <a:schemeClr val="lt1"/>
+          </a:fillRef>
+          <a:effectRef idx="0">
+            <a:schemeClr val="dk1"/>
+          </a:effectRef>
+          <a:fontRef idx="minor">
+            <a:schemeClr val="dk1"/>
+          </a:fontRef>
+        </p:style>
+        <p:txBody>
+          <a:bodyPr rtlCol="0" anchor="b"/>
+          <a:lstStyle/>
+          <a:p>
+            <a:pPr algn="ctr"/>
+            <a:r>
+              <a:rPr lang="en-US" altLang="ko-KR" sz="1400" b="1"/>
+              <a:t>Manager</a:t>
+            </a:r>
+            <a:endParaRPr lang="ko-KR" altLang="en-US" sz="1400" b="1"/>
+          </a:p>
+        </p:txBody>
+      </p:sp>
+      <p:sp>
+        <p:nvSpPr>
+          <p:cNvPr id="2" name="제목 1">
+            <a:extLst>
+              <a:ext uri="{FF2B5EF4-FFF2-40B4-BE49-F238E27FC236}">
+                <a16:creationId xmlns:a16="http://schemas.microsoft.com/office/drawing/2014/main" id="{863C5E05-8BC5-4B38-914D-CA849AA890EB}"/>
+              </a:ext>
+            </a:extLst>
+          </p:cNvPr>
+          <p:cNvSpPr>
+            <a:spLocks noGrp="1"/>
+          </p:cNvSpPr>
+          <p:nvPr>
+            <p:ph type="title"/>
+          </p:nvPr>
+        </p:nvSpPr>
+        <p:spPr>
+          <a:xfrm>
+            <a:off x="457200" y="-20538"/>
+            <a:ext cx="8229600" cy="857250"/>
+          </a:xfrm>
+        </p:spPr>
+        <p:txBody>
+          <a:bodyPr/>
+          <a:lstStyle/>
+          <a:p>
+            <a:r>
+              <a:rPr lang="en-US" altLang="ko-KR"/>
+              <a:t>Controller, Reconciler</a:t>
+            </a:r>
+            <a:endParaRPr lang="ko-KR" altLang="en-US"/>
+          </a:p>
+        </p:txBody>
+      </p:sp>
+      <p:sp>
+        <p:nvSpPr>
+          <p:cNvPr id="4" name="사각형: 둥근 모서리 3">
+            <a:extLst>
+              <a:ext uri="{FF2B5EF4-FFF2-40B4-BE49-F238E27FC236}">
+                <a16:creationId xmlns:a16="http://schemas.microsoft.com/office/drawing/2014/main" id="{386F61B5-5413-4E5F-8581-D2F17DAE5541}"/>
+              </a:ext>
+            </a:extLst>
+          </p:cNvPr>
+          <p:cNvSpPr/>
+          <p:nvPr/>
+        </p:nvSpPr>
+        <p:spPr>
+          <a:xfrm>
+            <a:off x="4148150" y="987574"/>
+            <a:ext cx="1368152" cy="622315"/>
+          </a:xfrm>
+          <a:prstGeom prst="roundRect">
+            <a:avLst/>
+          </a:prstGeom>
+        </p:spPr>
+        <p:style>
+          <a:lnRef idx="2">
+            <a:schemeClr val="dk1"/>
+          </a:lnRef>
+          <a:fillRef idx="1">
+            <a:schemeClr val="lt1"/>
+          </a:fillRef>
+          <a:effectRef idx="0">
+            <a:schemeClr val="dk1"/>
+          </a:effectRef>
+          <a:fontRef idx="minor">
+            <a:schemeClr val="dk1"/>
+          </a:fontRef>
+        </p:style>
+        <p:txBody>
+          <a:bodyPr rtlCol="0" anchor="ctr"/>
+          <a:lstStyle/>
+          <a:p>
+            <a:pPr algn="ctr"/>
+            <a:r>
+              <a:rPr lang="en-US" altLang="ko-KR" sz="1400"/>
+              <a:t>Kubernetes</a:t>
+            </a:r>
+          </a:p>
+          <a:p>
+            <a:pPr algn="ctr"/>
+            <a:r>
+              <a:rPr lang="en-US" altLang="ko-KR" sz="1400"/>
+              <a:t>API Server</a:t>
+            </a:r>
+            <a:endParaRPr lang="ko-KR" altLang="en-US" sz="1400"/>
+          </a:p>
+        </p:txBody>
+      </p:sp>
+      <p:sp>
+        <p:nvSpPr>
+          <p:cNvPr id="16" name="사각형: 둥근 모서리 15">
+            <a:extLst>
+              <a:ext uri="{FF2B5EF4-FFF2-40B4-BE49-F238E27FC236}">
+                <a16:creationId xmlns:a16="http://schemas.microsoft.com/office/drawing/2014/main" id="{A1B813EE-80F6-42C1-916E-4AB46A459F34}"/>
+              </a:ext>
+            </a:extLst>
+          </p:cNvPr>
+          <p:cNvSpPr/>
+          <p:nvPr/>
+        </p:nvSpPr>
+        <p:spPr>
+          <a:xfrm>
+            <a:off x="5163314" y="2764705"/>
+            <a:ext cx="3039586" cy="1077432"/>
+          </a:xfrm>
+          <a:prstGeom prst="roundRect">
+            <a:avLst>
+              <a:gd name="adj" fmla="val 7564"/>
+            </a:avLst>
+          </a:prstGeom>
+        </p:spPr>
+        <p:style>
+          <a:lnRef idx="2">
+            <a:schemeClr val="dk1"/>
+          </a:lnRef>
+          <a:fillRef idx="1">
+            <a:schemeClr val="lt1"/>
+          </a:fillRef>
+          <a:effectRef idx="0">
+            <a:schemeClr val="dk1"/>
+          </a:effectRef>
+          <a:fontRef idx="minor">
+            <a:schemeClr val="dk1"/>
+          </a:fontRef>
+        </p:style>
+        <p:txBody>
+          <a:bodyPr rtlCol="0" anchor="b"/>
+          <a:lstStyle/>
+          <a:p>
+            <a:pPr algn="ctr"/>
+            <a:r>
+              <a:rPr lang="en-US" altLang="ko-KR" sz="1400" b="1"/>
+              <a:t>Reconciler</a:t>
+            </a:r>
+            <a:endParaRPr lang="ko-KR" altLang="en-US" sz="1400" b="1"/>
+          </a:p>
+        </p:txBody>
+      </p:sp>
+      <p:sp>
+        <p:nvSpPr>
+          <p:cNvPr id="21" name="사각형: 둥근 모서리 20">
+            <a:extLst>
+              <a:ext uri="{FF2B5EF4-FFF2-40B4-BE49-F238E27FC236}">
+                <a16:creationId xmlns:a16="http://schemas.microsoft.com/office/drawing/2014/main" id="{5BA72481-834B-4E61-A1D8-A193E7E606EE}"/>
+              </a:ext>
+            </a:extLst>
+          </p:cNvPr>
+          <p:cNvSpPr/>
+          <p:nvPr/>
+        </p:nvSpPr>
+        <p:spPr>
+          <a:xfrm>
+            <a:off x="5263644" y="2852556"/>
+            <a:ext cx="1368152" cy="622316"/>
+          </a:xfrm>
+          <a:prstGeom prst="roundRect">
+            <a:avLst>
+              <a:gd name="adj" fmla="val 12994"/>
+            </a:avLst>
+          </a:prstGeom>
+        </p:spPr>
+        <p:style>
+          <a:lnRef idx="2">
+            <a:schemeClr val="dk1"/>
+          </a:lnRef>
+          <a:fillRef idx="1">
+            <a:schemeClr val="lt1"/>
+          </a:fillRef>
+          <a:effectRef idx="0">
+            <a:schemeClr val="dk1"/>
+          </a:effectRef>
+          <a:fontRef idx="minor">
+            <a:schemeClr val="dk1"/>
+          </a:fontRef>
+        </p:style>
+        <p:txBody>
+          <a:bodyPr rtlCol="0" anchor="ctr"/>
+          <a:lstStyle/>
+          <a:p>
+            <a:pPr algn="ctr"/>
+            <a:r>
+              <a:rPr lang="en-US" altLang="ko-KR" sz="1400"/>
+              <a:t>Manager</a:t>
+            </a:r>
+          </a:p>
+          <a:p>
+            <a:pPr algn="ctr"/>
+            <a:r>
+              <a:rPr lang="en-US" altLang="ko-KR" sz="1400"/>
+              <a:t>Client</a:t>
+            </a:r>
+            <a:endParaRPr lang="ko-KR" altLang="en-US" sz="1400"/>
+          </a:p>
+        </p:txBody>
+      </p:sp>
+      <p:sp>
+        <p:nvSpPr>
+          <p:cNvPr id="23" name="사각형: 둥근 모서리 22">
+            <a:extLst>
+              <a:ext uri="{FF2B5EF4-FFF2-40B4-BE49-F238E27FC236}">
+                <a16:creationId xmlns:a16="http://schemas.microsoft.com/office/drawing/2014/main" id="{534A9358-2212-45CE-96D2-6078B35950DC}"/>
+              </a:ext>
+            </a:extLst>
+          </p:cNvPr>
+          <p:cNvSpPr/>
+          <p:nvPr/>
+        </p:nvSpPr>
+        <p:spPr>
+          <a:xfrm>
+            <a:off x="6739622" y="2852556"/>
+            <a:ext cx="1368152" cy="622316"/>
+          </a:xfrm>
+          <a:prstGeom prst="roundRect">
+            <a:avLst>
+              <a:gd name="adj" fmla="val 12994"/>
+            </a:avLst>
+          </a:prstGeom>
+        </p:spPr>
+        <p:style>
+          <a:lnRef idx="2">
+            <a:schemeClr val="dk1"/>
+          </a:lnRef>
+          <a:fillRef idx="1">
+            <a:schemeClr val="lt1"/>
+          </a:fillRef>
+          <a:effectRef idx="0">
+            <a:schemeClr val="dk1"/>
+          </a:effectRef>
+          <a:fontRef idx="minor">
+            <a:schemeClr val="dk1"/>
+          </a:fontRef>
+        </p:style>
+        <p:txBody>
+          <a:bodyPr rtlCol="0" anchor="ctr"/>
+          <a:lstStyle/>
+          <a:p>
+            <a:pPr algn="ctr"/>
+            <a:r>
+              <a:rPr lang="en-US" altLang="ko-KR" sz="1400"/>
+              <a:t>Reconcile Loop</a:t>
+            </a:r>
+            <a:endParaRPr lang="ko-KR" altLang="en-US" sz="1400"/>
+          </a:p>
+        </p:txBody>
+      </p:sp>
+      <p:sp>
+        <p:nvSpPr>
+          <p:cNvPr id="26" name="사각형: 둥근 모서리 25">
+            <a:extLst>
+              <a:ext uri="{FF2B5EF4-FFF2-40B4-BE49-F238E27FC236}">
+                <a16:creationId xmlns:a16="http://schemas.microsoft.com/office/drawing/2014/main" id="{8AB6C791-67FA-4BF1-8626-6C1E3A51C502}"/>
+              </a:ext>
+            </a:extLst>
+          </p:cNvPr>
+          <p:cNvSpPr/>
+          <p:nvPr/>
+        </p:nvSpPr>
+        <p:spPr>
+          <a:xfrm>
+            <a:off x="1259632" y="2764705"/>
+            <a:ext cx="1569958" cy="1077432"/>
+          </a:xfrm>
+          <a:prstGeom prst="roundRect">
+            <a:avLst>
+              <a:gd name="adj" fmla="val 7564"/>
+            </a:avLst>
+          </a:prstGeom>
+        </p:spPr>
+        <p:style>
+          <a:lnRef idx="2">
+            <a:schemeClr val="dk1"/>
+          </a:lnRef>
+          <a:fillRef idx="1">
+            <a:schemeClr val="lt1"/>
+          </a:fillRef>
+          <a:effectRef idx="0">
+            <a:schemeClr val="dk1"/>
+          </a:effectRef>
+          <a:fontRef idx="minor">
+            <a:schemeClr val="dk1"/>
+          </a:fontRef>
+        </p:style>
+        <p:txBody>
+          <a:bodyPr rtlCol="0" anchor="b"/>
+          <a:lstStyle/>
+          <a:p>
+            <a:pPr algn="ctr"/>
+            <a:r>
+              <a:rPr lang="en-US" altLang="ko-KR" sz="1400" b="1"/>
+              <a:t>Controller</a:t>
+            </a:r>
+            <a:endParaRPr lang="ko-KR" altLang="en-US" sz="1400" b="1"/>
+          </a:p>
+        </p:txBody>
+      </p:sp>
+      <p:sp>
+        <p:nvSpPr>
+          <p:cNvPr id="27" name="사각형: 둥근 모서리 26">
+            <a:extLst>
+              <a:ext uri="{FF2B5EF4-FFF2-40B4-BE49-F238E27FC236}">
+                <a16:creationId xmlns:a16="http://schemas.microsoft.com/office/drawing/2014/main" id="{F0FD2BDB-2B47-49DD-A5EF-C36AB8E6D022}"/>
+              </a:ext>
+            </a:extLst>
+          </p:cNvPr>
+          <p:cNvSpPr/>
+          <p:nvPr/>
+        </p:nvSpPr>
+        <p:spPr>
+          <a:xfrm>
+            <a:off x="1353612" y="2852556"/>
+            <a:ext cx="1368152" cy="622316"/>
+          </a:xfrm>
+          <a:prstGeom prst="roundRect">
+            <a:avLst>
+              <a:gd name="adj" fmla="val 12994"/>
+            </a:avLst>
+          </a:prstGeom>
+        </p:spPr>
+        <p:style>
+          <a:lnRef idx="2">
+            <a:schemeClr val="dk1"/>
+          </a:lnRef>
+          <a:fillRef idx="1">
+            <a:schemeClr val="lt1"/>
+          </a:fillRef>
+          <a:effectRef idx="0">
+            <a:schemeClr val="dk1"/>
+          </a:effectRef>
+          <a:fontRef idx="minor">
+            <a:schemeClr val="dk1"/>
+          </a:fontRef>
+        </p:style>
+        <p:txBody>
+          <a:bodyPr rtlCol="0" anchor="ctr"/>
+          <a:lstStyle/>
+          <a:p>
+            <a:pPr algn="ctr"/>
+            <a:r>
+              <a:rPr lang="en-US" altLang="ko-KR" sz="1400"/>
+              <a:t>Worker Queue</a:t>
+            </a:r>
+            <a:endParaRPr lang="ko-KR" altLang="en-US" sz="1400"/>
+          </a:p>
+        </p:txBody>
+      </p:sp>
+      <p:sp>
+        <p:nvSpPr>
+          <p:cNvPr id="28" name="사각형: 둥근 모서리 27">
+            <a:extLst>
+              <a:ext uri="{FF2B5EF4-FFF2-40B4-BE49-F238E27FC236}">
+                <a16:creationId xmlns:a16="http://schemas.microsoft.com/office/drawing/2014/main" id="{E4D8DB64-BCBF-4901-A55E-778542BB6549}"/>
+              </a:ext>
+            </a:extLst>
+          </p:cNvPr>
+          <p:cNvSpPr/>
+          <p:nvPr/>
+        </p:nvSpPr>
+        <p:spPr>
+          <a:xfrm>
+            <a:off x="3039078" y="2852556"/>
+            <a:ext cx="1368152" cy="622316"/>
+          </a:xfrm>
+          <a:prstGeom prst="roundRect">
+            <a:avLst>
+              <a:gd name="adj" fmla="val 12994"/>
+            </a:avLst>
+          </a:prstGeom>
+        </p:spPr>
+        <p:style>
+          <a:lnRef idx="2">
+            <a:schemeClr val="dk1"/>
+          </a:lnRef>
+          <a:fillRef idx="1">
+            <a:schemeClr val="lt1"/>
+          </a:fillRef>
+          <a:effectRef idx="0">
+            <a:schemeClr val="dk1"/>
+          </a:effectRef>
+          <a:fontRef idx="minor">
+            <a:schemeClr val="dk1"/>
+          </a:fontRef>
+        </p:style>
+        <p:txBody>
+          <a:bodyPr rtlCol="0" anchor="ctr"/>
+          <a:lstStyle/>
+          <a:p>
+            <a:pPr algn="ctr"/>
+            <a:r>
+              <a:rPr lang="en-US" altLang="ko-KR" sz="1400"/>
+              <a:t>Cache</a:t>
+            </a:r>
+            <a:endParaRPr lang="ko-KR" altLang="en-US" sz="1400"/>
+          </a:p>
+        </p:txBody>
+      </p:sp>
+      <p:cxnSp>
+        <p:nvCxnSpPr>
+          <p:cNvPr id="33" name="직선 화살표 연결선 32">
+            <a:extLst>
+              <a:ext uri="{FF2B5EF4-FFF2-40B4-BE49-F238E27FC236}">
+                <a16:creationId xmlns:a16="http://schemas.microsoft.com/office/drawing/2014/main" id="{0CE42314-F022-41CD-833B-DFE2063EE64B}"/>
+              </a:ext>
+            </a:extLst>
+          </p:cNvPr>
+          <p:cNvCxnSpPr>
+            <a:stCxn id="4" idx="2"/>
+            <a:endCxn id="27" idx="0"/>
+          </p:cNvCxnSpPr>
+          <p:nvPr/>
+        </p:nvCxnSpPr>
+        <p:spPr>
+          <a:xfrm flipH="1">
             <a:off x="2037688" y="1609889"/>
             <a:ext cx="2794538" cy="1242667"/>
           </a:xfrm>
@@ -6968,7 +8759,7 @@
 </p:sld>
 </file>
 
-<file path=ppt/slides/slide5.xml><?xml version="1.0" encoding="utf-8"?>
+<file path=ppt/slides/slide6.xml><?xml version="1.0" encoding="utf-8"?>
 <p:sld xmlns:a="http://schemas.openxmlformats.org/drawingml/2006/main" xmlns:r="http://schemas.openxmlformats.org/officeDocument/2006/relationships" xmlns:p="http://schemas.openxmlformats.org/presentationml/2006/main">
   <p:cSld>
     <p:spTree>

--- a/images/programming/Kubernetes_Kubebuilder/Kubernetes_Kubebuilder.pptx
+++ b/images/programming/Kubernetes_Kubebuilder/Kubernetes_Kubebuilder.pptx
@@ -3495,8 +3495,8 @@
         </p:nvGrpSpPr>
         <p:grpSpPr>
           <a:xfrm>
-            <a:off x="6631840" y="2560967"/>
-            <a:ext cx="1571104" cy="930373"/>
+            <a:off x="6631840" y="2574238"/>
+            <a:ext cx="1571104" cy="903832"/>
             <a:chOff x="6631796" y="2721495"/>
             <a:chExt cx="1571104" cy="1002384"/>
           </a:xfrm>
@@ -3564,8 +3564,8 @@
           </p:nvSpPr>
           <p:spPr>
             <a:xfrm>
-              <a:off x="6739622" y="2791110"/>
-              <a:ext cx="1368152" cy="622316"/>
+              <a:off x="6739622" y="2856759"/>
+              <a:ext cx="1368152" cy="491021"/>
             </a:xfrm>
             <a:prstGeom prst="roundRect">
               <a:avLst>
@@ -3594,7 +3594,7 @@
               <a:pPr algn="ctr"/>
               <a:r>
                 <a:rPr lang="en-US" altLang="ko-KR" sz="1400"/>
-                <a:t>Reconcile Loop</a:t>
+                <a:t>Reconciler</a:t>
               </a:r>
               <a:endParaRPr lang="ko-KR" altLang="en-US" sz="1400"/>
             </a:p>
@@ -3952,126 +3952,6 @@
           </a:p>
         </p:txBody>
       </p:sp>
-      <p:grpSp>
-        <p:nvGrpSpPr>
-          <p:cNvPr id="43" name="그룹 42">
-            <a:extLst>
-              <a:ext uri="{FF2B5EF4-FFF2-40B4-BE49-F238E27FC236}">
-                <a16:creationId xmlns:a16="http://schemas.microsoft.com/office/drawing/2014/main" id="{BC5673CA-E261-4B38-AACB-FC51499BE4B7}"/>
-              </a:ext>
-            </a:extLst>
-          </p:cNvPr>
-          <p:cNvGrpSpPr/>
-          <p:nvPr/>
-        </p:nvGrpSpPr>
-        <p:grpSpPr>
-          <a:xfrm>
-            <a:off x="6631840" y="3564288"/>
-            <a:ext cx="1571104" cy="930373"/>
-            <a:chOff x="6631796" y="2721495"/>
-            <a:chExt cx="1571104" cy="1002384"/>
-          </a:xfrm>
-        </p:grpSpPr>
-        <p:sp>
-          <p:nvSpPr>
-            <p:cNvPr id="44" name="사각형: 둥근 모서리 43">
-              <a:extLst>
-                <a:ext uri="{FF2B5EF4-FFF2-40B4-BE49-F238E27FC236}">
-                  <a16:creationId xmlns:a16="http://schemas.microsoft.com/office/drawing/2014/main" id="{F27429FC-F580-4BBD-B017-F138C6C52E0F}"/>
-                </a:ext>
-              </a:extLst>
-            </p:cNvPr>
-            <p:cNvSpPr/>
-            <p:nvPr/>
-          </p:nvSpPr>
-          <p:spPr>
-            <a:xfrm>
-              <a:off x="6631796" y="2721495"/>
-              <a:ext cx="1571104" cy="1002384"/>
-            </a:xfrm>
-            <a:prstGeom prst="roundRect">
-              <a:avLst>
-                <a:gd name="adj" fmla="val 7564"/>
-              </a:avLst>
-            </a:prstGeom>
-          </p:spPr>
-          <p:style>
-            <a:lnRef idx="2">
-              <a:schemeClr val="dk1"/>
-            </a:lnRef>
-            <a:fillRef idx="1">
-              <a:schemeClr val="lt1"/>
-            </a:fillRef>
-            <a:effectRef idx="0">
-              <a:schemeClr val="dk1"/>
-            </a:effectRef>
-            <a:fontRef idx="minor">
-              <a:schemeClr val="dk1"/>
-            </a:fontRef>
-          </p:style>
-          <p:txBody>
-            <a:bodyPr rtlCol="0" anchor="b"/>
-            <a:lstStyle/>
-            <a:p>
-              <a:pPr algn="ctr"/>
-              <a:r>
-                <a:rPr lang="en-US" altLang="ko-KR" sz="1400" b="1"/>
-                <a:t>Controller B</a:t>
-              </a:r>
-            </a:p>
-          </p:txBody>
-        </p:sp>
-        <p:sp>
-          <p:nvSpPr>
-            <p:cNvPr id="45" name="사각형: 둥근 모서리 44">
-              <a:extLst>
-                <a:ext uri="{FF2B5EF4-FFF2-40B4-BE49-F238E27FC236}">
-                  <a16:creationId xmlns:a16="http://schemas.microsoft.com/office/drawing/2014/main" id="{0EB08FA0-FF4F-4BF7-A488-CD211D437C8E}"/>
-                </a:ext>
-              </a:extLst>
-            </p:cNvPr>
-            <p:cNvSpPr/>
-            <p:nvPr/>
-          </p:nvSpPr>
-          <p:spPr>
-            <a:xfrm>
-              <a:off x="6739622" y="2791110"/>
-              <a:ext cx="1368152" cy="622316"/>
-            </a:xfrm>
-            <a:prstGeom prst="roundRect">
-              <a:avLst>
-                <a:gd name="adj" fmla="val 12994"/>
-              </a:avLst>
-            </a:prstGeom>
-          </p:spPr>
-          <p:style>
-            <a:lnRef idx="2">
-              <a:schemeClr val="dk1"/>
-            </a:lnRef>
-            <a:fillRef idx="1">
-              <a:schemeClr val="lt1"/>
-            </a:fillRef>
-            <a:effectRef idx="0">
-              <a:schemeClr val="dk1"/>
-            </a:effectRef>
-            <a:fontRef idx="minor">
-              <a:schemeClr val="dk1"/>
-            </a:fontRef>
-          </p:style>
-          <p:txBody>
-            <a:bodyPr rtlCol="0" anchor="ctr"/>
-            <a:lstStyle/>
-            <a:p>
-              <a:pPr algn="ctr"/>
-              <a:r>
-                <a:rPr lang="en-US" altLang="ko-KR" sz="1400"/>
-                <a:t>Reconcile Loop</a:t>
-              </a:r>
-              <a:endParaRPr lang="ko-KR" altLang="en-US" sz="1400"/>
-            </a:p>
-          </p:txBody>
-        </p:sp>
-      </p:grpSp>
       <p:grpSp>
         <p:nvGrpSpPr>
           <p:cNvPr id="150" name="그룹 149">
@@ -4383,7 +4263,7 @@
         <p:spPr>
           <a:xfrm flipH="1" flipV="1">
             <a:off x="5004048" y="2913095"/>
-            <a:ext cx="1735618" cy="1291"/>
+            <a:ext cx="1735618" cy="4481"/>
           </a:xfrm>
           <a:prstGeom prst="straightConnector1">
             <a:avLst/>
@@ -4411,6 +4291,736 @@
           </a:fontRef>
         </p:style>
       </p:cxnSp>
+      <p:cxnSp>
+        <p:nvCxnSpPr>
+          <p:cNvPr id="107" name="직선 화살표 연결선 106">
+            <a:extLst>
+              <a:ext uri="{FF2B5EF4-FFF2-40B4-BE49-F238E27FC236}">
+                <a16:creationId xmlns:a16="http://schemas.microsoft.com/office/drawing/2014/main" id="{2A360D0A-8004-4CEA-AC9F-13C632BD97D3}"/>
+              </a:ext>
+            </a:extLst>
+          </p:cNvPr>
+          <p:cNvCxnSpPr>
+            <a:cxnSpLocks/>
+            <a:stCxn id="27" idx="0"/>
+            <a:endCxn id="4" idx="2"/>
+          </p:cNvCxnSpPr>
+          <p:nvPr/>
+        </p:nvCxnSpPr>
+        <p:spPr>
+          <a:xfrm flipH="1" flipV="1">
+            <a:off x="2800829" y="1249849"/>
+            <a:ext cx="1471454" cy="1440202"/>
+          </a:xfrm>
+          <a:prstGeom prst="straightConnector1">
+            <a:avLst/>
+          </a:prstGeom>
+          <a:ln w="28575">
+            <a:solidFill>
+              <a:schemeClr val="tx1"/>
+            </a:solidFill>
+            <a:headEnd type="none" w="med" len="med"/>
+            <a:tailEnd type="arrow" w="med" len="med"/>
+          </a:ln>
+        </p:spPr>
+        <p:style>
+          <a:lnRef idx="1">
+            <a:schemeClr val="accent1"/>
+          </a:lnRef>
+          <a:fillRef idx="0">
+            <a:schemeClr val="accent1"/>
+          </a:fillRef>
+          <a:effectRef idx="0">
+            <a:schemeClr val="accent1"/>
+          </a:effectRef>
+          <a:fontRef idx="minor">
+            <a:schemeClr val="tx1"/>
+          </a:fontRef>
+        </p:style>
+      </p:cxnSp>
+      <p:cxnSp>
+        <p:nvCxnSpPr>
+          <p:cNvPr id="120" name="직선 화살표 연결선 119">
+            <a:extLst>
+              <a:ext uri="{FF2B5EF4-FFF2-40B4-BE49-F238E27FC236}">
+                <a16:creationId xmlns:a16="http://schemas.microsoft.com/office/drawing/2014/main" id="{0891CEF7-6433-4796-BFBC-C787312A0809}"/>
+              </a:ext>
+            </a:extLst>
+          </p:cNvPr>
+          <p:cNvCxnSpPr>
+            <a:cxnSpLocks/>
+            <a:stCxn id="23" idx="1"/>
+            <a:endCxn id="60" idx="3"/>
+          </p:cNvCxnSpPr>
+          <p:nvPr/>
+        </p:nvCxnSpPr>
+        <p:spPr>
+          <a:xfrm flipH="1">
+            <a:off x="5004048" y="2917576"/>
+            <a:ext cx="1735618" cy="615592"/>
+          </a:xfrm>
+          <a:prstGeom prst="straightConnector1">
+            <a:avLst/>
+          </a:prstGeom>
+          <a:ln w="28575">
+            <a:solidFill>
+              <a:schemeClr val="tx2"/>
+            </a:solidFill>
+            <a:headEnd type="arrow" w="med" len="med"/>
+            <a:tailEnd type="arrow" w="med" len="med"/>
+          </a:ln>
+        </p:spPr>
+        <p:style>
+          <a:lnRef idx="1">
+            <a:schemeClr val="accent1"/>
+          </a:lnRef>
+          <a:fillRef idx="0">
+            <a:schemeClr val="accent1"/>
+          </a:fillRef>
+          <a:effectRef idx="0">
+            <a:schemeClr val="accent1"/>
+          </a:effectRef>
+          <a:fontRef idx="minor">
+            <a:schemeClr val="tx1"/>
+          </a:fontRef>
+        </p:style>
+      </p:cxnSp>
+      <p:sp>
+        <p:nvSpPr>
+          <p:cNvPr id="126" name="TextBox 125">
+            <a:extLst>
+              <a:ext uri="{FF2B5EF4-FFF2-40B4-BE49-F238E27FC236}">
+                <a16:creationId xmlns:a16="http://schemas.microsoft.com/office/drawing/2014/main" id="{517E2A38-BDE7-478E-9AEB-F8FCA7C2CD2A}"/>
+              </a:ext>
+            </a:extLst>
+          </p:cNvPr>
+          <p:cNvSpPr txBox="1"/>
+          <p:nvPr/>
+        </p:nvSpPr>
+        <p:spPr>
+          <a:xfrm>
+            <a:off x="5076056" y="3478070"/>
+            <a:ext cx="1481624" cy="461665"/>
+          </a:xfrm>
+          <a:prstGeom prst="rect">
+            <a:avLst/>
+          </a:prstGeom>
+          <a:noFill/>
+        </p:spPr>
+        <p:txBody>
+          <a:bodyPr wrap="none" rtlCol="0">
+            <a:spAutoFit/>
+          </a:bodyPr>
+          <a:lstStyle/>
+          <a:p>
+            <a:pPr algn="ctr"/>
+            <a:r>
+              <a:rPr lang="en-US" altLang="ko-KR" sz="1200">
+                <a:solidFill>
+                  <a:schemeClr val="tx2"/>
+                </a:solidFill>
+              </a:rPr>
+              <a:t>Dequeue/Requeue</a:t>
+            </a:r>
+          </a:p>
+          <a:p>
+            <a:pPr algn="ctr"/>
+            <a:r>
+              <a:rPr lang="en-US" altLang="ko-KR" sz="1200">
+                <a:solidFill>
+                  <a:schemeClr val="tx2"/>
+                </a:solidFill>
+              </a:rPr>
+              <a:t>Object NS,Name</a:t>
+            </a:r>
+          </a:p>
+        </p:txBody>
+      </p:sp>
+      <p:cxnSp>
+        <p:nvCxnSpPr>
+          <p:cNvPr id="141" name="직선 화살표 연결선 140">
+            <a:extLst>
+              <a:ext uri="{FF2B5EF4-FFF2-40B4-BE49-F238E27FC236}">
+                <a16:creationId xmlns:a16="http://schemas.microsoft.com/office/drawing/2014/main" id="{00BAD58C-D8FD-4731-BD50-F98158E03AF6}"/>
+              </a:ext>
+            </a:extLst>
+          </p:cNvPr>
+          <p:cNvCxnSpPr>
+            <a:cxnSpLocks/>
+            <a:stCxn id="4" idx="2"/>
+            <a:endCxn id="28" idx="0"/>
+          </p:cNvCxnSpPr>
+          <p:nvPr/>
+        </p:nvCxnSpPr>
+        <p:spPr>
+          <a:xfrm flipH="1">
+            <a:off x="1952849" y="1249849"/>
+            <a:ext cx="847980" cy="1917082"/>
+          </a:xfrm>
+          <a:prstGeom prst="straightConnector1">
+            <a:avLst/>
+          </a:prstGeom>
+          <a:ln w="28575">
+            <a:solidFill>
+              <a:schemeClr val="tx1"/>
+            </a:solidFill>
+            <a:headEnd type="none" w="med" len="med"/>
+            <a:tailEnd type="arrow" w="med" len="med"/>
+          </a:ln>
+        </p:spPr>
+        <p:style>
+          <a:lnRef idx="1">
+            <a:schemeClr val="accent1"/>
+          </a:lnRef>
+          <a:fillRef idx="0">
+            <a:schemeClr val="accent1"/>
+          </a:fillRef>
+          <a:effectRef idx="0">
+            <a:schemeClr val="accent1"/>
+          </a:effectRef>
+          <a:fontRef idx="minor">
+            <a:schemeClr val="tx1"/>
+          </a:fontRef>
+        </p:style>
+      </p:cxnSp>
+      <p:cxnSp>
+        <p:nvCxnSpPr>
+          <p:cNvPr id="145" name="직선 화살표 연결선 144">
+            <a:extLst>
+              <a:ext uri="{FF2B5EF4-FFF2-40B4-BE49-F238E27FC236}">
+                <a16:creationId xmlns:a16="http://schemas.microsoft.com/office/drawing/2014/main" id="{9FFBAE37-72E1-4955-9DE7-6AF4CA17A7DD}"/>
+              </a:ext>
+            </a:extLst>
+          </p:cNvPr>
+          <p:cNvCxnSpPr>
+            <a:cxnSpLocks/>
+            <a:stCxn id="28" idx="3"/>
+            <a:endCxn id="27" idx="1"/>
+          </p:cNvCxnSpPr>
+          <p:nvPr/>
+        </p:nvCxnSpPr>
+        <p:spPr>
+          <a:xfrm flipV="1">
+            <a:off x="2646981" y="2913095"/>
+            <a:ext cx="893537" cy="648550"/>
+          </a:xfrm>
+          <a:prstGeom prst="straightConnector1">
+            <a:avLst/>
+          </a:prstGeom>
+          <a:ln w="28575">
+            <a:solidFill>
+              <a:schemeClr val="tx1"/>
+            </a:solidFill>
+            <a:headEnd type="none" w="med" len="med"/>
+            <a:tailEnd type="arrow" w="med" len="med"/>
+          </a:ln>
+        </p:spPr>
+        <p:style>
+          <a:lnRef idx="1">
+            <a:schemeClr val="accent1"/>
+          </a:lnRef>
+          <a:fillRef idx="0">
+            <a:schemeClr val="accent1"/>
+          </a:fillRef>
+          <a:effectRef idx="0">
+            <a:schemeClr val="accent1"/>
+          </a:effectRef>
+          <a:fontRef idx="minor">
+            <a:schemeClr val="tx1"/>
+          </a:fontRef>
+        </p:style>
+      </p:cxnSp>
+      <p:sp>
+        <p:nvSpPr>
+          <p:cNvPr id="149" name="TextBox 148">
+            <a:extLst>
+              <a:ext uri="{FF2B5EF4-FFF2-40B4-BE49-F238E27FC236}">
+                <a16:creationId xmlns:a16="http://schemas.microsoft.com/office/drawing/2014/main" id="{22E48EE0-8638-475A-ABD3-96DD7E6A3034}"/>
+              </a:ext>
+            </a:extLst>
+          </p:cNvPr>
+          <p:cNvSpPr txBox="1"/>
+          <p:nvPr/>
+        </p:nvSpPr>
+        <p:spPr>
+          <a:xfrm>
+            <a:off x="2634334" y="2741645"/>
+            <a:ext cx="641522" cy="461665"/>
+          </a:xfrm>
+          <a:prstGeom prst="rect">
+            <a:avLst/>
+          </a:prstGeom>
+          <a:noFill/>
+        </p:spPr>
+        <p:txBody>
+          <a:bodyPr wrap="none" rtlCol="0">
+            <a:spAutoFit/>
+          </a:bodyPr>
+          <a:lstStyle/>
+          <a:p>
+            <a:pPr algn="ctr"/>
+            <a:r>
+              <a:rPr lang="en-US" altLang="ko-KR" sz="1200"/>
+              <a:t>Read</a:t>
+            </a:r>
+          </a:p>
+          <a:p>
+            <a:pPr algn="ctr"/>
+            <a:r>
+              <a:rPr lang="en-US" altLang="ko-KR" sz="1200"/>
+              <a:t>Object</a:t>
+            </a:r>
+            <a:endParaRPr lang="ko-KR" altLang="en-US" sz="1200"/>
+          </a:p>
+        </p:txBody>
+      </p:sp>
+      <p:cxnSp>
+        <p:nvCxnSpPr>
+          <p:cNvPr id="151" name="직선 화살표 연결선 150">
+            <a:extLst>
+              <a:ext uri="{FF2B5EF4-FFF2-40B4-BE49-F238E27FC236}">
+                <a16:creationId xmlns:a16="http://schemas.microsoft.com/office/drawing/2014/main" id="{0D9194DB-1BB5-4AFD-87C1-8D05C026D2B1}"/>
+              </a:ext>
+            </a:extLst>
+          </p:cNvPr>
+          <p:cNvCxnSpPr>
+            <a:cxnSpLocks/>
+            <a:stCxn id="46" idx="3"/>
+            <a:endCxn id="60" idx="1"/>
+          </p:cNvCxnSpPr>
+          <p:nvPr/>
+        </p:nvCxnSpPr>
+        <p:spPr>
+          <a:xfrm>
+            <a:off x="2542864" y="3426965"/>
+            <a:ext cx="997654" cy="106203"/>
+          </a:xfrm>
+          <a:prstGeom prst="straightConnector1">
+            <a:avLst/>
+          </a:prstGeom>
+          <a:ln w="28575">
+            <a:solidFill>
+              <a:srgbClr val="C00000"/>
+            </a:solidFill>
+            <a:headEnd type="none" w="med" len="med"/>
+            <a:tailEnd type="arrow" w="med" len="med"/>
+          </a:ln>
+        </p:spPr>
+        <p:style>
+          <a:lnRef idx="1">
+            <a:schemeClr val="accent1"/>
+          </a:lnRef>
+          <a:fillRef idx="0">
+            <a:schemeClr val="accent1"/>
+          </a:fillRef>
+          <a:effectRef idx="0">
+            <a:schemeClr val="accent1"/>
+          </a:effectRef>
+          <a:fontRef idx="minor">
+            <a:schemeClr val="tx1"/>
+          </a:fontRef>
+        </p:style>
+      </p:cxnSp>
+      <p:cxnSp>
+        <p:nvCxnSpPr>
+          <p:cNvPr id="154" name="직선 화살표 연결선 153">
+            <a:extLst>
+              <a:ext uri="{FF2B5EF4-FFF2-40B4-BE49-F238E27FC236}">
+                <a16:creationId xmlns:a16="http://schemas.microsoft.com/office/drawing/2014/main" id="{1F644FD8-FC8A-46CF-880F-5F7650D15568}"/>
+              </a:ext>
+            </a:extLst>
+          </p:cNvPr>
+          <p:cNvCxnSpPr>
+            <a:cxnSpLocks/>
+            <a:stCxn id="46" idx="3"/>
+            <a:endCxn id="61" idx="1"/>
+          </p:cNvCxnSpPr>
+          <p:nvPr/>
+        </p:nvCxnSpPr>
+        <p:spPr>
+          <a:xfrm>
+            <a:off x="2542864" y="3426965"/>
+            <a:ext cx="997654" cy="726276"/>
+          </a:xfrm>
+          <a:prstGeom prst="straightConnector1">
+            <a:avLst/>
+          </a:prstGeom>
+          <a:ln w="28575">
+            <a:solidFill>
+              <a:srgbClr val="C00000"/>
+            </a:solidFill>
+            <a:headEnd type="none" w="med" len="med"/>
+            <a:tailEnd type="arrow" w="med" len="med"/>
+          </a:ln>
+        </p:spPr>
+        <p:style>
+          <a:lnRef idx="1">
+            <a:schemeClr val="accent1"/>
+          </a:lnRef>
+          <a:fillRef idx="0">
+            <a:schemeClr val="accent1"/>
+          </a:fillRef>
+          <a:effectRef idx="0">
+            <a:schemeClr val="accent1"/>
+          </a:effectRef>
+          <a:fontRef idx="minor">
+            <a:schemeClr val="tx1"/>
+          </a:fontRef>
+        </p:style>
+      </p:cxnSp>
+      <p:sp>
+        <p:nvSpPr>
+          <p:cNvPr id="158" name="TextBox 157">
+            <a:extLst>
+              <a:ext uri="{FF2B5EF4-FFF2-40B4-BE49-F238E27FC236}">
+                <a16:creationId xmlns:a16="http://schemas.microsoft.com/office/drawing/2014/main" id="{ECEDEECE-F2AC-43AD-A0E9-9650375F2739}"/>
+              </a:ext>
+            </a:extLst>
+          </p:cNvPr>
+          <p:cNvSpPr txBox="1"/>
+          <p:nvPr/>
+        </p:nvSpPr>
+        <p:spPr>
+          <a:xfrm>
+            <a:off x="2268443" y="3886946"/>
+            <a:ext cx="1343638" cy="461665"/>
+          </a:xfrm>
+          <a:prstGeom prst="rect">
+            <a:avLst/>
+          </a:prstGeom>
+          <a:noFill/>
+        </p:spPr>
+        <p:txBody>
+          <a:bodyPr wrap="none" rtlCol="0" anchor="ctr">
+            <a:spAutoFit/>
+          </a:bodyPr>
+          <a:lstStyle/>
+          <a:p>
+            <a:pPr algn="ctr"/>
+            <a:r>
+              <a:rPr lang="en-US" altLang="ko-KR" sz="1200">
+                <a:solidFill>
+                  <a:srgbClr val="C00000"/>
+                </a:solidFill>
+              </a:rPr>
+              <a:t>Enqueue </a:t>
+            </a:r>
+          </a:p>
+          <a:p>
+            <a:pPr algn="ctr"/>
+            <a:r>
+              <a:rPr lang="en-US" altLang="ko-KR" sz="1200">
+                <a:solidFill>
+                  <a:srgbClr val="C00000"/>
+                </a:solidFill>
+              </a:rPr>
+              <a:t>Object NS,Name</a:t>
+            </a:r>
+            <a:endParaRPr lang="ko-KR" altLang="en-US" sz="1200">
+              <a:solidFill>
+                <a:srgbClr val="C00000"/>
+              </a:solidFill>
+            </a:endParaRPr>
+          </a:p>
+        </p:txBody>
+      </p:sp>
+      <p:cxnSp>
+        <p:nvCxnSpPr>
+          <p:cNvPr id="159" name="직선 화살표 연결선 158">
+            <a:extLst>
+              <a:ext uri="{FF2B5EF4-FFF2-40B4-BE49-F238E27FC236}">
+                <a16:creationId xmlns:a16="http://schemas.microsoft.com/office/drawing/2014/main" id="{35212B0E-6628-4913-B92C-2C4E34274FDE}"/>
+              </a:ext>
+            </a:extLst>
+          </p:cNvPr>
+          <p:cNvCxnSpPr>
+            <a:cxnSpLocks/>
+          </p:cNvCxnSpPr>
+          <p:nvPr/>
+        </p:nvCxnSpPr>
+        <p:spPr>
+          <a:xfrm flipV="1">
+            <a:off x="1763688" y="1249849"/>
+            <a:ext cx="847980" cy="1986310"/>
+          </a:xfrm>
+          <a:prstGeom prst="straightConnector1">
+            <a:avLst/>
+          </a:prstGeom>
+          <a:ln w="28575">
+            <a:solidFill>
+              <a:schemeClr val="tx1"/>
+            </a:solidFill>
+            <a:headEnd type="none" w="med" len="med"/>
+            <a:tailEnd type="arrow" w="med" len="med"/>
+          </a:ln>
+        </p:spPr>
+        <p:style>
+          <a:lnRef idx="1">
+            <a:schemeClr val="accent1"/>
+          </a:lnRef>
+          <a:fillRef idx="0">
+            <a:schemeClr val="accent1"/>
+          </a:fillRef>
+          <a:effectRef idx="0">
+            <a:schemeClr val="accent1"/>
+          </a:effectRef>
+          <a:fontRef idx="minor">
+            <a:schemeClr val="tx1"/>
+          </a:fontRef>
+        </p:style>
+      </p:cxnSp>
+      <p:sp>
+        <p:nvSpPr>
+          <p:cNvPr id="162" name="TextBox 161">
+            <a:extLst>
+              <a:ext uri="{FF2B5EF4-FFF2-40B4-BE49-F238E27FC236}">
+                <a16:creationId xmlns:a16="http://schemas.microsoft.com/office/drawing/2014/main" id="{9FD00801-6A1B-45E7-9A2A-D322321864C3}"/>
+              </a:ext>
+            </a:extLst>
+          </p:cNvPr>
+          <p:cNvSpPr txBox="1"/>
+          <p:nvPr/>
+        </p:nvSpPr>
+        <p:spPr>
+          <a:xfrm>
+            <a:off x="1648618" y="1729177"/>
+            <a:ext cx="641522" cy="461665"/>
+          </a:xfrm>
+          <a:prstGeom prst="rect">
+            <a:avLst/>
+          </a:prstGeom>
+          <a:noFill/>
+        </p:spPr>
+        <p:txBody>
+          <a:bodyPr wrap="none" rtlCol="0">
+            <a:spAutoFit/>
+          </a:bodyPr>
+          <a:lstStyle/>
+          <a:p>
+            <a:pPr algn="ctr"/>
+            <a:r>
+              <a:rPr lang="en-US" altLang="ko-KR" sz="1200"/>
+              <a:t>Watch</a:t>
+            </a:r>
+          </a:p>
+          <a:p>
+            <a:pPr algn="ctr"/>
+            <a:r>
+              <a:rPr lang="en-US" altLang="ko-KR" sz="1200"/>
+              <a:t>Object</a:t>
+            </a:r>
+            <a:endParaRPr lang="ko-KR" altLang="en-US" sz="1200"/>
+          </a:p>
+        </p:txBody>
+      </p:sp>
+      <p:sp>
+        <p:nvSpPr>
+          <p:cNvPr id="163" name="TextBox 162">
+            <a:extLst>
+              <a:ext uri="{FF2B5EF4-FFF2-40B4-BE49-F238E27FC236}">
+                <a16:creationId xmlns:a16="http://schemas.microsoft.com/office/drawing/2014/main" id="{7A6F0006-B1AC-4E30-A870-903BDDFE92F1}"/>
+              </a:ext>
+            </a:extLst>
+          </p:cNvPr>
+          <p:cNvSpPr txBox="1"/>
+          <p:nvPr/>
+        </p:nvSpPr>
+        <p:spPr>
+          <a:xfrm>
+            <a:off x="2427188" y="1733533"/>
+            <a:ext cx="641522" cy="461665"/>
+          </a:xfrm>
+          <a:prstGeom prst="rect">
+            <a:avLst/>
+          </a:prstGeom>
+          <a:noFill/>
+        </p:spPr>
+        <p:txBody>
+          <a:bodyPr wrap="none" rtlCol="0">
+            <a:spAutoFit/>
+          </a:bodyPr>
+          <a:lstStyle/>
+          <a:p>
+            <a:pPr algn="ctr"/>
+            <a:r>
+              <a:rPr lang="en-US" altLang="ko-KR" sz="1200"/>
+              <a:t>Sync</a:t>
+            </a:r>
+            <a:br>
+              <a:rPr lang="en-US" altLang="ko-KR" sz="1200"/>
+            </a:br>
+            <a:r>
+              <a:rPr lang="en-US" altLang="ko-KR" sz="1200"/>
+              <a:t>Object</a:t>
+            </a:r>
+            <a:endParaRPr lang="ko-KR" altLang="en-US" sz="1200"/>
+          </a:p>
+        </p:txBody>
+      </p:sp>
+      <p:sp>
+        <p:nvSpPr>
+          <p:cNvPr id="164" name="TextBox 163">
+            <a:extLst>
+              <a:ext uri="{FF2B5EF4-FFF2-40B4-BE49-F238E27FC236}">
+                <a16:creationId xmlns:a16="http://schemas.microsoft.com/office/drawing/2014/main" id="{19F8D1DB-0FDC-44CD-AEE2-489022E8B969}"/>
+              </a:ext>
+            </a:extLst>
+          </p:cNvPr>
+          <p:cNvSpPr txBox="1"/>
+          <p:nvPr/>
+        </p:nvSpPr>
+        <p:spPr>
+          <a:xfrm>
+            <a:off x="3635896" y="1733533"/>
+            <a:ext cx="641522" cy="461665"/>
+          </a:xfrm>
+          <a:prstGeom prst="rect">
+            <a:avLst/>
+          </a:prstGeom>
+          <a:noFill/>
+        </p:spPr>
+        <p:txBody>
+          <a:bodyPr wrap="none" rtlCol="0">
+            <a:spAutoFit/>
+          </a:bodyPr>
+          <a:lstStyle/>
+          <a:p>
+            <a:pPr algn="ctr"/>
+            <a:r>
+              <a:rPr lang="en-US" altLang="ko-KR" sz="1200"/>
+              <a:t>Write</a:t>
+            </a:r>
+            <a:br>
+              <a:rPr lang="en-US" altLang="ko-KR" sz="1200"/>
+            </a:br>
+            <a:r>
+              <a:rPr lang="en-US" altLang="ko-KR" sz="1200"/>
+              <a:t>Object</a:t>
+            </a:r>
+            <a:endParaRPr lang="ko-KR" altLang="en-US" sz="1200"/>
+          </a:p>
+        </p:txBody>
+      </p:sp>
+      <p:grpSp>
+        <p:nvGrpSpPr>
+          <p:cNvPr id="47" name="그룹 46">
+            <a:extLst>
+              <a:ext uri="{FF2B5EF4-FFF2-40B4-BE49-F238E27FC236}">
+                <a16:creationId xmlns:a16="http://schemas.microsoft.com/office/drawing/2014/main" id="{053F8CEF-006C-4992-B4B1-12297D7D8380}"/>
+              </a:ext>
+            </a:extLst>
+          </p:cNvPr>
+          <p:cNvGrpSpPr/>
+          <p:nvPr/>
+        </p:nvGrpSpPr>
+        <p:grpSpPr>
+          <a:xfrm>
+            <a:off x="6631840" y="3560202"/>
+            <a:ext cx="1571104" cy="903832"/>
+            <a:chOff x="6631796" y="2721495"/>
+            <a:chExt cx="1571104" cy="1002384"/>
+          </a:xfrm>
+        </p:grpSpPr>
+        <p:sp>
+          <p:nvSpPr>
+            <p:cNvPr id="48" name="사각형: 둥근 모서리 47">
+              <a:extLst>
+                <a:ext uri="{FF2B5EF4-FFF2-40B4-BE49-F238E27FC236}">
+                  <a16:creationId xmlns:a16="http://schemas.microsoft.com/office/drawing/2014/main" id="{750FC1AF-AA43-467C-81BA-6014CF4E7824}"/>
+                </a:ext>
+              </a:extLst>
+            </p:cNvPr>
+            <p:cNvSpPr/>
+            <p:nvPr/>
+          </p:nvSpPr>
+          <p:spPr>
+            <a:xfrm>
+              <a:off x="6631796" y="2721495"/>
+              <a:ext cx="1571104" cy="1002384"/>
+            </a:xfrm>
+            <a:prstGeom prst="roundRect">
+              <a:avLst>
+                <a:gd name="adj" fmla="val 7564"/>
+              </a:avLst>
+            </a:prstGeom>
+          </p:spPr>
+          <p:style>
+            <a:lnRef idx="2">
+              <a:schemeClr val="dk1"/>
+            </a:lnRef>
+            <a:fillRef idx="1">
+              <a:schemeClr val="lt1"/>
+            </a:fillRef>
+            <a:effectRef idx="0">
+              <a:schemeClr val="dk1"/>
+            </a:effectRef>
+            <a:fontRef idx="minor">
+              <a:schemeClr val="dk1"/>
+            </a:fontRef>
+          </p:style>
+          <p:txBody>
+            <a:bodyPr rtlCol="0" anchor="b"/>
+            <a:lstStyle/>
+            <a:p>
+              <a:pPr algn="ctr"/>
+              <a:r>
+                <a:rPr lang="en-US" altLang="ko-KR" sz="1400" b="1"/>
+                <a:t>Controller B</a:t>
+              </a:r>
+            </a:p>
+          </p:txBody>
+        </p:sp>
+        <p:sp>
+          <p:nvSpPr>
+            <p:cNvPr id="49" name="사각형: 둥근 모서리 48">
+              <a:extLst>
+                <a:ext uri="{FF2B5EF4-FFF2-40B4-BE49-F238E27FC236}">
+                  <a16:creationId xmlns:a16="http://schemas.microsoft.com/office/drawing/2014/main" id="{308D2CC6-0C88-4773-96E8-B097DFE26DFE}"/>
+                </a:ext>
+              </a:extLst>
+            </p:cNvPr>
+            <p:cNvSpPr/>
+            <p:nvPr/>
+          </p:nvSpPr>
+          <p:spPr>
+            <a:xfrm>
+              <a:off x="6739622" y="2856759"/>
+              <a:ext cx="1368152" cy="491021"/>
+            </a:xfrm>
+            <a:prstGeom prst="roundRect">
+              <a:avLst>
+                <a:gd name="adj" fmla="val 12994"/>
+              </a:avLst>
+            </a:prstGeom>
+          </p:spPr>
+          <p:style>
+            <a:lnRef idx="2">
+              <a:schemeClr val="dk1"/>
+            </a:lnRef>
+            <a:fillRef idx="1">
+              <a:schemeClr val="lt1"/>
+            </a:fillRef>
+            <a:effectRef idx="0">
+              <a:schemeClr val="dk1"/>
+            </a:effectRef>
+            <a:fontRef idx="minor">
+              <a:schemeClr val="dk1"/>
+            </a:fontRef>
+          </p:style>
+          <p:txBody>
+            <a:bodyPr rtlCol="0" anchor="ctr"/>
+            <a:lstStyle/>
+            <a:p>
+              <a:pPr algn="ctr"/>
+              <a:r>
+                <a:rPr lang="en-US" altLang="ko-KR" sz="1400"/>
+                <a:t>Reconciler</a:t>
+              </a:r>
+              <a:endParaRPr lang="ko-KR" altLang="en-US" sz="1400"/>
+            </a:p>
+          </p:txBody>
+        </p:sp>
+      </p:grpSp>
       <p:sp>
         <p:nvSpPr>
           <p:cNvPr id="106" name="자유형: 도형 105">
@@ -4509,71 +5119,23 @@
       </p:sp>
       <p:cxnSp>
         <p:nvCxnSpPr>
-          <p:cNvPr id="107" name="직선 화살표 연결선 106">
-            <a:extLst>
-              <a:ext uri="{FF2B5EF4-FFF2-40B4-BE49-F238E27FC236}">
-                <a16:creationId xmlns:a16="http://schemas.microsoft.com/office/drawing/2014/main" id="{2A360D0A-8004-4CEA-AC9F-13C632BD97D3}"/>
+          <p:cNvPr id="123" name="직선 화살표 연결선 122">
+            <a:extLst>
+              <a:ext uri="{FF2B5EF4-FFF2-40B4-BE49-F238E27FC236}">
+                <a16:creationId xmlns:a16="http://schemas.microsoft.com/office/drawing/2014/main" id="{729E821C-C7DB-4FFA-8D66-2DDA6489E6EA}"/>
               </a:ext>
             </a:extLst>
           </p:cNvPr>
           <p:cNvCxnSpPr>
             <a:cxnSpLocks/>
-            <a:stCxn id="27" idx="0"/>
-            <a:endCxn id="4" idx="2"/>
+            <a:endCxn id="61" idx="3"/>
           </p:cNvCxnSpPr>
           <p:nvPr/>
         </p:nvCxnSpPr>
         <p:spPr>
-          <a:xfrm flipH="1" flipV="1">
-            <a:off x="2800829" y="1249849"/>
-            <a:ext cx="1471454" cy="1440202"/>
-          </a:xfrm>
-          <a:prstGeom prst="straightConnector1">
-            <a:avLst/>
-          </a:prstGeom>
-          <a:ln w="28575">
-            <a:solidFill>
-              <a:schemeClr val="tx1"/>
-            </a:solidFill>
-            <a:headEnd type="none" w="med" len="med"/>
-            <a:tailEnd type="arrow" w="med" len="med"/>
-          </a:ln>
-        </p:spPr>
-        <p:style>
-          <a:lnRef idx="1">
-            <a:schemeClr val="accent1"/>
-          </a:lnRef>
-          <a:fillRef idx="0">
-            <a:schemeClr val="accent1"/>
-          </a:fillRef>
-          <a:effectRef idx="0">
-            <a:schemeClr val="accent1"/>
-          </a:effectRef>
-          <a:fontRef idx="minor">
-            <a:schemeClr val="tx1"/>
-          </a:fontRef>
-        </p:style>
-      </p:cxnSp>
-      <p:cxnSp>
-        <p:nvCxnSpPr>
-          <p:cNvPr id="120" name="직선 화살표 연결선 119">
-            <a:extLst>
-              <a:ext uri="{FF2B5EF4-FFF2-40B4-BE49-F238E27FC236}">
-                <a16:creationId xmlns:a16="http://schemas.microsoft.com/office/drawing/2014/main" id="{0891CEF7-6433-4796-BFBC-C787312A0809}"/>
-              </a:ext>
-            </a:extLst>
-          </p:cNvPr>
-          <p:cNvCxnSpPr>
-            <a:cxnSpLocks/>
-            <a:stCxn id="23" idx="1"/>
-            <a:endCxn id="60" idx="3"/>
-          </p:cNvCxnSpPr>
-          <p:nvPr/>
-        </p:nvCxnSpPr>
-        <p:spPr>
           <a:xfrm flipH="1">
-            <a:off x="5004048" y="2914386"/>
-            <a:ext cx="1735618" cy="618782"/>
+            <a:off x="5004048" y="3923600"/>
+            <a:ext cx="1735618" cy="229641"/>
           </a:xfrm>
           <a:prstGeom prst="straightConnector1">
             <a:avLst/>
@@ -4601,557 +5163,6 @@
           </a:fontRef>
         </p:style>
       </p:cxnSp>
-      <p:cxnSp>
-        <p:nvCxnSpPr>
-          <p:cNvPr id="123" name="직선 화살표 연결선 122">
-            <a:extLst>
-              <a:ext uri="{FF2B5EF4-FFF2-40B4-BE49-F238E27FC236}">
-                <a16:creationId xmlns:a16="http://schemas.microsoft.com/office/drawing/2014/main" id="{729E821C-C7DB-4FFA-8D66-2DDA6489E6EA}"/>
-              </a:ext>
-            </a:extLst>
-          </p:cNvPr>
-          <p:cNvCxnSpPr>
-            <a:cxnSpLocks/>
-            <a:stCxn id="45" idx="1"/>
-            <a:endCxn id="61" idx="3"/>
-          </p:cNvCxnSpPr>
-          <p:nvPr/>
-        </p:nvCxnSpPr>
-        <p:spPr>
-          <a:xfrm flipH="1">
-            <a:off x="5004048" y="3917707"/>
-            <a:ext cx="1735618" cy="235534"/>
-          </a:xfrm>
-          <a:prstGeom prst="straightConnector1">
-            <a:avLst/>
-          </a:prstGeom>
-          <a:ln w="28575">
-            <a:solidFill>
-              <a:schemeClr val="tx2"/>
-            </a:solidFill>
-            <a:headEnd type="arrow" w="med" len="med"/>
-            <a:tailEnd type="arrow" w="med" len="med"/>
-          </a:ln>
-        </p:spPr>
-        <p:style>
-          <a:lnRef idx="1">
-            <a:schemeClr val="accent1"/>
-          </a:lnRef>
-          <a:fillRef idx="0">
-            <a:schemeClr val="accent1"/>
-          </a:fillRef>
-          <a:effectRef idx="0">
-            <a:schemeClr val="accent1"/>
-          </a:effectRef>
-          <a:fontRef idx="minor">
-            <a:schemeClr val="tx1"/>
-          </a:fontRef>
-        </p:style>
-      </p:cxnSp>
-      <p:sp>
-        <p:nvSpPr>
-          <p:cNvPr id="126" name="TextBox 125">
-            <a:extLst>
-              <a:ext uri="{FF2B5EF4-FFF2-40B4-BE49-F238E27FC236}">
-                <a16:creationId xmlns:a16="http://schemas.microsoft.com/office/drawing/2014/main" id="{517E2A38-BDE7-478E-9AEB-F8FCA7C2CD2A}"/>
-              </a:ext>
-            </a:extLst>
-          </p:cNvPr>
-          <p:cNvSpPr txBox="1"/>
-          <p:nvPr/>
-        </p:nvSpPr>
-        <p:spPr>
-          <a:xfrm>
-            <a:off x="5076056" y="3478070"/>
-            <a:ext cx="1481624" cy="461665"/>
-          </a:xfrm>
-          <a:prstGeom prst="rect">
-            <a:avLst/>
-          </a:prstGeom>
-          <a:noFill/>
-        </p:spPr>
-        <p:txBody>
-          <a:bodyPr wrap="none" rtlCol="0">
-            <a:spAutoFit/>
-          </a:bodyPr>
-          <a:lstStyle/>
-          <a:p>
-            <a:pPr algn="ctr"/>
-            <a:r>
-              <a:rPr lang="en-US" altLang="ko-KR" sz="1200">
-                <a:solidFill>
-                  <a:schemeClr val="tx2"/>
-                </a:solidFill>
-              </a:rPr>
-              <a:t>Dequeue/Requeue</a:t>
-            </a:r>
-          </a:p>
-          <a:p>
-            <a:pPr algn="ctr"/>
-            <a:r>
-              <a:rPr lang="en-US" altLang="ko-KR" sz="1200">
-                <a:solidFill>
-                  <a:schemeClr val="tx2"/>
-                </a:solidFill>
-              </a:rPr>
-              <a:t>Object NS,Name</a:t>
-            </a:r>
-          </a:p>
-        </p:txBody>
-      </p:sp>
-      <p:cxnSp>
-        <p:nvCxnSpPr>
-          <p:cNvPr id="141" name="직선 화살표 연결선 140">
-            <a:extLst>
-              <a:ext uri="{FF2B5EF4-FFF2-40B4-BE49-F238E27FC236}">
-                <a16:creationId xmlns:a16="http://schemas.microsoft.com/office/drawing/2014/main" id="{00BAD58C-D8FD-4731-BD50-F98158E03AF6}"/>
-              </a:ext>
-            </a:extLst>
-          </p:cNvPr>
-          <p:cNvCxnSpPr>
-            <a:cxnSpLocks/>
-            <a:stCxn id="4" idx="2"/>
-            <a:endCxn id="28" idx="0"/>
-          </p:cNvCxnSpPr>
-          <p:nvPr/>
-        </p:nvCxnSpPr>
-        <p:spPr>
-          <a:xfrm flipH="1">
-            <a:off x="1952849" y="1249849"/>
-            <a:ext cx="847980" cy="1917082"/>
-          </a:xfrm>
-          <a:prstGeom prst="straightConnector1">
-            <a:avLst/>
-          </a:prstGeom>
-          <a:ln w="28575">
-            <a:solidFill>
-              <a:schemeClr val="tx1"/>
-            </a:solidFill>
-            <a:headEnd type="none" w="med" len="med"/>
-            <a:tailEnd type="arrow" w="med" len="med"/>
-          </a:ln>
-        </p:spPr>
-        <p:style>
-          <a:lnRef idx="1">
-            <a:schemeClr val="accent1"/>
-          </a:lnRef>
-          <a:fillRef idx="0">
-            <a:schemeClr val="accent1"/>
-          </a:fillRef>
-          <a:effectRef idx="0">
-            <a:schemeClr val="accent1"/>
-          </a:effectRef>
-          <a:fontRef idx="minor">
-            <a:schemeClr val="tx1"/>
-          </a:fontRef>
-        </p:style>
-      </p:cxnSp>
-      <p:cxnSp>
-        <p:nvCxnSpPr>
-          <p:cNvPr id="145" name="직선 화살표 연결선 144">
-            <a:extLst>
-              <a:ext uri="{FF2B5EF4-FFF2-40B4-BE49-F238E27FC236}">
-                <a16:creationId xmlns:a16="http://schemas.microsoft.com/office/drawing/2014/main" id="{9FFBAE37-72E1-4955-9DE7-6AF4CA17A7DD}"/>
-              </a:ext>
-            </a:extLst>
-          </p:cNvPr>
-          <p:cNvCxnSpPr>
-            <a:cxnSpLocks/>
-            <a:stCxn id="28" idx="3"/>
-            <a:endCxn id="27" idx="1"/>
-          </p:cNvCxnSpPr>
-          <p:nvPr/>
-        </p:nvCxnSpPr>
-        <p:spPr>
-          <a:xfrm flipV="1">
-            <a:off x="2646981" y="2913095"/>
-            <a:ext cx="893537" cy="648550"/>
-          </a:xfrm>
-          <a:prstGeom prst="straightConnector1">
-            <a:avLst/>
-          </a:prstGeom>
-          <a:ln w="28575">
-            <a:solidFill>
-              <a:schemeClr val="tx1"/>
-            </a:solidFill>
-            <a:headEnd type="none" w="med" len="med"/>
-            <a:tailEnd type="arrow" w="med" len="med"/>
-          </a:ln>
-        </p:spPr>
-        <p:style>
-          <a:lnRef idx="1">
-            <a:schemeClr val="accent1"/>
-          </a:lnRef>
-          <a:fillRef idx="0">
-            <a:schemeClr val="accent1"/>
-          </a:fillRef>
-          <a:effectRef idx="0">
-            <a:schemeClr val="accent1"/>
-          </a:effectRef>
-          <a:fontRef idx="minor">
-            <a:schemeClr val="tx1"/>
-          </a:fontRef>
-        </p:style>
-      </p:cxnSp>
-      <p:sp>
-        <p:nvSpPr>
-          <p:cNvPr id="149" name="TextBox 148">
-            <a:extLst>
-              <a:ext uri="{FF2B5EF4-FFF2-40B4-BE49-F238E27FC236}">
-                <a16:creationId xmlns:a16="http://schemas.microsoft.com/office/drawing/2014/main" id="{22E48EE0-8638-475A-ABD3-96DD7E6A3034}"/>
-              </a:ext>
-            </a:extLst>
-          </p:cNvPr>
-          <p:cNvSpPr txBox="1"/>
-          <p:nvPr/>
-        </p:nvSpPr>
-        <p:spPr>
-          <a:xfrm>
-            <a:off x="2634334" y="2741645"/>
-            <a:ext cx="641522" cy="461665"/>
-          </a:xfrm>
-          <a:prstGeom prst="rect">
-            <a:avLst/>
-          </a:prstGeom>
-          <a:noFill/>
-        </p:spPr>
-        <p:txBody>
-          <a:bodyPr wrap="none" rtlCol="0">
-            <a:spAutoFit/>
-          </a:bodyPr>
-          <a:lstStyle/>
-          <a:p>
-            <a:pPr algn="ctr"/>
-            <a:r>
-              <a:rPr lang="en-US" altLang="ko-KR" sz="1200"/>
-              <a:t>Read</a:t>
-            </a:r>
-          </a:p>
-          <a:p>
-            <a:pPr algn="ctr"/>
-            <a:r>
-              <a:rPr lang="en-US" altLang="ko-KR" sz="1200"/>
-              <a:t>Object</a:t>
-            </a:r>
-            <a:endParaRPr lang="ko-KR" altLang="en-US" sz="1200"/>
-          </a:p>
-        </p:txBody>
-      </p:sp>
-      <p:cxnSp>
-        <p:nvCxnSpPr>
-          <p:cNvPr id="151" name="직선 화살표 연결선 150">
-            <a:extLst>
-              <a:ext uri="{FF2B5EF4-FFF2-40B4-BE49-F238E27FC236}">
-                <a16:creationId xmlns:a16="http://schemas.microsoft.com/office/drawing/2014/main" id="{0D9194DB-1BB5-4AFD-87C1-8D05C026D2B1}"/>
-              </a:ext>
-            </a:extLst>
-          </p:cNvPr>
-          <p:cNvCxnSpPr>
-            <a:cxnSpLocks/>
-            <a:stCxn id="46" idx="3"/>
-            <a:endCxn id="60" idx="1"/>
-          </p:cNvCxnSpPr>
-          <p:nvPr/>
-        </p:nvCxnSpPr>
-        <p:spPr>
-          <a:xfrm>
-            <a:off x="2542864" y="3426965"/>
-            <a:ext cx="997654" cy="106203"/>
-          </a:xfrm>
-          <a:prstGeom prst="straightConnector1">
-            <a:avLst/>
-          </a:prstGeom>
-          <a:ln w="28575">
-            <a:solidFill>
-              <a:srgbClr val="C00000"/>
-            </a:solidFill>
-            <a:headEnd type="none" w="med" len="med"/>
-            <a:tailEnd type="arrow" w="med" len="med"/>
-          </a:ln>
-        </p:spPr>
-        <p:style>
-          <a:lnRef idx="1">
-            <a:schemeClr val="accent1"/>
-          </a:lnRef>
-          <a:fillRef idx="0">
-            <a:schemeClr val="accent1"/>
-          </a:fillRef>
-          <a:effectRef idx="0">
-            <a:schemeClr val="accent1"/>
-          </a:effectRef>
-          <a:fontRef idx="minor">
-            <a:schemeClr val="tx1"/>
-          </a:fontRef>
-        </p:style>
-      </p:cxnSp>
-      <p:cxnSp>
-        <p:nvCxnSpPr>
-          <p:cNvPr id="154" name="직선 화살표 연결선 153">
-            <a:extLst>
-              <a:ext uri="{FF2B5EF4-FFF2-40B4-BE49-F238E27FC236}">
-                <a16:creationId xmlns:a16="http://schemas.microsoft.com/office/drawing/2014/main" id="{1F644FD8-FC8A-46CF-880F-5F7650D15568}"/>
-              </a:ext>
-            </a:extLst>
-          </p:cNvPr>
-          <p:cNvCxnSpPr>
-            <a:cxnSpLocks/>
-            <a:stCxn id="46" idx="3"/>
-            <a:endCxn id="61" idx="1"/>
-          </p:cNvCxnSpPr>
-          <p:nvPr/>
-        </p:nvCxnSpPr>
-        <p:spPr>
-          <a:xfrm>
-            <a:off x="2542864" y="3426965"/>
-            <a:ext cx="997654" cy="726276"/>
-          </a:xfrm>
-          <a:prstGeom prst="straightConnector1">
-            <a:avLst/>
-          </a:prstGeom>
-          <a:ln w="28575">
-            <a:solidFill>
-              <a:srgbClr val="C00000"/>
-            </a:solidFill>
-            <a:headEnd type="none" w="med" len="med"/>
-            <a:tailEnd type="arrow" w="med" len="med"/>
-          </a:ln>
-        </p:spPr>
-        <p:style>
-          <a:lnRef idx="1">
-            <a:schemeClr val="accent1"/>
-          </a:lnRef>
-          <a:fillRef idx="0">
-            <a:schemeClr val="accent1"/>
-          </a:fillRef>
-          <a:effectRef idx="0">
-            <a:schemeClr val="accent1"/>
-          </a:effectRef>
-          <a:fontRef idx="minor">
-            <a:schemeClr val="tx1"/>
-          </a:fontRef>
-        </p:style>
-      </p:cxnSp>
-      <p:sp>
-        <p:nvSpPr>
-          <p:cNvPr id="158" name="TextBox 157">
-            <a:extLst>
-              <a:ext uri="{FF2B5EF4-FFF2-40B4-BE49-F238E27FC236}">
-                <a16:creationId xmlns:a16="http://schemas.microsoft.com/office/drawing/2014/main" id="{ECEDEECE-F2AC-43AD-A0E9-9650375F2739}"/>
-              </a:ext>
-            </a:extLst>
-          </p:cNvPr>
-          <p:cNvSpPr txBox="1"/>
-          <p:nvPr/>
-        </p:nvSpPr>
-        <p:spPr>
-          <a:xfrm>
-            <a:off x="2339776" y="3946853"/>
-            <a:ext cx="1074974" cy="276999"/>
-          </a:xfrm>
-          <a:prstGeom prst="rect">
-            <a:avLst/>
-          </a:prstGeom>
-          <a:noFill/>
-        </p:spPr>
-        <p:txBody>
-          <a:bodyPr wrap="none" rtlCol="0">
-            <a:spAutoFit/>
-          </a:bodyPr>
-          <a:lstStyle/>
-          <a:p>
-            <a:r>
-              <a:rPr lang="en-US" altLang="ko-KR" sz="1200">
-                <a:solidFill>
-                  <a:srgbClr val="C00000"/>
-                </a:solidFill>
-              </a:rPr>
-              <a:t>Object Event</a:t>
-            </a:r>
-            <a:endParaRPr lang="ko-KR" altLang="en-US" sz="1200">
-              <a:solidFill>
-                <a:srgbClr val="C00000"/>
-              </a:solidFill>
-            </a:endParaRPr>
-          </a:p>
-        </p:txBody>
-      </p:sp>
-      <p:cxnSp>
-        <p:nvCxnSpPr>
-          <p:cNvPr id="159" name="직선 화살표 연결선 158">
-            <a:extLst>
-              <a:ext uri="{FF2B5EF4-FFF2-40B4-BE49-F238E27FC236}">
-                <a16:creationId xmlns:a16="http://schemas.microsoft.com/office/drawing/2014/main" id="{35212B0E-6628-4913-B92C-2C4E34274FDE}"/>
-              </a:ext>
-            </a:extLst>
-          </p:cNvPr>
-          <p:cNvCxnSpPr>
-            <a:cxnSpLocks/>
-          </p:cNvCxnSpPr>
-          <p:nvPr/>
-        </p:nvCxnSpPr>
-        <p:spPr>
-          <a:xfrm flipV="1">
-            <a:off x="1763688" y="1249849"/>
-            <a:ext cx="847980" cy="1986310"/>
-          </a:xfrm>
-          <a:prstGeom prst="straightConnector1">
-            <a:avLst/>
-          </a:prstGeom>
-          <a:ln w="28575">
-            <a:solidFill>
-              <a:schemeClr val="tx1"/>
-            </a:solidFill>
-            <a:headEnd type="none" w="med" len="med"/>
-            <a:tailEnd type="arrow" w="med" len="med"/>
-          </a:ln>
-        </p:spPr>
-        <p:style>
-          <a:lnRef idx="1">
-            <a:schemeClr val="accent1"/>
-          </a:lnRef>
-          <a:fillRef idx="0">
-            <a:schemeClr val="accent1"/>
-          </a:fillRef>
-          <a:effectRef idx="0">
-            <a:schemeClr val="accent1"/>
-          </a:effectRef>
-          <a:fontRef idx="minor">
-            <a:schemeClr val="tx1"/>
-          </a:fontRef>
-        </p:style>
-      </p:cxnSp>
-      <p:sp>
-        <p:nvSpPr>
-          <p:cNvPr id="162" name="TextBox 161">
-            <a:extLst>
-              <a:ext uri="{FF2B5EF4-FFF2-40B4-BE49-F238E27FC236}">
-                <a16:creationId xmlns:a16="http://schemas.microsoft.com/office/drawing/2014/main" id="{9FD00801-6A1B-45E7-9A2A-D322321864C3}"/>
-              </a:ext>
-            </a:extLst>
-          </p:cNvPr>
-          <p:cNvSpPr txBox="1"/>
-          <p:nvPr/>
-        </p:nvSpPr>
-        <p:spPr>
-          <a:xfrm>
-            <a:off x="1648618" y="1729177"/>
-            <a:ext cx="641522" cy="461665"/>
-          </a:xfrm>
-          <a:prstGeom prst="rect">
-            <a:avLst/>
-          </a:prstGeom>
-          <a:noFill/>
-        </p:spPr>
-        <p:txBody>
-          <a:bodyPr wrap="none" rtlCol="0">
-            <a:spAutoFit/>
-          </a:bodyPr>
-          <a:lstStyle/>
-          <a:p>
-            <a:pPr algn="ctr"/>
-            <a:r>
-              <a:rPr lang="en-US" altLang="ko-KR" sz="1200"/>
-              <a:t>Watch</a:t>
-            </a:r>
-          </a:p>
-          <a:p>
-            <a:pPr algn="ctr"/>
-            <a:r>
-              <a:rPr lang="en-US" altLang="ko-KR" sz="1200"/>
-              <a:t>Object</a:t>
-            </a:r>
-            <a:endParaRPr lang="ko-KR" altLang="en-US" sz="1200"/>
-          </a:p>
-        </p:txBody>
-      </p:sp>
-      <p:sp>
-        <p:nvSpPr>
-          <p:cNvPr id="163" name="TextBox 162">
-            <a:extLst>
-              <a:ext uri="{FF2B5EF4-FFF2-40B4-BE49-F238E27FC236}">
-                <a16:creationId xmlns:a16="http://schemas.microsoft.com/office/drawing/2014/main" id="{7A6F0006-B1AC-4E30-A870-903BDDFE92F1}"/>
-              </a:ext>
-            </a:extLst>
-          </p:cNvPr>
-          <p:cNvSpPr txBox="1"/>
-          <p:nvPr/>
-        </p:nvSpPr>
-        <p:spPr>
-          <a:xfrm>
-            <a:off x="2427188" y="1733533"/>
-            <a:ext cx="641522" cy="461665"/>
-          </a:xfrm>
-          <a:prstGeom prst="rect">
-            <a:avLst/>
-          </a:prstGeom>
-          <a:noFill/>
-        </p:spPr>
-        <p:txBody>
-          <a:bodyPr wrap="none" rtlCol="0">
-            <a:spAutoFit/>
-          </a:bodyPr>
-          <a:lstStyle/>
-          <a:p>
-            <a:pPr algn="ctr"/>
-            <a:r>
-              <a:rPr lang="en-US" altLang="ko-KR" sz="1200"/>
-              <a:t>Sync</a:t>
-            </a:r>
-            <a:br>
-              <a:rPr lang="en-US" altLang="ko-KR" sz="1200"/>
-            </a:br>
-            <a:r>
-              <a:rPr lang="en-US" altLang="ko-KR" sz="1200"/>
-              <a:t>Object</a:t>
-            </a:r>
-            <a:endParaRPr lang="ko-KR" altLang="en-US" sz="1200"/>
-          </a:p>
-        </p:txBody>
-      </p:sp>
-      <p:sp>
-        <p:nvSpPr>
-          <p:cNvPr id="164" name="TextBox 163">
-            <a:extLst>
-              <a:ext uri="{FF2B5EF4-FFF2-40B4-BE49-F238E27FC236}">
-                <a16:creationId xmlns:a16="http://schemas.microsoft.com/office/drawing/2014/main" id="{19F8D1DB-0FDC-44CD-AEE2-489022E8B969}"/>
-              </a:ext>
-            </a:extLst>
-          </p:cNvPr>
-          <p:cNvSpPr txBox="1"/>
-          <p:nvPr/>
-        </p:nvSpPr>
-        <p:spPr>
-          <a:xfrm>
-            <a:off x="3635896" y="1733533"/>
-            <a:ext cx="641522" cy="461665"/>
-          </a:xfrm>
-          <a:prstGeom prst="rect">
-            <a:avLst/>
-          </a:prstGeom>
-          <a:noFill/>
-        </p:spPr>
-        <p:txBody>
-          <a:bodyPr wrap="none" rtlCol="0">
-            <a:spAutoFit/>
-          </a:bodyPr>
-          <a:lstStyle/>
-          <a:p>
-            <a:pPr algn="ctr"/>
-            <a:r>
-              <a:rPr lang="en-US" altLang="ko-KR" sz="1200"/>
-              <a:t>Write</a:t>
-            </a:r>
-            <a:br>
-              <a:rPr lang="en-US" altLang="ko-KR" sz="1200"/>
-            </a:br>
-            <a:r>
-              <a:rPr lang="en-US" altLang="ko-KR" sz="1200"/>
-              <a:t>Object</a:t>
-            </a:r>
-            <a:endParaRPr lang="ko-KR" altLang="en-US" sz="1200"/>
-          </a:p>
-        </p:txBody>
-      </p:sp>
     </p:spTree>
     <p:extLst>
       <p:ext uri="{BB962C8B-B14F-4D97-AF65-F5344CB8AC3E}">
